--- a/slides/aspnet_mvc_zen.pptx
+++ b/slides/aspnet_mvc_zen.pptx
@@ -5,10 +5,10 @@
     <p:sldMasterId id="2147483659" r:id="rId1"/>
   </p:sldMasterIdLst>
   <p:notesMasterIdLst>
-    <p:notesMasterId r:id="rId30"/>
+    <p:notesMasterId r:id="rId33"/>
   </p:notesMasterIdLst>
   <p:handoutMasterIdLst>
-    <p:handoutMasterId r:id="rId31"/>
+    <p:handoutMasterId r:id="rId34"/>
   </p:handoutMasterIdLst>
   <p:sldIdLst>
     <p:sldId id="257" r:id="rId2"/>
@@ -17,28 +17,31 @@
     <p:sldId id="259" r:id="rId5"/>
     <p:sldId id="260" r:id="rId6"/>
     <p:sldId id="261" r:id="rId7"/>
-    <p:sldId id="262" r:id="rId8"/>
-    <p:sldId id="263" r:id="rId9"/>
-    <p:sldId id="264" r:id="rId10"/>
-    <p:sldId id="267" r:id="rId11"/>
-    <p:sldId id="268" r:id="rId12"/>
-    <p:sldId id="269" r:id="rId13"/>
-    <p:sldId id="270" r:id="rId14"/>
-    <p:sldId id="271" r:id="rId15"/>
-    <p:sldId id="272" r:id="rId16"/>
-    <p:sldId id="273" r:id="rId17"/>
-    <p:sldId id="274" r:id="rId18"/>
-    <p:sldId id="275" r:id="rId19"/>
-    <p:sldId id="276" r:id="rId20"/>
-    <p:sldId id="277" r:id="rId21"/>
-    <p:sldId id="278" r:id="rId22"/>
-    <p:sldId id="289" r:id="rId23"/>
-    <p:sldId id="288" r:id="rId24"/>
-    <p:sldId id="280" r:id="rId25"/>
-    <p:sldId id="283" r:id="rId26"/>
-    <p:sldId id="284" r:id="rId27"/>
-    <p:sldId id="285" r:id="rId28"/>
-    <p:sldId id="290" r:id="rId29"/>
+    <p:sldId id="291" r:id="rId8"/>
+    <p:sldId id="292" r:id="rId9"/>
+    <p:sldId id="262" r:id="rId10"/>
+    <p:sldId id="263" r:id="rId11"/>
+    <p:sldId id="264" r:id="rId12"/>
+    <p:sldId id="293" r:id="rId13"/>
+    <p:sldId id="267" r:id="rId14"/>
+    <p:sldId id="268" r:id="rId15"/>
+    <p:sldId id="269" r:id="rId16"/>
+    <p:sldId id="270" r:id="rId17"/>
+    <p:sldId id="271" r:id="rId18"/>
+    <p:sldId id="272" r:id="rId19"/>
+    <p:sldId id="273" r:id="rId20"/>
+    <p:sldId id="274" r:id="rId21"/>
+    <p:sldId id="275" r:id="rId22"/>
+    <p:sldId id="276" r:id="rId23"/>
+    <p:sldId id="277" r:id="rId24"/>
+    <p:sldId id="278" r:id="rId25"/>
+    <p:sldId id="289" r:id="rId26"/>
+    <p:sldId id="288" r:id="rId27"/>
+    <p:sldId id="280" r:id="rId28"/>
+    <p:sldId id="283" r:id="rId29"/>
+    <p:sldId id="284" r:id="rId30"/>
+    <p:sldId id="285" r:id="rId31"/>
+    <p:sldId id="290" r:id="rId32"/>
   </p:sldIdLst>
   <p:sldSz cx="9144000" cy="6858000" type="screen4x3"/>
   <p:notesSz cx="6858000" cy="9144000"/>
@@ -941,7 +944,7 @@
       </p:grpSpPr>
       <p:sp>
         <p:nvSpPr>
-          <p:cNvPr id="41986" name="Rectangle 2"/>
+          <p:cNvPr id="37890" name="Rectangle 2"/>
           <p:cNvSpPr>
             <a:spLocks noGrp="1" noChangeArrowheads="1"/>
           </p:cNvSpPr>
@@ -965,7 +968,7 @@
       </p:sp>
       <p:sp>
         <p:nvSpPr>
-          <p:cNvPr id="41987" name="Rectangle 6"/>
+          <p:cNvPr id="37891" name="Rectangle 6"/>
           <p:cNvSpPr>
             <a:spLocks noGrp="1" noChangeArrowheads="1"/>
           </p:cNvSpPr>
@@ -997,7 +1000,7 @@
       </p:sp>
       <p:sp>
         <p:nvSpPr>
-          <p:cNvPr id="41988" name="Rectangle 7"/>
+          <p:cNvPr id="37892" name="Rectangle 7"/>
           <p:cNvSpPr>
             <a:spLocks noGrp="1" noChangeArrowheads="1"/>
           </p:cNvSpPr>
@@ -1012,7 +1015,7 @@
           <a:bodyPr/>
           <a:lstStyle/>
           <a:p>
-            <a:fld id="{B6A34D91-0714-4A4A-9F6A-3E30EE85921A}" type="slidenum">
+            <a:fld id="{4769C9FD-B728-4F36-9336-E4051B0C3AA9}" type="slidenum">
               <a:rPr lang="en-US" smtClean="0"/>
               <a:pPr/>
               <a:t>11</a:t>
@@ -1023,7 +1026,7 @@
       </p:sp>
       <p:sp>
         <p:nvSpPr>
-          <p:cNvPr id="41989" name="Rectangle 2"/>
+          <p:cNvPr id="37893" name="Rectangle 2"/>
           <p:cNvSpPr>
             <a:spLocks noGrp="1" noRot="1" noChangeAspect="1" noChangeArrowheads="1" noTextEdit="1"/>
           </p:cNvSpPr>
@@ -1037,7 +1040,7 @@
       </p:sp>
       <p:sp>
         <p:nvSpPr>
-          <p:cNvPr id="41990" name="Rectangle 3"/>
+          <p:cNvPr id="37894" name="Rectangle 3"/>
           <p:cNvSpPr>
             <a:spLocks noGrp="1" noChangeArrowheads="1"/>
           </p:cNvSpPr>
@@ -1085,7 +1088,7 @@
       </p:grpSpPr>
       <p:sp>
         <p:nvSpPr>
-          <p:cNvPr id="43010" name="Rectangle 2"/>
+          <p:cNvPr id="56322" name="Rectangle 2"/>
           <p:cNvSpPr>
             <a:spLocks noGrp="1" noChangeArrowheads="1"/>
           </p:cNvSpPr>
@@ -1109,7 +1112,7 @@
       </p:sp>
       <p:sp>
         <p:nvSpPr>
-          <p:cNvPr id="43011" name="Rectangle 6"/>
+          <p:cNvPr id="56323" name="Rectangle 6"/>
           <p:cNvSpPr>
             <a:spLocks noGrp="1" noChangeArrowheads="1"/>
           </p:cNvSpPr>
@@ -1141,7 +1144,7 @@
       </p:sp>
       <p:sp>
         <p:nvSpPr>
-          <p:cNvPr id="43012" name="Rectangle 7"/>
+          <p:cNvPr id="56324" name="Rectangle 7"/>
           <p:cNvSpPr>
             <a:spLocks noGrp="1" noChangeArrowheads="1"/>
           </p:cNvSpPr>
@@ -1156,7 +1159,7 @@
           <a:bodyPr/>
           <a:lstStyle/>
           <a:p>
-            <a:fld id="{077450D3-7EF5-4795-8310-B028D05231C1}" type="slidenum">
+            <a:fld id="{3394D8F1-68CD-41D4-917D-521BF152B34F}" type="slidenum">
               <a:rPr lang="en-US" smtClean="0"/>
               <a:pPr/>
               <a:t>12</a:t>
@@ -1167,7 +1170,7 @@
       </p:sp>
       <p:sp>
         <p:nvSpPr>
-          <p:cNvPr id="43013" name="Rectangle 2"/>
+          <p:cNvPr id="56325" name="Rectangle 2"/>
           <p:cNvSpPr>
             <a:spLocks noGrp="1" noRot="1" noChangeAspect="1" noChangeArrowheads="1" noTextEdit="1"/>
           </p:cNvSpPr>
@@ -1181,7 +1184,7 @@
       </p:sp>
       <p:sp>
         <p:nvSpPr>
-          <p:cNvPr id="43014" name="Rectangle 3"/>
+          <p:cNvPr id="56326" name="Rectangle 3"/>
           <p:cNvSpPr>
             <a:spLocks noGrp="1" noChangeArrowheads="1"/>
           </p:cNvSpPr>
@@ -1229,7 +1232,7 @@
       </p:grpSpPr>
       <p:sp>
         <p:nvSpPr>
-          <p:cNvPr id="44034" name="Rectangle 2"/>
+          <p:cNvPr id="40962" name="Rectangle 2"/>
           <p:cNvSpPr>
             <a:spLocks noGrp="1" noChangeArrowheads="1"/>
           </p:cNvSpPr>
@@ -1253,7 +1256,7 @@
       </p:sp>
       <p:sp>
         <p:nvSpPr>
-          <p:cNvPr id="44035" name="Rectangle 6"/>
+          <p:cNvPr id="40963" name="Rectangle 6"/>
           <p:cNvSpPr>
             <a:spLocks noGrp="1" noChangeArrowheads="1"/>
           </p:cNvSpPr>
@@ -1285,7 +1288,7 @@
       </p:sp>
       <p:sp>
         <p:nvSpPr>
-          <p:cNvPr id="44036" name="Rectangle 7"/>
+          <p:cNvPr id="40964" name="Rectangle 7"/>
           <p:cNvSpPr>
             <a:spLocks noGrp="1" noChangeArrowheads="1"/>
           </p:cNvSpPr>
@@ -1300,7 +1303,7 @@
           <a:bodyPr/>
           <a:lstStyle/>
           <a:p>
-            <a:fld id="{71E76C93-7514-4209-B693-2E1F7C85090C}" type="slidenum">
+            <a:fld id="{5438A4A7-6B87-4B49-9746-7F3332D26A73}" type="slidenum">
               <a:rPr lang="en-US" smtClean="0"/>
               <a:pPr/>
               <a:t>13</a:t>
@@ -1311,7 +1314,7 @@
       </p:sp>
       <p:sp>
         <p:nvSpPr>
-          <p:cNvPr id="44037" name="Rectangle 2"/>
+          <p:cNvPr id="40965" name="Rectangle 2"/>
           <p:cNvSpPr>
             <a:spLocks noGrp="1" noRot="1" noChangeAspect="1" noChangeArrowheads="1" noTextEdit="1"/>
           </p:cNvSpPr>
@@ -1325,7 +1328,7 @@
       </p:sp>
       <p:sp>
         <p:nvSpPr>
-          <p:cNvPr id="44038" name="Rectangle 3"/>
+          <p:cNvPr id="40966" name="Rectangle 3"/>
           <p:cNvSpPr>
             <a:spLocks noGrp="1" noChangeArrowheads="1"/>
           </p:cNvSpPr>
@@ -1373,7 +1376,7 @@
       </p:grpSpPr>
       <p:sp>
         <p:nvSpPr>
-          <p:cNvPr id="45058" name="Rectangle 2"/>
+          <p:cNvPr id="41986" name="Rectangle 2"/>
           <p:cNvSpPr>
             <a:spLocks noGrp="1" noChangeArrowheads="1"/>
           </p:cNvSpPr>
@@ -1397,7 +1400,7 @@
       </p:sp>
       <p:sp>
         <p:nvSpPr>
-          <p:cNvPr id="45059" name="Rectangle 6"/>
+          <p:cNvPr id="41987" name="Rectangle 6"/>
           <p:cNvSpPr>
             <a:spLocks noGrp="1" noChangeArrowheads="1"/>
           </p:cNvSpPr>
@@ -1429,7 +1432,7 @@
       </p:sp>
       <p:sp>
         <p:nvSpPr>
-          <p:cNvPr id="45060" name="Rectangle 7"/>
+          <p:cNvPr id="41988" name="Rectangle 7"/>
           <p:cNvSpPr>
             <a:spLocks noGrp="1" noChangeArrowheads="1"/>
           </p:cNvSpPr>
@@ -1444,7 +1447,7 @@
           <a:bodyPr/>
           <a:lstStyle/>
           <a:p>
-            <a:fld id="{A82DCA77-7620-4A9A-B6C4-3CBAE9B1726D}" type="slidenum">
+            <a:fld id="{B6A34D91-0714-4A4A-9F6A-3E30EE85921A}" type="slidenum">
               <a:rPr lang="en-US" smtClean="0"/>
               <a:pPr/>
               <a:t>14</a:t>
@@ -1455,7 +1458,7 @@
       </p:sp>
       <p:sp>
         <p:nvSpPr>
-          <p:cNvPr id="45061" name="Rectangle 2"/>
+          <p:cNvPr id="41989" name="Rectangle 2"/>
           <p:cNvSpPr>
             <a:spLocks noGrp="1" noRot="1" noChangeAspect="1" noChangeArrowheads="1" noTextEdit="1"/>
           </p:cNvSpPr>
@@ -1469,7 +1472,7 @@
       </p:sp>
       <p:sp>
         <p:nvSpPr>
-          <p:cNvPr id="45062" name="Rectangle 3"/>
+          <p:cNvPr id="41990" name="Rectangle 3"/>
           <p:cNvSpPr>
             <a:spLocks noGrp="1" noChangeArrowheads="1"/>
           </p:cNvSpPr>
@@ -1517,7 +1520,7 @@
       </p:grpSpPr>
       <p:sp>
         <p:nvSpPr>
-          <p:cNvPr id="46082" name="Rectangle 2"/>
+          <p:cNvPr id="43010" name="Rectangle 2"/>
           <p:cNvSpPr>
             <a:spLocks noGrp="1" noChangeArrowheads="1"/>
           </p:cNvSpPr>
@@ -1541,7 +1544,7 @@
       </p:sp>
       <p:sp>
         <p:nvSpPr>
-          <p:cNvPr id="46083" name="Rectangle 6"/>
+          <p:cNvPr id="43011" name="Rectangle 6"/>
           <p:cNvSpPr>
             <a:spLocks noGrp="1" noChangeArrowheads="1"/>
           </p:cNvSpPr>
@@ -1573,7 +1576,7 @@
       </p:sp>
       <p:sp>
         <p:nvSpPr>
-          <p:cNvPr id="46084" name="Rectangle 7"/>
+          <p:cNvPr id="43012" name="Rectangle 7"/>
           <p:cNvSpPr>
             <a:spLocks noGrp="1" noChangeArrowheads="1"/>
           </p:cNvSpPr>
@@ -1588,7 +1591,7 @@
           <a:bodyPr/>
           <a:lstStyle/>
           <a:p>
-            <a:fld id="{06F7770D-3853-4954-954E-70A3284320FF}" type="slidenum">
+            <a:fld id="{077450D3-7EF5-4795-8310-B028D05231C1}" type="slidenum">
               <a:rPr lang="en-US" smtClean="0"/>
               <a:pPr/>
               <a:t>15</a:t>
@@ -1599,7 +1602,7 @@
       </p:sp>
       <p:sp>
         <p:nvSpPr>
-          <p:cNvPr id="46085" name="Rectangle 2"/>
+          <p:cNvPr id="43013" name="Rectangle 2"/>
           <p:cNvSpPr>
             <a:spLocks noGrp="1" noRot="1" noChangeAspect="1" noChangeArrowheads="1" noTextEdit="1"/>
           </p:cNvSpPr>
@@ -1613,7 +1616,7 @@
       </p:sp>
       <p:sp>
         <p:nvSpPr>
-          <p:cNvPr id="46086" name="Rectangle 3"/>
+          <p:cNvPr id="43014" name="Rectangle 3"/>
           <p:cNvSpPr>
             <a:spLocks noGrp="1" noChangeArrowheads="1"/>
           </p:cNvSpPr>
@@ -1661,7 +1664,7 @@
       </p:grpSpPr>
       <p:sp>
         <p:nvSpPr>
-          <p:cNvPr id="47106" name="Rectangle 2"/>
+          <p:cNvPr id="44034" name="Rectangle 2"/>
           <p:cNvSpPr>
             <a:spLocks noGrp="1" noChangeArrowheads="1"/>
           </p:cNvSpPr>
@@ -1685,7 +1688,7 @@
       </p:sp>
       <p:sp>
         <p:nvSpPr>
-          <p:cNvPr id="47107" name="Rectangle 6"/>
+          <p:cNvPr id="44035" name="Rectangle 6"/>
           <p:cNvSpPr>
             <a:spLocks noGrp="1" noChangeArrowheads="1"/>
           </p:cNvSpPr>
@@ -1717,7 +1720,7 @@
       </p:sp>
       <p:sp>
         <p:nvSpPr>
-          <p:cNvPr id="47108" name="Rectangle 7"/>
+          <p:cNvPr id="44036" name="Rectangle 7"/>
           <p:cNvSpPr>
             <a:spLocks noGrp="1" noChangeArrowheads="1"/>
           </p:cNvSpPr>
@@ -1732,7 +1735,7 @@
           <a:bodyPr/>
           <a:lstStyle/>
           <a:p>
-            <a:fld id="{AE86A80C-1C20-458C-92FE-5B7618DC87C3}" type="slidenum">
+            <a:fld id="{71E76C93-7514-4209-B693-2E1F7C85090C}" type="slidenum">
               <a:rPr lang="en-US" smtClean="0"/>
               <a:pPr/>
               <a:t>16</a:t>
@@ -1743,7 +1746,7 @@
       </p:sp>
       <p:sp>
         <p:nvSpPr>
-          <p:cNvPr id="47109" name="Rectangle 2"/>
+          <p:cNvPr id="44037" name="Rectangle 2"/>
           <p:cNvSpPr>
             <a:spLocks noGrp="1" noRot="1" noChangeAspect="1" noChangeArrowheads="1" noTextEdit="1"/>
           </p:cNvSpPr>
@@ -1757,7 +1760,7 @@
       </p:sp>
       <p:sp>
         <p:nvSpPr>
-          <p:cNvPr id="47110" name="Rectangle 3"/>
+          <p:cNvPr id="44038" name="Rectangle 3"/>
           <p:cNvSpPr>
             <a:spLocks noGrp="1" noChangeArrowheads="1"/>
           </p:cNvSpPr>
@@ -1805,7 +1808,7 @@
       </p:grpSpPr>
       <p:sp>
         <p:nvSpPr>
-          <p:cNvPr id="48130" name="Rectangle 2"/>
+          <p:cNvPr id="45058" name="Rectangle 2"/>
           <p:cNvSpPr>
             <a:spLocks noGrp="1" noChangeArrowheads="1"/>
           </p:cNvSpPr>
@@ -1829,7 +1832,7 @@
       </p:sp>
       <p:sp>
         <p:nvSpPr>
-          <p:cNvPr id="48131" name="Rectangle 6"/>
+          <p:cNvPr id="45059" name="Rectangle 6"/>
           <p:cNvSpPr>
             <a:spLocks noGrp="1" noChangeArrowheads="1"/>
           </p:cNvSpPr>
@@ -1861,7 +1864,7 @@
       </p:sp>
       <p:sp>
         <p:nvSpPr>
-          <p:cNvPr id="48132" name="Rectangle 7"/>
+          <p:cNvPr id="45060" name="Rectangle 7"/>
           <p:cNvSpPr>
             <a:spLocks noGrp="1" noChangeArrowheads="1"/>
           </p:cNvSpPr>
@@ -1876,7 +1879,7 @@
           <a:bodyPr/>
           <a:lstStyle/>
           <a:p>
-            <a:fld id="{D04CAA8A-4F43-4D38-96BF-420151815E26}" type="slidenum">
+            <a:fld id="{A82DCA77-7620-4A9A-B6C4-3CBAE9B1726D}" type="slidenum">
               <a:rPr lang="en-US" smtClean="0"/>
               <a:pPr/>
               <a:t>17</a:t>
@@ -1887,7 +1890,7 @@
       </p:sp>
       <p:sp>
         <p:nvSpPr>
-          <p:cNvPr id="48133" name="Rectangle 2"/>
+          <p:cNvPr id="45061" name="Rectangle 2"/>
           <p:cNvSpPr>
             <a:spLocks noGrp="1" noRot="1" noChangeAspect="1" noChangeArrowheads="1" noTextEdit="1"/>
           </p:cNvSpPr>
@@ -1901,7 +1904,7 @@
       </p:sp>
       <p:sp>
         <p:nvSpPr>
-          <p:cNvPr id="48134" name="Rectangle 3"/>
+          <p:cNvPr id="45062" name="Rectangle 3"/>
           <p:cNvSpPr>
             <a:spLocks noGrp="1" noChangeArrowheads="1"/>
           </p:cNvSpPr>
@@ -1949,7 +1952,7 @@
       </p:grpSpPr>
       <p:sp>
         <p:nvSpPr>
-          <p:cNvPr id="49154" name="Rectangle 2"/>
+          <p:cNvPr id="46082" name="Rectangle 2"/>
           <p:cNvSpPr>
             <a:spLocks noGrp="1" noChangeArrowheads="1"/>
           </p:cNvSpPr>
@@ -1973,7 +1976,7 @@
       </p:sp>
       <p:sp>
         <p:nvSpPr>
-          <p:cNvPr id="49155" name="Rectangle 6"/>
+          <p:cNvPr id="46083" name="Rectangle 6"/>
           <p:cNvSpPr>
             <a:spLocks noGrp="1" noChangeArrowheads="1"/>
           </p:cNvSpPr>
@@ -2005,7 +2008,7 @@
       </p:sp>
       <p:sp>
         <p:nvSpPr>
-          <p:cNvPr id="49156" name="Rectangle 7"/>
+          <p:cNvPr id="46084" name="Rectangle 7"/>
           <p:cNvSpPr>
             <a:spLocks noGrp="1" noChangeArrowheads="1"/>
           </p:cNvSpPr>
@@ -2020,7 +2023,7 @@
           <a:bodyPr/>
           <a:lstStyle/>
           <a:p>
-            <a:fld id="{92A85223-41BC-4510-B9CD-CE66B50AE39B}" type="slidenum">
+            <a:fld id="{06F7770D-3853-4954-954E-70A3284320FF}" type="slidenum">
               <a:rPr lang="en-US" smtClean="0"/>
               <a:pPr/>
               <a:t>18</a:t>
@@ -2031,7 +2034,7 @@
       </p:sp>
       <p:sp>
         <p:nvSpPr>
-          <p:cNvPr id="49157" name="Rectangle 2"/>
+          <p:cNvPr id="46085" name="Rectangle 2"/>
           <p:cNvSpPr>
             <a:spLocks noGrp="1" noRot="1" noChangeAspect="1" noChangeArrowheads="1" noTextEdit="1"/>
           </p:cNvSpPr>
@@ -2045,7 +2048,7 @@
       </p:sp>
       <p:sp>
         <p:nvSpPr>
-          <p:cNvPr id="49158" name="Rectangle 3"/>
+          <p:cNvPr id="46086" name="Rectangle 3"/>
           <p:cNvSpPr>
             <a:spLocks noGrp="1" noChangeArrowheads="1"/>
           </p:cNvSpPr>
@@ -2093,7 +2096,7 @@
       </p:grpSpPr>
       <p:sp>
         <p:nvSpPr>
-          <p:cNvPr id="50178" name="Rectangle 2"/>
+          <p:cNvPr id="47106" name="Rectangle 2"/>
           <p:cNvSpPr>
             <a:spLocks noGrp="1" noChangeArrowheads="1"/>
           </p:cNvSpPr>
@@ -2117,7 +2120,7 @@
       </p:sp>
       <p:sp>
         <p:nvSpPr>
-          <p:cNvPr id="50179" name="Rectangle 6"/>
+          <p:cNvPr id="47107" name="Rectangle 6"/>
           <p:cNvSpPr>
             <a:spLocks noGrp="1" noChangeArrowheads="1"/>
           </p:cNvSpPr>
@@ -2149,7 +2152,7 @@
       </p:sp>
       <p:sp>
         <p:nvSpPr>
-          <p:cNvPr id="50180" name="Rectangle 7"/>
+          <p:cNvPr id="47108" name="Rectangle 7"/>
           <p:cNvSpPr>
             <a:spLocks noGrp="1" noChangeArrowheads="1"/>
           </p:cNvSpPr>
@@ -2164,7 +2167,7 @@
           <a:bodyPr/>
           <a:lstStyle/>
           <a:p>
-            <a:fld id="{0D92CE76-A53A-4999-96B2-B8CA0A2A3665}" type="slidenum">
+            <a:fld id="{AE86A80C-1C20-458C-92FE-5B7618DC87C3}" type="slidenum">
               <a:rPr lang="en-US" smtClean="0"/>
               <a:pPr/>
               <a:t>19</a:t>
@@ -2175,7 +2178,7 @@
       </p:sp>
       <p:sp>
         <p:nvSpPr>
-          <p:cNvPr id="50181" name="Rectangle 2"/>
+          <p:cNvPr id="47109" name="Rectangle 2"/>
           <p:cNvSpPr>
             <a:spLocks noGrp="1" noRot="1" noChangeAspect="1" noChangeArrowheads="1" noTextEdit="1"/>
           </p:cNvSpPr>
@@ -2189,7 +2192,7 @@
       </p:sp>
       <p:sp>
         <p:nvSpPr>
-          <p:cNvPr id="50182" name="Rectangle 3"/>
+          <p:cNvPr id="47110" name="Rectangle 3"/>
           <p:cNvSpPr>
             <a:spLocks noGrp="1" noChangeArrowheads="1"/>
           </p:cNvSpPr>
@@ -2237,7 +2240,7 @@
       </p:grpSpPr>
       <p:sp>
         <p:nvSpPr>
-          <p:cNvPr id="51202" name="Rectangle 2"/>
+          <p:cNvPr id="48130" name="Rectangle 2"/>
           <p:cNvSpPr>
             <a:spLocks noGrp="1" noChangeArrowheads="1"/>
           </p:cNvSpPr>
@@ -2261,7 +2264,7 @@
       </p:sp>
       <p:sp>
         <p:nvSpPr>
-          <p:cNvPr id="51203" name="Rectangle 6"/>
+          <p:cNvPr id="48131" name="Rectangle 6"/>
           <p:cNvSpPr>
             <a:spLocks noGrp="1" noChangeArrowheads="1"/>
           </p:cNvSpPr>
@@ -2293,7 +2296,7 @@
       </p:sp>
       <p:sp>
         <p:nvSpPr>
-          <p:cNvPr id="51204" name="Rectangle 7"/>
+          <p:cNvPr id="48132" name="Rectangle 7"/>
           <p:cNvSpPr>
             <a:spLocks noGrp="1" noChangeArrowheads="1"/>
           </p:cNvSpPr>
@@ -2308,7 +2311,7 @@
           <a:bodyPr/>
           <a:lstStyle/>
           <a:p>
-            <a:fld id="{57791D27-E05B-40A8-841F-49C94A5D07ED}" type="slidenum">
+            <a:fld id="{D04CAA8A-4F43-4D38-96BF-420151815E26}" type="slidenum">
               <a:rPr lang="en-US" smtClean="0"/>
               <a:pPr/>
               <a:t>20</a:t>
@@ -2319,7 +2322,7 @@
       </p:sp>
       <p:sp>
         <p:nvSpPr>
-          <p:cNvPr id="51205" name="Rectangle 2"/>
+          <p:cNvPr id="48133" name="Rectangle 2"/>
           <p:cNvSpPr>
             <a:spLocks noGrp="1" noRot="1" noChangeAspect="1" noChangeArrowheads="1" noTextEdit="1"/>
           </p:cNvSpPr>
@@ -2333,7 +2336,7 @@
       </p:sp>
       <p:sp>
         <p:nvSpPr>
-          <p:cNvPr id="51206" name="Rectangle 3"/>
+          <p:cNvPr id="48134" name="Rectangle 3"/>
           <p:cNvSpPr>
             <a:spLocks noGrp="1" noChangeArrowheads="1"/>
           </p:cNvSpPr>
@@ -2525,7 +2528,7 @@
       </p:grpSpPr>
       <p:sp>
         <p:nvSpPr>
-          <p:cNvPr id="52226" name="Rectangle 2"/>
+          <p:cNvPr id="49154" name="Rectangle 2"/>
           <p:cNvSpPr>
             <a:spLocks noGrp="1" noChangeArrowheads="1"/>
           </p:cNvSpPr>
@@ -2549,7 +2552,7 @@
       </p:sp>
       <p:sp>
         <p:nvSpPr>
-          <p:cNvPr id="52227" name="Rectangle 6"/>
+          <p:cNvPr id="49155" name="Rectangle 6"/>
           <p:cNvSpPr>
             <a:spLocks noGrp="1" noChangeArrowheads="1"/>
           </p:cNvSpPr>
@@ -2581,7 +2584,7 @@
       </p:sp>
       <p:sp>
         <p:nvSpPr>
-          <p:cNvPr id="52228" name="Rectangle 7"/>
+          <p:cNvPr id="49156" name="Rectangle 7"/>
           <p:cNvSpPr>
             <a:spLocks noGrp="1" noChangeArrowheads="1"/>
           </p:cNvSpPr>
@@ -2596,7 +2599,7 @@
           <a:bodyPr/>
           <a:lstStyle/>
           <a:p>
-            <a:fld id="{7DD0A1AF-918F-41FD-9F28-C74CDDD35B82}" type="slidenum">
+            <a:fld id="{92A85223-41BC-4510-B9CD-CE66B50AE39B}" type="slidenum">
               <a:rPr lang="en-US" smtClean="0"/>
               <a:pPr/>
               <a:t>21</a:t>
@@ -2607,7 +2610,7 @@
       </p:sp>
       <p:sp>
         <p:nvSpPr>
-          <p:cNvPr id="52229" name="Rectangle 2"/>
+          <p:cNvPr id="49157" name="Rectangle 2"/>
           <p:cNvSpPr>
             <a:spLocks noGrp="1" noRot="1" noChangeAspect="1" noChangeArrowheads="1" noTextEdit="1"/>
           </p:cNvSpPr>
@@ -2621,7 +2624,7 @@
       </p:sp>
       <p:sp>
         <p:nvSpPr>
-          <p:cNvPr id="52230" name="Rectangle 3"/>
+          <p:cNvPr id="49158" name="Rectangle 3"/>
           <p:cNvSpPr>
             <a:spLocks noGrp="1" noChangeArrowheads="1"/>
           </p:cNvSpPr>
@@ -2669,7 +2672,7 @@
       </p:grpSpPr>
       <p:sp>
         <p:nvSpPr>
-          <p:cNvPr id="52226" name="Rectangle 2"/>
+          <p:cNvPr id="50178" name="Rectangle 2"/>
           <p:cNvSpPr>
             <a:spLocks noGrp="1" noChangeArrowheads="1"/>
           </p:cNvSpPr>
@@ -2693,7 +2696,7 @@
       </p:sp>
       <p:sp>
         <p:nvSpPr>
-          <p:cNvPr id="52227" name="Rectangle 6"/>
+          <p:cNvPr id="50179" name="Rectangle 6"/>
           <p:cNvSpPr>
             <a:spLocks noGrp="1" noChangeArrowheads="1"/>
           </p:cNvSpPr>
@@ -2725,7 +2728,7 @@
       </p:sp>
       <p:sp>
         <p:nvSpPr>
-          <p:cNvPr id="52228" name="Rectangle 7"/>
+          <p:cNvPr id="50180" name="Rectangle 7"/>
           <p:cNvSpPr>
             <a:spLocks noGrp="1" noChangeArrowheads="1"/>
           </p:cNvSpPr>
@@ -2740,7 +2743,7 @@
           <a:bodyPr/>
           <a:lstStyle/>
           <a:p>
-            <a:fld id="{7DD0A1AF-918F-41FD-9F28-C74CDDD35B82}" type="slidenum">
+            <a:fld id="{0D92CE76-A53A-4999-96B2-B8CA0A2A3665}" type="slidenum">
               <a:rPr lang="en-US" smtClean="0"/>
               <a:pPr/>
               <a:t>22</a:t>
@@ -2751,7 +2754,7 @@
       </p:sp>
       <p:sp>
         <p:nvSpPr>
-          <p:cNvPr id="52229" name="Rectangle 2"/>
+          <p:cNvPr id="50181" name="Rectangle 2"/>
           <p:cNvSpPr>
             <a:spLocks noGrp="1" noRot="1" noChangeAspect="1" noChangeArrowheads="1" noTextEdit="1"/>
           </p:cNvSpPr>
@@ -2765,7 +2768,7 @@
       </p:sp>
       <p:sp>
         <p:nvSpPr>
-          <p:cNvPr id="52230" name="Rectangle 3"/>
+          <p:cNvPr id="50182" name="Rectangle 3"/>
           <p:cNvSpPr>
             <a:spLocks noGrp="1" noChangeArrowheads="1"/>
           </p:cNvSpPr>
@@ -2813,7 +2816,7 @@
       </p:grpSpPr>
       <p:sp>
         <p:nvSpPr>
-          <p:cNvPr id="52226" name="Rectangle 2"/>
+          <p:cNvPr id="51202" name="Rectangle 2"/>
           <p:cNvSpPr>
             <a:spLocks noGrp="1" noChangeArrowheads="1"/>
           </p:cNvSpPr>
@@ -2837,7 +2840,7 @@
       </p:sp>
       <p:sp>
         <p:nvSpPr>
-          <p:cNvPr id="52227" name="Rectangle 6"/>
+          <p:cNvPr id="51203" name="Rectangle 6"/>
           <p:cNvSpPr>
             <a:spLocks noGrp="1" noChangeArrowheads="1"/>
           </p:cNvSpPr>
@@ -2869,7 +2872,7 @@
       </p:sp>
       <p:sp>
         <p:nvSpPr>
-          <p:cNvPr id="52228" name="Rectangle 7"/>
+          <p:cNvPr id="51204" name="Rectangle 7"/>
           <p:cNvSpPr>
             <a:spLocks noGrp="1" noChangeArrowheads="1"/>
           </p:cNvSpPr>
@@ -2884,7 +2887,7 @@
           <a:bodyPr/>
           <a:lstStyle/>
           <a:p>
-            <a:fld id="{7DD0A1AF-918F-41FD-9F28-C74CDDD35B82}" type="slidenum">
+            <a:fld id="{57791D27-E05B-40A8-841F-49C94A5D07ED}" type="slidenum">
               <a:rPr lang="en-US" smtClean="0"/>
               <a:pPr/>
               <a:t>23</a:t>
@@ -2895,7 +2898,7 @@
       </p:sp>
       <p:sp>
         <p:nvSpPr>
-          <p:cNvPr id="52229" name="Rectangle 2"/>
+          <p:cNvPr id="51205" name="Rectangle 2"/>
           <p:cNvSpPr>
             <a:spLocks noGrp="1" noRot="1" noChangeAspect="1" noChangeArrowheads="1" noTextEdit="1"/>
           </p:cNvSpPr>
@@ -2909,7 +2912,7 @@
       </p:sp>
       <p:sp>
         <p:nvSpPr>
-          <p:cNvPr id="52230" name="Rectangle 3"/>
+          <p:cNvPr id="51206" name="Rectangle 3"/>
           <p:cNvSpPr>
             <a:spLocks noGrp="1" noChangeArrowheads="1"/>
           </p:cNvSpPr>
@@ -2957,7 +2960,7 @@
       </p:grpSpPr>
       <p:sp>
         <p:nvSpPr>
-          <p:cNvPr id="56322" name="Rectangle 2"/>
+          <p:cNvPr id="52226" name="Rectangle 2"/>
           <p:cNvSpPr>
             <a:spLocks noGrp="1" noChangeArrowheads="1"/>
           </p:cNvSpPr>
@@ -2981,7 +2984,7 @@
       </p:sp>
       <p:sp>
         <p:nvSpPr>
-          <p:cNvPr id="56323" name="Rectangle 6"/>
+          <p:cNvPr id="52227" name="Rectangle 6"/>
           <p:cNvSpPr>
             <a:spLocks noGrp="1" noChangeArrowheads="1"/>
           </p:cNvSpPr>
@@ -3013,7 +3016,7 @@
       </p:sp>
       <p:sp>
         <p:nvSpPr>
-          <p:cNvPr id="56324" name="Rectangle 7"/>
+          <p:cNvPr id="52228" name="Rectangle 7"/>
           <p:cNvSpPr>
             <a:spLocks noGrp="1" noChangeArrowheads="1"/>
           </p:cNvSpPr>
@@ -3028,7 +3031,7 @@
           <a:bodyPr/>
           <a:lstStyle/>
           <a:p>
-            <a:fld id="{3394D8F1-68CD-41D4-917D-521BF152B34F}" type="slidenum">
+            <a:fld id="{7DD0A1AF-918F-41FD-9F28-C74CDDD35B82}" type="slidenum">
               <a:rPr lang="en-US" smtClean="0"/>
               <a:pPr/>
               <a:t>24</a:t>
@@ -3039,7 +3042,7 @@
       </p:sp>
       <p:sp>
         <p:nvSpPr>
-          <p:cNvPr id="56325" name="Rectangle 2"/>
+          <p:cNvPr id="52229" name="Rectangle 2"/>
           <p:cNvSpPr>
             <a:spLocks noGrp="1" noRot="1" noChangeAspect="1" noChangeArrowheads="1" noTextEdit="1"/>
           </p:cNvSpPr>
@@ -3053,7 +3056,7 @@
       </p:sp>
       <p:sp>
         <p:nvSpPr>
-          <p:cNvPr id="56326" name="Rectangle 3"/>
+          <p:cNvPr id="52230" name="Rectangle 3"/>
           <p:cNvSpPr>
             <a:spLocks noGrp="1" noChangeArrowheads="1"/>
           </p:cNvSpPr>
@@ -3101,7 +3104,7 @@
       </p:grpSpPr>
       <p:sp>
         <p:nvSpPr>
-          <p:cNvPr id="57346" name="Rectangle 2"/>
+          <p:cNvPr id="52226" name="Rectangle 2"/>
           <p:cNvSpPr>
             <a:spLocks noGrp="1" noChangeArrowheads="1"/>
           </p:cNvSpPr>
@@ -3125,7 +3128,7 @@
       </p:sp>
       <p:sp>
         <p:nvSpPr>
-          <p:cNvPr id="57347" name="Rectangle 6"/>
+          <p:cNvPr id="52227" name="Rectangle 6"/>
           <p:cNvSpPr>
             <a:spLocks noGrp="1" noChangeArrowheads="1"/>
           </p:cNvSpPr>
@@ -3157,7 +3160,7 @@
       </p:sp>
       <p:sp>
         <p:nvSpPr>
-          <p:cNvPr id="57348" name="Rectangle 7"/>
+          <p:cNvPr id="52228" name="Rectangle 7"/>
           <p:cNvSpPr>
             <a:spLocks noGrp="1" noChangeArrowheads="1"/>
           </p:cNvSpPr>
@@ -3172,7 +3175,7 @@
           <a:bodyPr/>
           <a:lstStyle/>
           <a:p>
-            <a:fld id="{24C0BD8C-A1B0-4892-8DC8-76E8C5D78EC9}" type="slidenum">
+            <a:fld id="{7DD0A1AF-918F-41FD-9F28-C74CDDD35B82}" type="slidenum">
               <a:rPr lang="en-US" smtClean="0"/>
               <a:pPr/>
               <a:t>25</a:t>
@@ -3183,7 +3186,7 @@
       </p:sp>
       <p:sp>
         <p:nvSpPr>
-          <p:cNvPr id="57349" name="Rectangle 2"/>
+          <p:cNvPr id="52229" name="Rectangle 2"/>
           <p:cNvSpPr>
             <a:spLocks noGrp="1" noRot="1" noChangeAspect="1" noChangeArrowheads="1" noTextEdit="1"/>
           </p:cNvSpPr>
@@ -3197,7 +3200,7 @@
       </p:sp>
       <p:sp>
         <p:nvSpPr>
-          <p:cNvPr id="57350" name="Rectangle 3"/>
+          <p:cNvPr id="52230" name="Rectangle 3"/>
           <p:cNvSpPr>
             <a:spLocks noGrp="1" noChangeArrowheads="1"/>
           </p:cNvSpPr>
@@ -3245,7 +3248,7 @@
       </p:grpSpPr>
       <p:sp>
         <p:nvSpPr>
-          <p:cNvPr id="58370" name="Rectangle 2"/>
+          <p:cNvPr id="52226" name="Rectangle 2"/>
           <p:cNvSpPr>
             <a:spLocks noGrp="1" noChangeArrowheads="1"/>
           </p:cNvSpPr>
@@ -3269,7 +3272,7 @@
       </p:sp>
       <p:sp>
         <p:nvSpPr>
-          <p:cNvPr id="58371" name="Rectangle 6"/>
+          <p:cNvPr id="52227" name="Rectangle 6"/>
           <p:cNvSpPr>
             <a:spLocks noGrp="1" noChangeArrowheads="1"/>
           </p:cNvSpPr>
@@ -3301,7 +3304,7 @@
       </p:sp>
       <p:sp>
         <p:nvSpPr>
-          <p:cNvPr id="58372" name="Rectangle 7"/>
+          <p:cNvPr id="52228" name="Rectangle 7"/>
           <p:cNvSpPr>
             <a:spLocks noGrp="1" noChangeArrowheads="1"/>
           </p:cNvSpPr>
@@ -3316,7 +3319,7 @@
           <a:bodyPr/>
           <a:lstStyle/>
           <a:p>
-            <a:fld id="{7DEF4A15-7DBE-4AC4-9825-03A5FC7F73F1}" type="slidenum">
+            <a:fld id="{7DD0A1AF-918F-41FD-9F28-C74CDDD35B82}" type="slidenum">
               <a:rPr lang="en-US" smtClean="0"/>
               <a:pPr/>
               <a:t>26</a:t>
@@ -3327,7 +3330,7 @@
       </p:sp>
       <p:sp>
         <p:nvSpPr>
-          <p:cNvPr id="58373" name="Rectangle 2"/>
+          <p:cNvPr id="52229" name="Rectangle 2"/>
           <p:cNvSpPr>
             <a:spLocks noGrp="1" noRot="1" noChangeAspect="1" noChangeArrowheads="1" noTextEdit="1"/>
           </p:cNvSpPr>
@@ -3341,7 +3344,7 @@
       </p:sp>
       <p:sp>
         <p:nvSpPr>
-          <p:cNvPr id="58374" name="Rectangle 3"/>
+          <p:cNvPr id="52230" name="Rectangle 3"/>
           <p:cNvSpPr>
             <a:spLocks noGrp="1" noChangeArrowheads="1"/>
           </p:cNvSpPr>
@@ -3389,7 +3392,7 @@
       </p:grpSpPr>
       <p:sp>
         <p:nvSpPr>
-          <p:cNvPr id="59394" name="Rectangle 2"/>
+          <p:cNvPr id="56322" name="Rectangle 2"/>
           <p:cNvSpPr>
             <a:spLocks noGrp="1" noChangeArrowheads="1"/>
           </p:cNvSpPr>
@@ -3413,7 +3416,7 @@
       </p:sp>
       <p:sp>
         <p:nvSpPr>
-          <p:cNvPr id="59395" name="Rectangle 6"/>
+          <p:cNvPr id="56323" name="Rectangle 6"/>
           <p:cNvSpPr>
             <a:spLocks noGrp="1" noChangeArrowheads="1"/>
           </p:cNvSpPr>
@@ -3445,7 +3448,7 @@
       </p:sp>
       <p:sp>
         <p:nvSpPr>
-          <p:cNvPr id="59396" name="Rectangle 7"/>
+          <p:cNvPr id="56324" name="Rectangle 7"/>
           <p:cNvSpPr>
             <a:spLocks noGrp="1" noChangeArrowheads="1"/>
           </p:cNvSpPr>
@@ -3460,7 +3463,7 @@
           <a:bodyPr/>
           <a:lstStyle/>
           <a:p>
-            <a:fld id="{4539380D-09D6-460B-83D9-CCA835F136FB}" type="slidenum">
+            <a:fld id="{3394D8F1-68CD-41D4-917D-521BF152B34F}" type="slidenum">
               <a:rPr lang="en-US" smtClean="0"/>
               <a:pPr/>
               <a:t>27</a:t>
@@ -3471,7 +3474,7 @@
       </p:sp>
       <p:sp>
         <p:nvSpPr>
-          <p:cNvPr id="59397" name="Rectangle 2"/>
+          <p:cNvPr id="56325" name="Rectangle 2"/>
           <p:cNvSpPr>
             <a:spLocks noGrp="1" noRot="1" noChangeAspect="1" noChangeArrowheads="1" noTextEdit="1"/>
           </p:cNvSpPr>
@@ -3485,7 +3488,7 @@
       </p:sp>
       <p:sp>
         <p:nvSpPr>
-          <p:cNvPr id="59398" name="Rectangle 3"/>
+          <p:cNvPr id="56326" name="Rectangle 3"/>
           <p:cNvSpPr>
             <a:spLocks noGrp="1" noChangeArrowheads="1"/>
           </p:cNvSpPr>
@@ -3533,7 +3536,7 @@
       </p:grpSpPr>
       <p:sp>
         <p:nvSpPr>
-          <p:cNvPr id="60418" name="Rectangle 2"/>
+          <p:cNvPr id="57346" name="Rectangle 2"/>
           <p:cNvSpPr>
             <a:spLocks noGrp="1" noChangeArrowheads="1"/>
           </p:cNvSpPr>
@@ -3557,7 +3560,7 @@
       </p:sp>
       <p:sp>
         <p:nvSpPr>
-          <p:cNvPr id="60419" name="Rectangle 6"/>
+          <p:cNvPr id="57347" name="Rectangle 6"/>
           <p:cNvSpPr>
             <a:spLocks noGrp="1" noChangeArrowheads="1"/>
           </p:cNvSpPr>
@@ -3589,7 +3592,7 @@
       </p:sp>
       <p:sp>
         <p:nvSpPr>
-          <p:cNvPr id="60420" name="Rectangle 7"/>
+          <p:cNvPr id="57348" name="Rectangle 7"/>
           <p:cNvSpPr>
             <a:spLocks noGrp="1" noChangeArrowheads="1"/>
           </p:cNvSpPr>
@@ -3604,7 +3607,7 @@
           <a:bodyPr/>
           <a:lstStyle/>
           <a:p>
-            <a:fld id="{F261F505-AED0-4688-8DF0-CD479DFAEA66}" type="slidenum">
+            <a:fld id="{24C0BD8C-A1B0-4892-8DC8-76E8C5D78EC9}" type="slidenum">
               <a:rPr lang="en-US" smtClean="0"/>
               <a:pPr/>
               <a:t>28</a:t>
@@ -3615,7 +3618,7 @@
       </p:sp>
       <p:sp>
         <p:nvSpPr>
-          <p:cNvPr id="60421" name="Rectangle 2"/>
+          <p:cNvPr id="57349" name="Rectangle 2"/>
           <p:cNvSpPr>
             <a:spLocks noGrp="1" noRot="1" noChangeAspect="1" noChangeArrowheads="1" noTextEdit="1"/>
           </p:cNvSpPr>
@@ -3629,7 +3632,295 @@
       </p:sp>
       <p:sp>
         <p:nvSpPr>
-          <p:cNvPr id="60422" name="Rectangle 3"/>
+          <p:cNvPr id="57350" name="Rectangle 3"/>
+          <p:cNvSpPr>
+            <a:spLocks noGrp="1" noChangeArrowheads="1"/>
+          </p:cNvSpPr>
+          <p:nvPr>
+            <p:ph type="body" idx="1"/>
+          </p:nvPr>
+        </p:nvSpPr>
+        <p:spPr>
+          <a:noFill/>
+          <a:ln/>
+        </p:spPr>
+        <p:txBody>
+          <a:bodyPr/>
+          <a:lstStyle/>
+          <a:p>
+            <a:pPr eaLnBrk="1" hangingPunct="1"/>
+            <a:endParaRPr lang="en-US" smtClean="0"/>
+          </a:p>
+        </p:txBody>
+      </p:sp>
+    </p:spTree>
+  </p:cSld>
+  <p:clrMapOvr>
+    <a:masterClrMapping/>
+  </p:clrMapOvr>
+</p:notes>
+</file>
+
+<file path=ppt/notesSlides/notesSlide28.xml><?xml version="1.0" encoding="utf-8"?>
+<p:notes xmlns:a="http://schemas.openxmlformats.org/drawingml/2006/main" xmlns:r="http://schemas.openxmlformats.org/officeDocument/2006/relationships" xmlns:p="http://schemas.openxmlformats.org/presentationml/2006/main">
+  <p:cSld>
+    <p:spTree>
+      <p:nvGrpSpPr>
+        <p:cNvPr id="1" name=""/>
+        <p:cNvGrpSpPr/>
+        <p:nvPr/>
+      </p:nvGrpSpPr>
+      <p:grpSpPr>
+        <a:xfrm>
+          <a:off x="0" y="0"/>
+          <a:ext cx="0" cy="0"/>
+          <a:chOff x="0" y="0"/>
+          <a:chExt cx="0" cy="0"/>
+        </a:xfrm>
+      </p:grpSpPr>
+      <p:sp>
+        <p:nvSpPr>
+          <p:cNvPr id="58370" name="Rectangle 2"/>
+          <p:cNvSpPr>
+            <a:spLocks noGrp="1" noChangeArrowheads="1"/>
+          </p:cNvSpPr>
+          <p:nvPr>
+            <p:ph type="hdr" sz="quarter"/>
+          </p:nvPr>
+        </p:nvSpPr>
+        <p:spPr>
+          <a:noFill/>
+        </p:spPr>
+        <p:txBody>
+          <a:bodyPr/>
+          <a:lstStyle/>
+          <a:p>
+            <a:r>
+              <a:rPr lang="en-US" smtClean="0"/>
+              <a:t>MGB 2003</a:t>
+            </a:r>
+          </a:p>
+        </p:txBody>
+      </p:sp>
+      <p:sp>
+        <p:nvSpPr>
+          <p:cNvPr id="58371" name="Rectangle 6"/>
+          <p:cNvSpPr>
+            <a:spLocks noGrp="1" noChangeArrowheads="1"/>
+          </p:cNvSpPr>
+          <p:nvPr>
+            <p:ph type="ftr" sz="quarter" idx="4"/>
+          </p:nvPr>
+        </p:nvSpPr>
+        <p:spPr>
+          <a:noFill/>
+        </p:spPr>
+        <p:txBody>
+          <a:bodyPr/>
+          <a:lstStyle/>
+          <a:p>
+            <a:r>
+              <a:rPr lang="en-US" smtClean="0"/>
+              <a:t>© 2003 Microsoft Corporation. All rights reserved.</a:t>
+            </a:r>
+          </a:p>
+          <a:p>
+            <a:pPr eaLnBrk="0" hangingPunct="0"/>
+            <a:r>
+              <a:rPr lang="en-US" smtClean="0"/>
+              <a:t>This presentation is for informational purposes only. Microsoft makes no warranties, express or implied, in this summary.</a:t>
+            </a:r>
+            <a:endParaRPr lang="en-US" sz="1200" smtClean="0"/>
+          </a:p>
+        </p:txBody>
+      </p:sp>
+      <p:sp>
+        <p:nvSpPr>
+          <p:cNvPr id="58372" name="Rectangle 7"/>
+          <p:cNvSpPr>
+            <a:spLocks noGrp="1" noChangeArrowheads="1"/>
+          </p:cNvSpPr>
+          <p:nvPr>
+            <p:ph type="sldNum" sz="quarter" idx="5"/>
+          </p:nvPr>
+        </p:nvSpPr>
+        <p:spPr>
+          <a:noFill/>
+        </p:spPr>
+        <p:txBody>
+          <a:bodyPr/>
+          <a:lstStyle/>
+          <a:p>
+            <a:fld id="{7DEF4A15-7DBE-4AC4-9825-03A5FC7F73F1}" type="slidenum">
+              <a:rPr lang="en-US" smtClean="0"/>
+              <a:pPr/>
+              <a:t>29</a:t>
+            </a:fld>
+            <a:endParaRPr lang="en-US" smtClean="0"/>
+          </a:p>
+        </p:txBody>
+      </p:sp>
+      <p:sp>
+        <p:nvSpPr>
+          <p:cNvPr id="58373" name="Rectangle 2"/>
+          <p:cNvSpPr>
+            <a:spLocks noGrp="1" noRot="1" noChangeAspect="1" noChangeArrowheads="1" noTextEdit="1"/>
+          </p:cNvSpPr>
+          <p:nvPr>
+            <p:ph type="sldImg"/>
+          </p:nvPr>
+        </p:nvSpPr>
+        <p:spPr>
+          <a:ln/>
+        </p:spPr>
+      </p:sp>
+      <p:sp>
+        <p:nvSpPr>
+          <p:cNvPr id="58374" name="Rectangle 3"/>
+          <p:cNvSpPr>
+            <a:spLocks noGrp="1" noChangeArrowheads="1"/>
+          </p:cNvSpPr>
+          <p:nvPr>
+            <p:ph type="body" idx="1"/>
+          </p:nvPr>
+        </p:nvSpPr>
+        <p:spPr>
+          <a:noFill/>
+          <a:ln/>
+        </p:spPr>
+        <p:txBody>
+          <a:bodyPr/>
+          <a:lstStyle/>
+          <a:p>
+            <a:pPr eaLnBrk="1" hangingPunct="1"/>
+            <a:endParaRPr lang="en-US" smtClean="0"/>
+          </a:p>
+        </p:txBody>
+      </p:sp>
+    </p:spTree>
+  </p:cSld>
+  <p:clrMapOvr>
+    <a:masterClrMapping/>
+  </p:clrMapOvr>
+</p:notes>
+</file>
+
+<file path=ppt/notesSlides/notesSlide29.xml><?xml version="1.0" encoding="utf-8"?>
+<p:notes xmlns:a="http://schemas.openxmlformats.org/drawingml/2006/main" xmlns:r="http://schemas.openxmlformats.org/officeDocument/2006/relationships" xmlns:p="http://schemas.openxmlformats.org/presentationml/2006/main">
+  <p:cSld>
+    <p:spTree>
+      <p:nvGrpSpPr>
+        <p:cNvPr id="1" name=""/>
+        <p:cNvGrpSpPr/>
+        <p:nvPr/>
+      </p:nvGrpSpPr>
+      <p:grpSpPr>
+        <a:xfrm>
+          <a:off x="0" y="0"/>
+          <a:ext cx="0" cy="0"/>
+          <a:chOff x="0" y="0"/>
+          <a:chExt cx="0" cy="0"/>
+        </a:xfrm>
+      </p:grpSpPr>
+      <p:sp>
+        <p:nvSpPr>
+          <p:cNvPr id="59394" name="Rectangle 2"/>
+          <p:cNvSpPr>
+            <a:spLocks noGrp="1" noChangeArrowheads="1"/>
+          </p:cNvSpPr>
+          <p:nvPr>
+            <p:ph type="hdr" sz="quarter"/>
+          </p:nvPr>
+        </p:nvSpPr>
+        <p:spPr>
+          <a:noFill/>
+        </p:spPr>
+        <p:txBody>
+          <a:bodyPr/>
+          <a:lstStyle/>
+          <a:p>
+            <a:r>
+              <a:rPr lang="en-US" smtClean="0"/>
+              <a:t>MGB 2003</a:t>
+            </a:r>
+          </a:p>
+        </p:txBody>
+      </p:sp>
+      <p:sp>
+        <p:nvSpPr>
+          <p:cNvPr id="59395" name="Rectangle 6"/>
+          <p:cNvSpPr>
+            <a:spLocks noGrp="1" noChangeArrowheads="1"/>
+          </p:cNvSpPr>
+          <p:nvPr>
+            <p:ph type="ftr" sz="quarter" idx="4"/>
+          </p:nvPr>
+        </p:nvSpPr>
+        <p:spPr>
+          <a:noFill/>
+        </p:spPr>
+        <p:txBody>
+          <a:bodyPr/>
+          <a:lstStyle/>
+          <a:p>
+            <a:r>
+              <a:rPr lang="en-US" smtClean="0"/>
+              <a:t>© 2003 Microsoft Corporation. All rights reserved.</a:t>
+            </a:r>
+          </a:p>
+          <a:p>
+            <a:pPr eaLnBrk="0" hangingPunct="0"/>
+            <a:r>
+              <a:rPr lang="en-US" smtClean="0"/>
+              <a:t>This presentation is for informational purposes only. Microsoft makes no warranties, express or implied, in this summary.</a:t>
+            </a:r>
+            <a:endParaRPr lang="en-US" sz="1200" smtClean="0"/>
+          </a:p>
+        </p:txBody>
+      </p:sp>
+      <p:sp>
+        <p:nvSpPr>
+          <p:cNvPr id="59396" name="Rectangle 7"/>
+          <p:cNvSpPr>
+            <a:spLocks noGrp="1" noChangeArrowheads="1"/>
+          </p:cNvSpPr>
+          <p:nvPr>
+            <p:ph type="sldNum" sz="quarter" idx="5"/>
+          </p:nvPr>
+        </p:nvSpPr>
+        <p:spPr>
+          <a:noFill/>
+        </p:spPr>
+        <p:txBody>
+          <a:bodyPr/>
+          <a:lstStyle/>
+          <a:p>
+            <a:fld id="{4539380D-09D6-460B-83D9-CCA835F136FB}" type="slidenum">
+              <a:rPr lang="en-US" smtClean="0"/>
+              <a:pPr/>
+              <a:t>30</a:t>
+            </a:fld>
+            <a:endParaRPr lang="en-US" smtClean="0"/>
+          </a:p>
+        </p:txBody>
+      </p:sp>
+      <p:sp>
+        <p:nvSpPr>
+          <p:cNvPr id="59397" name="Rectangle 2"/>
+          <p:cNvSpPr>
+            <a:spLocks noGrp="1" noRot="1" noChangeAspect="1" noChangeArrowheads="1" noTextEdit="1"/>
+          </p:cNvSpPr>
+          <p:nvPr>
+            <p:ph type="sldImg"/>
+          </p:nvPr>
+        </p:nvSpPr>
+        <p:spPr>
+          <a:ln/>
+        </p:spPr>
+      </p:sp>
+      <p:sp>
+        <p:nvSpPr>
+          <p:cNvPr id="59398" name="Rectangle 3"/>
           <p:cNvSpPr>
             <a:spLocks noGrp="1" noChangeArrowheads="1"/>
           </p:cNvSpPr>
@@ -3802,6 +4093,150 @@
 </p:notes>
 </file>
 
+<file path=ppt/notesSlides/notesSlide30.xml><?xml version="1.0" encoding="utf-8"?>
+<p:notes xmlns:a="http://schemas.openxmlformats.org/drawingml/2006/main" xmlns:r="http://schemas.openxmlformats.org/officeDocument/2006/relationships" xmlns:p="http://schemas.openxmlformats.org/presentationml/2006/main">
+  <p:cSld>
+    <p:spTree>
+      <p:nvGrpSpPr>
+        <p:cNvPr id="1" name=""/>
+        <p:cNvGrpSpPr/>
+        <p:nvPr/>
+      </p:nvGrpSpPr>
+      <p:grpSpPr>
+        <a:xfrm>
+          <a:off x="0" y="0"/>
+          <a:ext cx="0" cy="0"/>
+          <a:chOff x="0" y="0"/>
+          <a:chExt cx="0" cy="0"/>
+        </a:xfrm>
+      </p:grpSpPr>
+      <p:sp>
+        <p:nvSpPr>
+          <p:cNvPr id="60418" name="Rectangle 2"/>
+          <p:cNvSpPr>
+            <a:spLocks noGrp="1" noChangeArrowheads="1"/>
+          </p:cNvSpPr>
+          <p:nvPr>
+            <p:ph type="hdr" sz="quarter"/>
+          </p:nvPr>
+        </p:nvSpPr>
+        <p:spPr>
+          <a:noFill/>
+        </p:spPr>
+        <p:txBody>
+          <a:bodyPr/>
+          <a:lstStyle/>
+          <a:p>
+            <a:r>
+              <a:rPr lang="en-US" smtClean="0"/>
+              <a:t>MGB 2003</a:t>
+            </a:r>
+          </a:p>
+        </p:txBody>
+      </p:sp>
+      <p:sp>
+        <p:nvSpPr>
+          <p:cNvPr id="60419" name="Rectangle 6"/>
+          <p:cNvSpPr>
+            <a:spLocks noGrp="1" noChangeArrowheads="1"/>
+          </p:cNvSpPr>
+          <p:nvPr>
+            <p:ph type="ftr" sz="quarter" idx="4"/>
+          </p:nvPr>
+        </p:nvSpPr>
+        <p:spPr>
+          <a:noFill/>
+        </p:spPr>
+        <p:txBody>
+          <a:bodyPr/>
+          <a:lstStyle/>
+          <a:p>
+            <a:r>
+              <a:rPr lang="en-US" smtClean="0"/>
+              <a:t>© 2003 Microsoft Corporation. All rights reserved.</a:t>
+            </a:r>
+          </a:p>
+          <a:p>
+            <a:pPr eaLnBrk="0" hangingPunct="0"/>
+            <a:r>
+              <a:rPr lang="en-US" smtClean="0"/>
+              <a:t>This presentation is for informational purposes only. Microsoft makes no warranties, express or implied, in this summary.</a:t>
+            </a:r>
+            <a:endParaRPr lang="en-US" sz="1200" smtClean="0"/>
+          </a:p>
+        </p:txBody>
+      </p:sp>
+      <p:sp>
+        <p:nvSpPr>
+          <p:cNvPr id="60420" name="Rectangle 7"/>
+          <p:cNvSpPr>
+            <a:spLocks noGrp="1" noChangeArrowheads="1"/>
+          </p:cNvSpPr>
+          <p:nvPr>
+            <p:ph type="sldNum" sz="quarter" idx="5"/>
+          </p:nvPr>
+        </p:nvSpPr>
+        <p:spPr>
+          <a:noFill/>
+        </p:spPr>
+        <p:txBody>
+          <a:bodyPr/>
+          <a:lstStyle/>
+          <a:p>
+            <a:fld id="{F261F505-AED0-4688-8DF0-CD479DFAEA66}" type="slidenum">
+              <a:rPr lang="en-US" smtClean="0"/>
+              <a:pPr/>
+              <a:t>31</a:t>
+            </a:fld>
+            <a:endParaRPr lang="en-US" smtClean="0"/>
+          </a:p>
+        </p:txBody>
+      </p:sp>
+      <p:sp>
+        <p:nvSpPr>
+          <p:cNvPr id="60421" name="Rectangle 2"/>
+          <p:cNvSpPr>
+            <a:spLocks noGrp="1" noRot="1" noChangeAspect="1" noChangeArrowheads="1" noTextEdit="1"/>
+          </p:cNvSpPr>
+          <p:nvPr>
+            <p:ph type="sldImg"/>
+          </p:nvPr>
+        </p:nvSpPr>
+        <p:spPr>
+          <a:ln/>
+        </p:spPr>
+      </p:sp>
+      <p:sp>
+        <p:nvSpPr>
+          <p:cNvPr id="60422" name="Rectangle 3"/>
+          <p:cNvSpPr>
+            <a:spLocks noGrp="1" noChangeArrowheads="1"/>
+          </p:cNvSpPr>
+          <p:nvPr>
+            <p:ph type="body" idx="1"/>
+          </p:nvPr>
+        </p:nvSpPr>
+        <p:spPr>
+          <a:noFill/>
+          <a:ln/>
+        </p:spPr>
+        <p:txBody>
+          <a:bodyPr/>
+          <a:lstStyle/>
+          <a:p>
+            <a:pPr eaLnBrk="1" hangingPunct="1"/>
+            <a:endParaRPr lang="en-US" smtClean="0"/>
+          </a:p>
+        </p:txBody>
+      </p:sp>
+    </p:spTree>
+  </p:cSld>
+  <p:clrMapOvr>
+    <a:masterClrMapping/>
+  </p:clrMapOvr>
+</p:notes>
+</file>
+
 <file path=ppt/notesSlides/notesSlide4.xml><?xml version="1.0" encoding="utf-8"?>
 <p:notes xmlns:a="http://schemas.openxmlformats.org/drawingml/2006/main" xmlns:r="http://schemas.openxmlformats.org/officeDocument/2006/relationships" xmlns:p="http://schemas.openxmlformats.org/presentationml/2006/main">
   <p:cSld>
@@ -4253,7 +4688,7 @@
       </p:grpSpPr>
       <p:sp>
         <p:nvSpPr>
-          <p:cNvPr id="36866" name="Rectangle 2"/>
+          <p:cNvPr id="35842" name="Rectangle 2"/>
           <p:cNvSpPr>
             <a:spLocks noGrp="1" noChangeArrowheads="1"/>
           </p:cNvSpPr>
@@ -4277,7 +4712,7 @@
       </p:sp>
       <p:sp>
         <p:nvSpPr>
-          <p:cNvPr id="36867" name="Rectangle 6"/>
+          <p:cNvPr id="35843" name="Rectangle 6"/>
           <p:cNvSpPr>
             <a:spLocks noGrp="1" noChangeArrowheads="1"/>
           </p:cNvSpPr>
@@ -4309,7 +4744,7 @@
       </p:sp>
       <p:sp>
         <p:nvSpPr>
-          <p:cNvPr id="36868" name="Rectangle 7"/>
+          <p:cNvPr id="35844" name="Rectangle 7"/>
           <p:cNvSpPr>
             <a:spLocks noGrp="1" noChangeArrowheads="1"/>
           </p:cNvSpPr>
@@ -4324,7 +4759,7 @@
           <a:bodyPr/>
           <a:lstStyle/>
           <a:p>
-            <a:fld id="{DD0C5882-A366-4D5B-990A-2EAFF670F3C9}" type="slidenum">
+            <a:fld id="{4C57BCD5-B649-4532-82F5-305951739B8E}" type="slidenum">
               <a:rPr lang="en-US" smtClean="0"/>
               <a:pPr/>
               <a:t>8</a:t>
@@ -4335,7 +4770,7 @@
       </p:sp>
       <p:sp>
         <p:nvSpPr>
-          <p:cNvPr id="36869" name="Rectangle 2"/>
+          <p:cNvPr id="35845" name="Rectangle 2"/>
           <p:cNvSpPr>
             <a:spLocks noGrp="1" noRot="1" noChangeAspect="1" noChangeArrowheads="1" noTextEdit="1"/>
           </p:cNvSpPr>
@@ -4349,7 +4784,7 @@
       </p:sp>
       <p:sp>
         <p:nvSpPr>
-          <p:cNvPr id="36870" name="Rectangle 3"/>
+          <p:cNvPr id="35846" name="Rectangle 3"/>
           <p:cNvSpPr>
             <a:spLocks noGrp="1" noChangeArrowheads="1"/>
           </p:cNvSpPr>
@@ -4397,7 +4832,7 @@
       </p:grpSpPr>
       <p:sp>
         <p:nvSpPr>
-          <p:cNvPr id="37890" name="Rectangle 2"/>
+          <p:cNvPr id="35842" name="Rectangle 2"/>
           <p:cNvSpPr>
             <a:spLocks noGrp="1" noChangeArrowheads="1"/>
           </p:cNvSpPr>
@@ -4421,7 +4856,7 @@
       </p:sp>
       <p:sp>
         <p:nvSpPr>
-          <p:cNvPr id="37891" name="Rectangle 6"/>
+          <p:cNvPr id="35843" name="Rectangle 6"/>
           <p:cNvSpPr>
             <a:spLocks noGrp="1" noChangeArrowheads="1"/>
           </p:cNvSpPr>
@@ -4453,7 +4888,7 @@
       </p:sp>
       <p:sp>
         <p:nvSpPr>
-          <p:cNvPr id="37892" name="Rectangle 7"/>
+          <p:cNvPr id="35844" name="Rectangle 7"/>
           <p:cNvSpPr>
             <a:spLocks noGrp="1" noChangeArrowheads="1"/>
           </p:cNvSpPr>
@@ -4468,7 +4903,7 @@
           <a:bodyPr/>
           <a:lstStyle/>
           <a:p>
-            <a:fld id="{4769C9FD-B728-4F36-9336-E4051B0C3AA9}" type="slidenum">
+            <a:fld id="{4C57BCD5-B649-4532-82F5-305951739B8E}" type="slidenum">
               <a:rPr lang="en-US" smtClean="0"/>
               <a:pPr/>
               <a:t>9</a:t>
@@ -4479,7 +4914,7 @@
       </p:sp>
       <p:sp>
         <p:nvSpPr>
-          <p:cNvPr id="37893" name="Rectangle 2"/>
+          <p:cNvPr id="35845" name="Rectangle 2"/>
           <p:cNvSpPr>
             <a:spLocks noGrp="1" noRot="1" noChangeAspect="1" noChangeArrowheads="1" noTextEdit="1"/>
           </p:cNvSpPr>
@@ -4493,7 +4928,7 @@
       </p:sp>
       <p:sp>
         <p:nvSpPr>
-          <p:cNvPr id="37894" name="Rectangle 3"/>
+          <p:cNvPr id="35846" name="Rectangle 3"/>
           <p:cNvSpPr>
             <a:spLocks noGrp="1" noChangeArrowheads="1"/>
           </p:cNvSpPr>
@@ -4541,7 +4976,7 @@
       </p:grpSpPr>
       <p:sp>
         <p:nvSpPr>
-          <p:cNvPr id="40962" name="Rectangle 2"/>
+          <p:cNvPr id="36866" name="Rectangle 2"/>
           <p:cNvSpPr>
             <a:spLocks noGrp="1" noChangeArrowheads="1"/>
           </p:cNvSpPr>
@@ -4565,7 +5000,7 @@
       </p:sp>
       <p:sp>
         <p:nvSpPr>
-          <p:cNvPr id="40963" name="Rectangle 6"/>
+          <p:cNvPr id="36867" name="Rectangle 6"/>
           <p:cNvSpPr>
             <a:spLocks noGrp="1" noChangeArrowheads="1"/>
           </p:cNvSpPr>
@@ -4597,7 +5032,7 @@
       </p:sp>
       <p:sp>
         <p:nvSpPr>
-          <p:cNvPr id="40964" name="Rectangle 7"/>
+          <p:cNvPr id="36868" name="Rectangle 7"/>
           <p:cNvSpPr>
             <a:spLocks noGrp="1" noChangeArrowheads="1"/>
           </p:cNvSpPr>
@@ -4612,7 +5047,7 @@
           <a:bodyPr/>
           <a:lstStyle/>
           <a:p>
-            <a:fld id="{5438A4A7-6B87-4B49-9746-7F3332D26A73}" type="slidenum">
+            <a:fld id="{DD0C5882-A366-4D5B-990A-2EAFF670F3C9}" type="slidenum">
               <a:rPr lang="en-US" smtClean="0"/>
               <a:pPr/>
               <a:t>10</a:t>
@@ -4623,7 +5058,7 @@
       </p:sp>
       <p:sp>
         <p:nvSpPr>
-          <p:cNvPr id="40965" name="Rectangle 2"/>
+          <p:cNvPr id="36869" name="Rectangle 2"/>
           <p:cNvSpPr>
             <a:spLocks noGrp="1" noRot="1" noChangeAspect="1" noChangeArrowheads="1" noTextEdit="1"/>
           </p:cNvSpPr>
@@ -4637,7 +5072,7 @@
       </p:sp>
       <p:sp>
         <p:nvSpPr>
-          <p:cNvPr id="40966" name="Rectangle 3"/>
+          <p:cNvPr id="36870" name="Rectangle 3"/>
           <p:cNvSpPr>
             <a:spLocks noGrp="1" noChangeArrowheads="1"/>
           </p:cNvSpPr>
@@ -8475,7 +8910,7 @@
               <a:defRPr/>
             </a:pPr>
             <a:r>
-              <a:rPr lang="en-US" dirty="0" smtClean="0"/>
+              <a:rPr lang="en-US" b="1" dirty="0" smtClean="0"/>
               <a:t>The Zen of ASP.NET and MVC</a:t>
             </a:r>
           </a:p>
@@ -8517,13 +8952,7 @@
               <a:rPr lang="en-US" sz="2000" b="1" dirty="0" smtClean="0">
                 <a:latin typeface="Arial" charset="0"/>
               </a:rPr>
-              <a:t>Javier </a:t>
-            </a:r>
-            <a:r>
-              <a:rPr lang="en-US" sz="2000" b="1" dirty="0" smtClean="0">
-                <a:latin typeface="Arial" charset="0"/>
-              </a:rPr>
-              <a:t>Lozano</a:t>
+              <a:t>Javier Lozano</a:t>
             </a:r>
             <a:endParaRPr lang="en-US" b="1" dirty="0">
               <a:solidFill>
@@ -8538,11 +8967,7 @@
             </a:pPr>
             <a:r>
               <a:rPr lang="en-US" dirty="0" err="1" smtClean="0"/>
-              <a:t>l</a:t>
-            </a:r>
-            <a:r>
-              <a:rPr lang="en-US" dirty="0" err="1" smtClean="0"/>
-              <a:t>ozanotek</a:t>
+              <a:t>lozanotek</a:t>
             </a:r>
             <a:r>
               <a:rPr lang="en-US" dirty="0" smtClean="0"/>
@@ -8724,43 +9149,133 @@
             </a:pPr>
             <a:r>
               <a:rPr lang="en-US" dirty="0" smtClean="0"/>
-              <a:t>What is this “MVC” thing?</a:t>
-            </a:r>
-          </a:p>
-        </p:txBody>
-      </p:sp>
-      <p:pic>
-        <p:nvPicPr>
-          <p:cNvPr id="10244" name="Picture 2" descr="C:\Users\javier\Desktop\google_mvc_search.png"/>
-          <p:cNvPicPr>
-            <a:picLocks noChangeAspect="1" noChangeArrowheads="1"/>
-          </p:cNvPicPr>
-          <p:nvPr/>
-        </p:nvPicPr>
-        <p:blipFill>
-          <a:blip r:embed="rId3" cstate="print"/>
-          <a:srcRect/>
-          <a:stretch>
-            <a:fillRect/>
-          </a:stretch>
-        </p:blipFill>
+              <a:t>What is the Zen of ASP.NET?</a:t>
+            </a:r>
+          </a:p>
+        </p:txBody>
+      </p:sp>
+      <p:sp>
+        <p:nvSpPr>
+          <p:cNvPr id="6148" name="Text Placeholder 2"/>
+          <p:cNvSpPr>
+            <a:spLocks noGrp="1"/>
+          </p:cNvSpPr>
+          <p:nvPr>
+            <p:ph type="body" sz="half" idx="1"/>
+          </p:nvPr>
+        </p:nvSpPr>
         <p:spPr bwMode="auto">
           <a:xfrm>
-            <a:off x="687388" y="1524000"/>
-            <a:ext cx="7769225" cy="4756150"/>
+            <a:off x="457200" y="1600200"/>
+            <a:ext cx="7423150" cy="4525963"/>
           </a:xfrm>
-          <a:prstGeom prst="rect">
-            <a:avLst/>
-          </a:prstGeom>
-          <a:noFill/>
-          <a:ln w="9525">
-            <a:noFill/>
+          <a:noFill/>
+          <a:ln>
             <a:miter lim="800000"/>
             <a:headEnd/>
             <a:tailEnd/>
           </a:ln>
         </p:spPr>
-      </p:pic>
+        <p:txBody>
+          <a:bodyPr vert="horz" wrap="square" lIns="91440" tIns="45720" rIns="91440" bIns="45720" numCol="1" anchor="t" anchorCtr="0" compatLnSpc="1">
+            <a:prstTxWarp prst="textNoShape">
+              <a:avLst/>
+            </a:prstTxWarp>
+          </a:bodyPr>
+          <a:lstStyle/>
+          <a:p>
+            <a:pPr>
+              <a:lnSpc>
+                <a:spcPct val="90000"/>
+              </a:lnSpc>
+            </a:pPr>
+            <a:r>
+              <a:rPr lang="en-US" sz="2400" dirty="0" smtClean="0"/>
+              <a:t>ASP.NET is a platform, not a framework</a:t>
+            </a:r>
+          </a:p>
+          <a:p>
+            <a:pPr lvl="1">
+              <a:lnSpc>
+                <a:spcPct val="90000"/>
+              </a:lnSpc>
+            </a:pPr>
+            <a:r>
+              <a:rPr lang="en-US" sz="2400" dirty="0" smtClean="0"/>
+              <a:t>Provider Model</a:t>
+            </a:r>
+          </a:p>
+          <a:p>
+            <a:pPr lvl="1">
+              <a:lnSpc>
+                <a:spcPct val="90000"/>
+              </a:lnSpc>
+            </a:pPr>
+            <a:r>
+              <a:rPr lang="en-US" sz="2400" dirty="0" smtClean="0"/>
+              <a:t>Caching</a:t>
+            </a:r>
+          </a:p>
+          <a:p>
+            <a:pPr lvl="1">
+              <a:lnSpc>
+                <a:spcPct val="90000"/>
+              </a:lnSpc>
+            </a:pPr>
+            <a:r>
+              <a:rPr lang="en-US" sz="2400" dirty="0" smtClean="0"/>
+              <a:t>Master Pages</a:t>
+            </a:r>
+          </a:p>
+          <a:p>
+            <a:pPr lvl="1">
+              <a:lnSpc>
+                <a:spcPct val="90000"/>
+              </a:lnSpc>
+            </a:pPr>
+            <a:r>
+              <a:rPr lang="en-US" sz="2400" dirty="0" smtClean="0"/>
+              <a:t>Session State</a:t>
+            </a:r>
+          </a:p>
+          <a:p>
+            <a:pPr lvl="1">
+              <a:lnSpc>
+                <a:spcPct val="90000"/>
+              </a:lnSpc>
+            </a:pPr>
+            <a:r>
+              <a:rPr lang="en-US" sz="2400" dirty="0" smtClean="0"/>
+              <a:t>Page/Control Lifecycle</a:t>
+            </a:r>
+          </a:p>
+          <a:p>
+            <a:pPr lvl="1">
+              <a:lnSpc>
+                <a:spcPct val="90000"/>
+              </a:lnSpc>
+            </a:pPr>
+            <a:r>
+              <a:rPr lang="en-US" sz="2400" dirty="0" smtClean="0"/>
+              <a:t>AJAX</a:t>
+            </a:r>
+          </a:p>
+          <a:p>
+            <a:pPr lvl="1">
+              <a:lnSpc>
+                <a:spcPct val="90000"/>
+              </a:lnSpc>
+            </a:pPr>
+            <a:r>
+              <a:rPr lang="en-US" sz="2400" dirty="0" smtClean="0"/>
+              <a:t>etc.</a:t>
+            </a:r>
+          </a:p>
+          <a:p>
+            <a:endParaRPr lang="en-US" dirty="0" smtClean="0"/>
+          </a:p>
+        </p:txBody>
+      </p:sp>
     </p:spTree>
   </p:cSld>
   <p:clrMapOvr>
@@ -8825,43 +9340,129 @@
             </a:pPr>
             <a:r>
               <a:rPr lang="en-US" dirty="0" smtClean="0"/>
-              <a:t>What is this “MVC” thing?</a:t>
-            </a:r>
-          </a:p>
-        </p:txBody>
-      </p:sp>
-      <p:pic>
-        <p:nvPicPr>
-          <p:cNvPr id="11268" name="Picture 2" descr="C:\Users\javier\Desktop\google_mvc_search_result.png"/>
-          <p:cNvPicPr>
-            <a:picLocks noChangeAspect="1" noChangeArrowheads="1"/>
-          </p:cNvPicPr>
-          <p:nvPr/>
-        </p:nvPicPr>
-        <p:blipFill>
-          <a:blip r:embed="rId3" cstate="print"/>
-          <a:srcRect/>
-          <a:stretch>
-            <a:fillRect/>
-          </a:stretch>
-        </p:blipFill>
+              <a:t>What is the Zen of ASP.NET?</a:t>
+            </a:r>
+          </a:p>
+        </p:txBody>
+      </p:sp>
+      <p:sp>
+        <p:nvSpPr>
+          <p:cNvPr id="7172" name="Text Placeholder 2"/>
+          <p:cNvSpPr>
+            <a:spLocks noGrp="1"/>
+          </p:cNvSpPr>
+          <p:nvPr>
+            <p:ph type="body" sz="half" idx="1"/>
+          </p:nvPr>
+        </p:nvSpPr>
         <p:spPr bwMode="auto">
           <a:xfrm>
-            <a:off x="687388" y="1524000"/>
-            <a:ext cx="7769225" cy="4756150"/>
+            <a:off x="457200" y="1600200"/>
+            <a:ext cx="7237413" cy="4525963"/>
           </a:xfrm>
-          <a:prstGeom prst="rect">
-            <a:avLst/>
-          </a:prstGeom>
-          <a:noFill/>
-          <a:ln w="9525">
-            <a:noFill/>
+          <a:noFill/>
+          <a:ln>
             <a:miter lim="800000"/>
             <a:headEnd/>
             <a:tailEnd/>
           </a:ln>
         </p:spPr>
-      </p:pic>
+        <p:txBody>
+          <a:bodyPr vert="horz" wrap="square" lIns="91440" tIns="45720" rIns="91440" bIns="45720" numCol="1" anchor="t" anchorCtr="0" compatLnSpc="1">
+            <a:prstTxWarp prst="textNoShape">
+              <a:avLst/>
+            </a:prstTxWarp>
+            <a:normAutofit/>
+          </a:bodyPr>
+          <a:lstStyle/>
+          <a:p>
+            <a:pPr>
+              <a:lnSpc>
+                <a:spcPct val="90000"/>
+              </a:lnSpc>
+            </a:pPr>
+            <a:r>
+              <a:rPr lang="en-US" sz="2400" dirty="0" smtClean="0"/>
+              <a:t>At the end of the day, it’s all about:</a:t>
+            </a:r>
+          </a:p>
+          <a:p>
+            <a:pPr lvl="1">
+              <a:lnSpc>
+                <a:spcPct val="90000"/>
+              </a:lnSpc>
+            </a:pPr>
+            <a:r>
+              <a:rPr lang="en-US" sz="2400" dirty="0" err="1" smtClean="0"/>
+              <a:t>IHttpHandler</a:t>
+            </a:r>
+            <a:endParaRPr lang="en-US" sz="2400" dirty="0" smtClean="0"/>
+          </a:p>
+          <a:p>
+            <a:pPr lvl="1">
+              <a:lnSpc>
+                <a:spcPct val="90000"/>
+              </a:lnSpc>
+            </a:pPr>
+            <a:r>
+              <a:rPr lang="en-US" sz="2400" dirty="0" err="1" smtClean="0"/>
+              <a:t>IHttpHandlerFactory</a:t>
+            </a:r>
+            <a:endParaRPr lang="en-US" sz="2400" dirty="0" smtClean="0"/>
+          </a:p>
+          <a:p>
+            <a:pPr lvl="1">
+              <a:lnSpc>
+                <a:spcPct val="90000"/>
+              </a:lnSpc>
+            </a:pPr>
+            <a:r>
+              <a:rPr lang="en-US" sz="2400" dirty="0" err="1" smtClean="0"/>
+              <a:t>IHttpModule</a:t>
+            </a:r>
+            <a:endParaRPr lang="en-US" sz="2400" dirty="0" smtClean="0"/>
+          </a:p>
+          <a:p>
+            <a:pPr lvl="1">
+              <a:lnSpc>
+                <a:spcPct val="90000"/>
+              </a:lnSpc>
+            </a:pPr>
+            <a:r>
+              <a:rPr lang="en-US" sz="2400" dirty="0" err="1" smtClean="0"/>
+              <a:t>HttpApplication</a:t>
+            </a:r>
+            <a:endParaRPr lang="en-US" sz="2400" dirty="0" smtClean="0"/>
+          </a:p>
+          <a:p>
+            <a:pPr lvl="1">
+              <a:lnSpc>
+                <a:spcPct val="90000"/>
+              </a:lnSpc>
+            </a:pPr>
+            <a:r>
+              <a:rPr lang="en-US" sz="2400" dirty="0" err="1" smtClean="0"/>
+              <a:t>HttpRuntime</a:t>
+            </a:r>
+            <a:endParaRPr lang="en-US" sz="2400" dirty="0" smtClean="0"/>
+          </a:p>
+          <a:p>
+            <a:pPr lvl="1">
+              <a:lnSpc>
+                <a:spcPct val="90000"/>
+              </a:lnSpc>
+            </a:pPr>
+            <a:r>
+              <a:rPr lang="en-US" sz="2400" dirty="0" err="1" smtClean="0"/>
+              <a:t>HttpContext</a:t>
+            </a:r>
+            <a:endParaRPr lang="en-US" sz="2400" dirty="0" smtClean="0"/>
+          </a:p>
+          <a:p>
+            <a:endParaRPr lang="en-US" sz="2400" dirty="0" smtClean="0"/>
+          </a:p>
+        </p:txBody>
+      </p:sp>
     </p:spTree>
   </p:cSld>
   <p:clrMapOvr>
@@ -8926,115 +9527,42 @@
             </a:pPr>
             <a:r>
               <a:rPr lang="en-US" dirty="0" smtClean="0"/>
-              <a:t>What is this “MVC” thing?</a:t>
-            </a:r>
-          </a:p>
-        </p:txBody>
-      </p:sp>
-      <p:sp>
-        <p:nvSpPr>
-          <p:cNvPr id="12292" name="Text Placeholder 2"/>
-          <p:cNvSpPr>
-            <a:spLocks noGrp="1"/>
-          </p:cNvSpPr>
-          <p:nvPr>
-            <p:ph type="body" sz="half" idx="1"/>
-          </p:nvPr>
-        </p:nvSpPr>
-        <p:spPr bwMode="auto">
+              <a:t>Demo</a:t>
+            </a:r>
+          </a:p>
+        </p:txBody>
+      </p:sp>
+      <p:sp>
+        <p:nvSpPr>
+          <p:cNvPr id="4" name="TextBox 3"/>
+          <p:cNvSpPr txBox="1"/>
+          <p:nvPr/>
+        </p:nvSpPr>
+        <p:spPr>
           <a:xfrm>
-            <a:off x="457200" y="1600200"/>
-            <a:ext cx="8039100" cy="4525963"/>
-          </a:xfrm>
-          <a:noFill/>
-          <a:ln>
-            <a:miter lim="800000"/>
-            <a:headEnd/>
-            <a:tailEnd/>
-          </a:ln>
-        </p:spPr>
-        <p:txBody>
-          <a:bodyPr vert="horz" wrap="square" lIns="91440" tIns="45720" rIns="91440" bIns="45720" numCol="1" anchor="t" anchorCtr="0" compatLnSpc="1">
-            <a:prstTxWarp prst="textNoShape">
-              <a:avLst/>
-            </a:prstTxWarp>
-            <a:normAutofit/>
-          </a:bodyPr>
-          <a:lstStyle/>
-          <a:p>
-            <a:r>
-              <a:rPr lang="en-US" sz="2400" dirty="0" smtClean="0"/>
-              <a:t>Model-View-Controller (MVC) Pattern</a:t>
-            </a:r>
-          </a:p>
-          <a:p>
-            <a:r>
-              <a:rPr lang="en-US" sz="2400" dirty="0" smtClean="0"/>
-              <a:t>First described in 1979 by </a:t>
-            </a:r>
-            <a:r>
-              <a:rPr lang="en-US" sz="2400" dirty="0" err="1" smtClean="0"/>
-              <a:t>Trygve</a:t>
-            </a:r>
-            <a:r>
-              <a:rPr lang="en-US" sz="2400" dirty="0" smtClean="0"/>
-              <a:t> </a:t>
-            </a:r>
-            <a:r>
-              <a:rPr lang="en-US" sz="2400" dirty="0" err="1" smtClean="0"/>
-              <a:t>Reenskaug</a:t>
-            </a:r>
-            <a:endParaRPr lang="en-US" sz="2400" dirty="0" smtClean="0"/>
-          </a:p>
-          <a:p>
-            <a:r>
-              <a:rPr lang="en-US" sz="2400" dirty="0" smtClean="0"/>
-              <a:t>Described in depth in the influential paper </a:t>
-            </a:r>
-            <a:r>
-              <a:rPr lang="en-US" sz="2400" b="1" dirty="0" smtClean="0"/>
-              <a:t>Applications Programming in Smalltalk-80: How to use Model-View-Controller</a:t>
-            </a:r>
-            <a:endParaRPr lang="en-US" sz="2400" dirty="0" smtClean="0"/>
-          </a:p>
-        </p:txBody>
-      </p:sp>
-      <p:sp>
-        <p:nvSpPr>
-          <p:cNvPr id="12293" name="TextBox 4"/>
-          <p:cNvSpPr txBox="1">
-            <a:spLocks noChangeArrowheads="1"/>
-          </p:cNvSpPr>
-          <p:nvPr/>
-        </p:nvSpPr>
-        <p:spPr bwMode="auto">
-          <a:xfrm>
-            <a:off x="3198813" y="4394200"/>
-            <a:ext cx="4975225" cy="369888"/>
+            <a:off x="2648236" y="2971800"/>
+            <a:ext cx="3847528" cy="584775"/>
           </a:xfrm>
           <a:prstGeom prst="rect">
             <a:avLst/>
           </a:prstGeom>
           <a:noFill/>
-          <a:ln w="9525">
-            <a:noFill/>
-            <a:miter lim="800000"/>
-            <a:headEnd/>
-            <a:tailEnd/>
-          </a:ln>
-        </p:spPr>
-        <p:txBody>
-          <a:bodyPr wrap="none">
+        </p:spPr>
+        <p:txBody>
+          <a:bodyPr wrap="none" rtlCol="0">
             <a:spAutoFit/>
           </a:bodyPr>
           <a:lstStyle/>
           <a:p>
             <a:r>
-              <a:rPr lang="en-US" sz="1800" i="1">
-                <a:latin typeface="Candara" pitchFamily="34" charset="0"/>
+              <a:rPr lang="en-US" sz="3200" b="1" dirty="0" smtClean="0">
+                <a:latin typeface="+mn-lt"/>
               </a:rPr>
-              <a:t>http://en.wikipedia.org/wiki/mode-view-controller</a:t>
-            </a:r>
+              <a:t>Understanding the Zen</a:t>
+            </a:r>
+            <a:endParaRPr lang="en-US" sz="3200" b="1" dirty="0">
+              <a:latin typeface="+mn-lt"/>
+            </a:endParaRPr>
           </a:p>
         </p:txBody>
       </p:sp>
@@ -9107,111 +9635,38 @@
           </a:p>
         </p:txBody>
       </p:sp>
-      <p:sp>
-        <p:nvSpPr>
-          <p:cNvPr id="13316" name="Text Placeholder 2"/>
-          <p:cNvSpPr>
-            <a:spLocks noGrp="1"/>
-          </p:cNvSpPr>
-          <p:nvPr>
-            <p:ph type="body" sz="half" idx="1"/>
-          </p:nvPr>
-        </p:nvSpPr>
+      <p:pic>
+        <p:nvPicPr>
+          <p:cNvPr id="10244" name="Picture 2" descr="C:\Users\javier\Desktop\google_mvc_search.png"/>
+          <p:cNvPicPr>
+            <a:picLocks noChangeAspect="1" noChangeArrowheads="1"/>
+          </p:cNvPicPr>
+          <p:nvPr/>
+        </p:nvPicPr>
+        <p:blipFill>
+          <a:blip r:embed="rId3" cstate="print"/>
+          <a:srcRect/>
+          <a:stretch>
+            <a:fillRect/>
+          </a:stretch>
+        </p:blipFill>
         <p:spPr bwMode="auto">
           <a:xfrm>
-            <a:off x="457200" y="1600200"/>
-            <a:ext cx="8039100" cy="4525963"/>
+            <a:off x="687388" y="1524000"/>
+            <a:ext cx="7769225" cy="4756150"/>
           </a:xfrm>
-          <a:noFill/>
-          <a:ln>
+          <a:prstGeom prst="rect">
+            <a:avLst/>
+          </a:prstGeom>
+          <a:noFill/>
+          <a:ln w="9525">
+            <a:noFill/>
             <a:miter lim="800000"/>
             <a:headEnd/>
             <a:tailEnd/>
           </a:ln>
         </p:spPr>
-        <p:txBody>
-          <a:bodyPr vert="horz" wrap="square" lIns="91440" tIns="45720" rIns="91440" bIns="45720" numCol="1" anchor="t" anchorCtr="0" compatLnSpc="1">
-            <a:prstTxWarp prst="textNoShape">
-              <a:avLst/>
-            </a:prstTxWarp>
-            <a:noAutofit/>
-          </a:bodyPr>
-          <a:lstStyle/>
-          <a:p>
-            <a:r>
-              <a:rPr lang="en-US" sz="2400" dirty="0" smtClean="0"/>
-              <a:t>Controller</a:t>
-            </a:r>
-          </a:p>
-          <a:p>
-            <a:pPr lvl="1"/>
-            <a:r>
-              <a:rPr lang="en-US" sz="2400" dirty="0" smtClean="0"/>
-              <a:t>Brains behind the operation</a:t>
-            </a:r>
-          </a:p>
-          <a:p>
-            <a:pPr lvl="1"/>
-            <a:r>
-              <a:rPr lang="en-US" sz="2400" dirty="0" smtClean="0"/>
-              <a:t>Picks which view to use</a:t>
-            </a:r>
-          </a:p>
-          <a:p>
-            <a:pPr lvl="1"/>
-            <a:r>
-              <a:rPr lang="en-US" sz="2400" dirty="0" smtClean="0"/>
-              <a:t>Picks which data to pass to the view</a:t>
-            </a:r>
-          </a:p>
-          <a:p>
-            <a:pPr lvl="1"/>
-            <a:r>
-              <a:rPr lang="en-US" sz="2400" dirty="0" smtClean="0"/>
-              <a:t>Maps straight URL</a:t>
-            </a:r>
-          </a:p>
-          <a:p>
-            <a:r>
-              <a:rPr lang="en-US" sz="2400" dirty="0" smtClean="0"/>
-              <a:t>Example</a:t>
-            </a:r>
-          </a:p>
-          <a:p>
-            <a:pPr lvl="1"/>
-            <a:r>
-              <a:rPr lang="en-US" sz="2400" b="1" dirty="0" smtClean="0"/>
-              <a:t>GET</a:t>
-            </a:r>
-            <a:r>
-              <a:rPr lang="en-US" sz="2400" dirty="0" smtClean="0"/>
-              <a:t> my.com/person/15</a:t>
-            </a:r>
-          </a:p>
-          <a:p>
-            <a:pPr lvl="1"/>
-            <a:r>
-              <a:rPr lang="en-US" sz="2400" b="1" dirty="0" smtClean="0"/>
-              <a:t>POST</a:t>
-            </a:r>
-            <a:r>
-              <a:rPr lang="en-US" sz="2400" dirty="0" smtClean="0"/>
-              <a:t> my.com/person/15</a:t>
-            </a:r>
-          </a:p>
-          <a:p>
-            <a:pPr lvl="1"/>
-            <a:r>
-              <a:rPr lang="en-US" sz="2400" b="1" dirty="0" smtClean="0"/>
-              <a:t>PUT</a:t>
-            </a:r>
-            <a:r>
-              <a:rPr lang="en-US" sz="2400" dirty="0" smtClean="0"/>
-              <a:t> my.com/person/15</a:t>
-            </a:r>
-          </a:p>
-        </p:txBody>
-      </p:sp>
+      </p:pic>
     </p:spTree>
   </p:cSld>
   <p:clrMapOvr>
@@ -9281,95 +9736,38 @@
           </a:p>
         </p:txBody>
       </p:sp>
-      <p:sp>
-        <p:nvSpPr>
-          <p:cNvPr id="14340" name="Text Placeholder 2"/>
-          <p:cNvSpPr>
-            <a:spLocks noGrp="1"/>
-          </p:cNvSpPr>
-          <p:nvPr>
-            <p:ph type="body" sz="half" idx="1"/>
-          </p:nvPr>
-        </p:nvSpPr>
+      <p:pic>
+        <p:nvPicPr>
+          <p:cNvPr id="11268" name="Picture 2" descr="C:\Users\javier\Desktop\google_mvc_search_result.png"/>
+          <p:cNvPicPr>
+            <a:picLocks noChangeAspect="1" noChangeArrowheads="1"/>
+          </p:cNvPicPr>
+          <p:nvPr/>
+        </p:nvPicPr>
+        <p:blipFill>
+          <a:blip r:embed="rId3" cstate="print"/>
+          <a:srcRect/>
+          <a:stretch>
+            <a:fillRect/>
+          </a:stretch>
+        </p:blipFill>
         <p:spPr bwMode="auto">
           <a:xfrm>
-            <a:off x="457200" y="1600200"/>
-            <a:ext cx="8039100" cy="4525963"/>
+            <a:off x="687388" y="1524000"/>
+            <a:ext cx="7769225" cy="4756150"/>
           </a:xfrm>
-          <a:noFill/>
-          <a:ln>
+          <a:prstGeom prst="rect">
+            <a:avLst/>
+          </a:prstGeom>
+          <a:noFill/>
+          <a:ln w="9525">
+            <a:noFill/>
             <a:miter lim="800000"/>
             <a:headEnd/>
             <a:tailEnd/>
           </a:ln>
         </p:spPr>
-        <p:txBody>
-          <a:bodyPr vert="horz" wrap="square" lIns="91440" tIns="45720" rIns="91440" bIns="45720" numCol="1" anchor="t" anchorCtr="0" compatLnSpc="1">
-            <a:prstTxWarp prst="textNoShape">
-              <a:avLst/>
-            </a:prstTxWarp>
-            <a:normAutofit/>
-          </a:bodyPr>
-          <a:lstStyle/>
-          <a:p>
-            <a:r>
-              <a:rPr lang="en-US" sz="2400" dirty="0" smtClean="0"/>
-              <a:t>View</a:t>
-            </a:r>
-          </a:p>
-          <a:p>
-            <a:pPr lvl="1"/>
-            <a:r>
-              <a:rPr lang="en-US" sz="2400" dirty="0" smtClean="0"/>
-              <a:t>Represents how the “data” is “interpreted”</a:t>
-            </a:r>
-          </a:p>
-          <a:p>
-            <a:pPr lvl="1"/>
-            <a:r>
-              <a:rPr lang="en-US" sz="2400" dirty="0" smtClean="0"/>
-              <a:t>Typically associated with HTML.</a:t>
-            </a:r>
-          </a:p>
-          <a:p>
-            <a:pPr lvl="1"/>
-            <a:r>
-              <a:rPr lang="en-US" sz="2400" dirty="0" smtClean="0"/>
-              <a:t>Can be many other types of markup (XAML,XML,RSS,ATOM, etc.)</a:t>
-            </a:r>
-          </a:p>
-          <a:p>
-            <a:pPr lvl="1"/>
-            <a:r>
-              <a:rPr lang="en-US" sz="2400" dirty="0" smtClean="0"/>
-              <a:t>Can be </a:t>
-            </a:r>
-            <a:r>
-              <a:rPr lang="en-US" sz="2400" dirty="0" err="1" smtClean="0"/>
-              <a:t>javascript</a:t>
-            </a:r>
-            <a:r>
-              <a:rPr lang="en-US" sz="2400" dirty="0" smtClean="0"/>
-              <a:t>/</a:t>
-            </a:r>
-            <a:r>
-              <a:rPr lang="en-US" sz="2400" dirty="0" err="1" smtClean="0"/>
-              <a:t>ecmascript</a:t>
-            </a:r>
-            <a:r>
-              <a:rPr lang="en-US" sz="2400" dirty="0" smtClean="0"/>
-              <a:t> (JSON)</a:t>
-            </a:r>
-          </a:p>
-          <a:p>
-            <a:pPr lvl="1"/>
-            <a:r>
-              <a:rPr lang="en-US" sz="2400" dirty="0" smtClean="0"/>
-              <a:t>Can be binary data</a:t>
-            </a:r>
-          </a:p>
-        </p:txBody>
-      </p:sp>
+      </p:pic>
     </p:spTree>
   </p:cSld>
   <p:clrMapOvr>
@@ -9441,7 +9839,7 @@
       </p:sp>
       <p:sp>
         <p:nvSpPr>
-          <p:cNvPr id="15364" name="Text Placeholder 2"/>
+          <p:cNvPr id="12292" name="Text Placeholder 2"/>
           <p:cNvSpPr>
             <a:spLocks noGrp="1"/>
           </p:cNvSpPr>
@@ -9472,41 +9870,76 @@
           <a:p>
             <a:r>
               <a:rPr lang="en-US" sz="2400" dirty="0" smtClean="0"/>
-              <a:t>Model</a:t>
-            </a:r>
-          </a:p>
-          <a:p>
-            <a:pPr lvl="1"/>
+              <a:t>Model-View-Controller (MVC) Pattern</a:t>
+            </a:r>
+          </a:p>
+          <a:p>
             <a:r>
               <a:rPr lang="en-US" sz="2400" dirty="0" smtClean="0"/>
-              <a:t>Core of your application (or part of it)</a:t>
-            </a:r>
-          </a:p>
-          <a:p>
-            <a:pPr lvl="1"/>
+              <a:t>First described in 1979 by </a:t>
+            </a:r>
+            <a:r>
+              <a:rPr lang="en-US" sz="2400" dirty="0" err="1" smtClean="0"/>
+              <a:t>Trygve</a:t>
+            </a:r>
             <a:r>
               <a:rPr lang="en-US" sz="2400" dirty="0" smtClean="0"/>
-              <a:t>Can encapsulate “data”, “logic” for the application</a:t>
-            </a:r>
-          </a:p>
-          <a:p>
-            <a:pPr lvl="1"/>
+              <a:t> </a:t>
+            </a:r>
+            <a:r>
+              <a:rPr lang="en-US" sz="2400" dirty="0" err="1" smtClean="0"/>
+              <a:t>Reenskaug</a:t>
+            </a:r>
+            <a:endParaRPr lang="en-US" sz="2400" dirty="0" smtClean="0"/>
+          </a:p>
+          <a:p>
             <a:r>
               <a:rPr lang="en-US" sz="2400" dirty="0" smtClean="0"/>
-              <a:t>Is unaware of application context</a:t>
-            </a:r>
-          </a:p>
-          <a:p>
-            <a:r>
-              <a:rPr lang="en-US" sz="2400" dirty="0" smtClean="0"/>
-              <a:t>Example</a:t>
-            </a:r>
-          </a:p>
-          <a:p>
-            <a:pPr lvl="1"/>
-            <a:r>
-              <a:rPr lang="en-US" sz="2400" dirty="0" smtClean="0"/>
-              <a:t>Person p = new Person();</a:t>
+              <a:t>Described in depth in the influential paper </a:t>
+            </a:r>
+            <a:r>
+              <a:rPr lang="en-US" sz="2400" b="1" dirty="0" smtClean="0"/>
+              <a:t>Applications Programming in Smalltalk-80: How to use Model-View-Controller</a:t>
+            </a:r>
+            <a:endParaRPr lang="en-US" sz="2400" dirty="0" smtClean="0"/>
+          </a:p>
+        </p:txBody>
+      </p:sp>
+      <p:sp>
+        <p:nvSpPr>
+          <p:cNvPr id="12293" name="TextBox 4"/>
+          <p:cNvSpPr txBox="1">
+            <a:spLocks noChangeArrowheads="1"/>
+          </p:cNvSpPr>
+          <p:nvPr/>
+        </p:nvSpPr>
+        <p:spPr bwMode="auto">
+          <a:xfrm>
+            <a:off x="3198813" y="4394200"/>
+            <a:ext cx="4975225" cy="369888"/>
+          </a:xfrm>
+          <a:prstGeom prst="rect">
+            <a:avLst/>
+          </a:prstGeom>
+          <a:noFill/>
+          <a:ln w="9525">
+            <a:noFill/>
+            <a:miter lim="800000"/>
+            <a:headEnd/>
+            <a:tailEnd/>
+          </a:ln>
+        </p:spPr>
+        <p:txBody>
+          <a:bodyPr wrap="none">
+            <a:spAutoFit/>
+          </a:bodyPr>
+          <a:lstStyle/>
+          <a:p>
+            <a:r>
+              <a:rPr lang="en-US" sz="1800" i="1">
+                <a:latin typeface="Candara" pitchFamily="34" charset="0"/>
+              </a:rPr>
+              <a:t>http://en.wikipedia.org/wiki/mode-view-controller</a:t>
             </a:r>
           </a:p>
         </p:txBody>
@@ -9528,6 +9961,479 @@
 </file>
 
 <file path=ppt/slides/slide16.xml><?xml version="1.0" encoding="utf-8"?>
+<p:sld xmlns:a="http://schemas.openxmlformats.org/drawingml/2006/main" xmlns:r="http://schemas.openxmlformats.org/officeDocument/2006/relationships" xmlns:p="http://schemas.openxmlformats.org/presentationml/2006/main">
+  <p:cSld>
+    <p:spTree>
+      <p:nvGrpSpPr>
+        <p:cNvPr id="1" name=""/>
+        <p:cNvGrpSpPr/>
+        <p:nvPr/>
+      </p:nvGrpSpPr>
+      <p:grpSpPr>
+        <a:xfrm>
+          <a:off x="0" y="0"/>
+          <a:ext cx="0" cy="0"/>
+          <a:chOff x="0" y="0"/>
+          <a:chExt cx="0" cy="0"/>
+        </a:xfrm>
+      </p:grpSpPr>
+      <p:sp>
+        <p:nvSpPr>
+          <p:cNvPr id="203778" name="Rectangle 2"/>
+          <p:cNvSpPr>
+            <a:spLocks noGrp="1" noChangeArrowheads="1"/>
+          </p:cNvSpPr>
+          <p:nvPr>
+            <p:ph type="title"/>
+          </p:nvPr>
+        </p:nvSpPr>
+        <p:spPr bwMode="auto">
+          <a:ln>
+            <a:noFill/>
+            <a:miter lim="800000"/>
+            <a:headEnd/>
+            <a:tailEnd/>
+          </a:ln>
+        </p:spPr>
+        <p:txBody>
+          <a:bodyPr vert="horz" wrap="square" lIns="91440" tIns="45720" rIns="91440" bIns="45720" numCol="1" anchor="t" anchorCtr="0" compatLnSpc="1">
+            <a:prstTxWarp prst="textNoShape">
+              <a:avLst/>
+            </a:prstTxWarp>
+          </a:bodyPr>
+          <a:lstStyle/>
+          <a:p>
+            <a:pPr algn="r">
+              <a:defRPr/>
+            </a:pPr>
+            <a:r>
+              <a:rPr lang="en-US" dirty="0" smtClean="0"/>
+              <a:t>What is this “MVC” thing?</a:t>
+            </a:r>
+          </a:p>
+        </p:txBody>
+      </p:sp>
+      <p:sp>
+        <p:nvSpPr>
+          <p:cNvPr id="13316" name="Text Placeholder 2"/>
+          <p:cNvSpPr>
+            <a:spLocks noGrp="1"/>
+          </p:cNvSpPr>
+          <p:nvPr>
+            <p:ph type="body" sz="half" idx="1"/>
+          </p:nvPr>
+        </p:nvSpPr>
+        <p:spPr bwMode="auto">
+          <a:xfrm>
+            <a:off x="457200" y="1600200"/>
+            <a:ext cx="8039100" cy="4525963"/>
+          </a:xfrm>
+          <a:noFill/>
+          <a:ln>
+            <a:miter lim="800000"/>
+            <a:headEnd/>
+            <a:tailEnd/>
+          </a:ln>
+        </p:spPr>
+        <p:txBody>
+          <a:bodyPr vert="horz" wrap="square" lIns="91440" tIns="45720" rIns="91440" bIns="45720" numCol="1" anchor="t" anchorCtr="0" compatLnSpc="1">
+            <a:prstTxWarp prst="textNoShape">
+              <a:avLst/>
+            </a:prstTxWarp>
+            <a:noAutofit/>
+          </a:bodyPr>
+          <a:lstStyle/>
+          <a:p>
+            <a:r>
+              <a:rPr lang="en-US" sz="2400" dirty="0" smtClean="0"/>
+              <a:t>Controller</a:t>
+            </a:r>
+          </a:p>
+          <a:p>
+            <a:pPr lvl="1"/>
+            <a:r>
+              <a:rPr lang="en-US" sz="2400" dirty="0" smtClean="0"/>
+              <a:t>Brains behind the operation</a:t>
+            </a:r>
+          </a:p>
+          <a:p>
+            <a:pPr lvl="1"/>
+            <a:r>
+              <a:rPr lang="en-US" sz="2400" dirty="0" smtClean="0"/>
+              <a:t>Picks which view to use</a:t>
+            </a:r>
+          </a:p>
+          <a:p>
+            <a:pPr lvl="1"/>
+            <a:r>
+              <a:rPr lang="en-US" sz="2400" dirty="0" smtClean="0"/>
+              <a:t>Picks which data to pass to the view</a:t>
+            </a:r>
+          </a:p>
+          <a:p>
+            <a:pPr lvl="1"/>
+            <a:r>
+              <a:rPr lang="en-US" sz="2400" dirty="0" smtClean="0"/>
+              <a:t>Maps straight URL</a:t>
+            </a:r>
+          </a:p>
+          <a:p>
+            <a:r>
+              <a:rPr lang="en-US" sz="2400" dirty="0" smtClean="0"/>
+              <a:t>Example</a:t>
+            </a:r>
+          </a:p>
+          <a:p>
+            <a:pPr lvl="1"/>
+            <a:r>
+              <a:rPr lang="en-US" sz="2400" b="1" dirty="0" smtClean="0"/>
+              <a:t>GET</a:t>
+            </a:r>
+            <a:r>
+              <a:rPr lang="en-US" sz="2400" dirty="0" smtClean="0"/>
+              <a:t> my.com/person/15</a:t>
+            </a:r>
+          </a:p>
+          <a:p>
+            <a:pPr lvl="1"/>
+            <a:r>
+              <a:rPr lang="en-US" sz="2400" b="1" dirty="0" smtClean="0"/>
+              <a:t>POST</a:t>
+            </a:r>
+            <a:r>
+              <a:rPr lang="en-US" sz="2400" dirty="0" smtClean="0"/>
+              <a:t> my.com/person/15</a:t>
+            </a:r>
+          </a:p>
+          <a:p>
+            <a:pPr lvl="1"/>
+            <a:r>
+              <a:rPr lang="en-US" sz="2400" b="1" dirty="0" smtClean="0"/>
+              <a:t>PUT</a:t>
+            </a:r>
+            <a:r>
+              <a:rPr lang="en-US" sz="2400" dirty="0" smtClean="0"/>
+              <a:t> my.com/person/15</a:t>
+            </a:r>
+          </a:p>
+        </p:txBody>
+      </p:sp>
+    </p:spTree>
+  </p:cSld>
+  <p:clrMapOvr>
+    <a:masterClrMapping/>
+  </p:clrMapOvr>
+  <p:transition/>
+  <p:timing>
+    <p:tnLst>
+      <p:par>
+        <p:cTn id="1" dur="indefinite" restart="never" nodeType="tmRoot"/>
+      </p:par>
+    </p:tnLst>
+  </p:timing>
+</p:sld>
+</file>
+
+<file path=ppt/slides/slide17.xml><?xml version="1.0" encoding="utf-8"?>
+<p:sld xmlns:a="http://schemas.openxmlformats.org/drawingml/2006/main" xmlns:r="http://schemas.openxmlformats.org/officeDocument/2006/relationships" xmlns:p="http://schemas.openxmlformats.org/presentationml/2006/main">
+  <p:cSld>
+    <p:spTree>
+      <p:nvGrpSpPr>
+        <p:cNvPr id="1" name=""/>
+        <p:cNvGrpSpPr/>
+        <p:nvPr/>
+      </p:nvGrpSpPr>
+      <p:grpSpPr>
+        <a:xfrm>
+          <a:off x="0" y="0"/>
+          <a:ext cx="0" cy="0"/>
+          <a:chOff x="0" y="0"/>
+          <a:chExt cx="0" cy="0"/>
+        </a:xfrm>
+      </p:grpSpPr>
+      <p:sp>
+        <p:nvSpPr>
+          <p:cNvPr id="203778" name="Rectangle 2"/>
+          <p:cNvSpPr>
+            <a:spLocks noGrp="1" noChangeArrowheads="1"/>
+          </p:cNvSpPr>
+          <p:nvPr>
+            <p:ph type="title"/>
+          </p:nvPr>
+        </p:nvSpPr>
+        <p:spPr bwMode="auto">
+          <a:ln>
+            <a:noFill/>
+            <a:miter lim="800000"/>
+            <a:headEnd/>
+            <a:tailEnd/>
+          </a:ln>
+        </p:spPr>
+        <p:txBody>
+          <a:bodyPr vert="horz" wrap="square" lIns="91440" tIns="45720" rIns="91440" bIns="45720" numCol="1" anchor="t" anchorCtr="0" compatLnSpc="1">
+            <a:prstTxWarp prst="textNoShape">
+              <a:avLst/>
+            </a:prstTxWarp>
+          </a:bodyPr>
+          <a:lstStyle/>
+          <a:p>
+            <a:pPr algn="r">
+              <a:defRPr/>
+            </a:pPr>
+            <a:r>
+              <a:rPr lang="en-US" dirty="0" smtClean="0"/>
+              <a:t>What is this “MVC” thing?</a:t>
+            </a:r>
+          </a:p>
+        </p:txBody>
+      </p:sp>
+      <p:sp>
+        <p:nvSpPr>
+          <p:cNvPr id="14340" name="Text Placeholder 2"/>
+          <p:cNvSpPr>
+            <a:spLocks noGrp="1"/>
+          </p:cNvSpPr>
+          <p:nvPr>
+            <p:ph type="body" sz="half" idx="1"/>
+          </p:nvPr>
+        </p:nvSpPr>
+        <p:spPr bwMode="auto">
+          <a:xfrm>
+            <a:off x="457200" y="1600200"/>
+            <a:ext cx="8039100" cy="4525963"/>
+          </a:xfrm>
+          <a:noFill/>
+          <a:ln>
+            <a:miter lim="800000"/>
+            <a:headEnd/>
+            <a:tailEnd/>
+          </a:ln>
+        </p:spPr>
+        <p:txBody>
+          <a:bodyPr vert="horz" wrap="square" lIns="91440" tIns="45720" rIns="91440" bIns="45720" numCol="1" anchor="t" anchorCtr="0" compatLnSpc="1">
+            <a:prstTxWarp prst="textNoShape">
+              <a:avLst/>
+            </a:prstTxWarp>
+            <a:normAutofit/>
+          </a:bodyPr>
+          <a:lstStyle/>
+          <a:p>
+            <a:r>
+              <a:rPr lang="en-US" sz="2400" dirty="0" smtClean="0"/>
+              <a:t>View</a:t>
+            </a:r>
+          </a:p>
+          <a:p>
+            <a:pPr lvl="1"/>
+            <a:r>
+              <a:rPr lang="en-US" sz="2400" dirty="0" smtClean="0"/>
+              <a:t>Represents how the “data” is “interpreted”</a:t>
+            </a:r>
+          </a:p>
+          <a:p>
+            <a:pPr lvl="1"/>
+            <a:r>
+              <a:rPr lang="en-US" sz="2400" dirty="0" smtClean="0"/>
+              <a:t>Typically associated with HTML.</a:t>
+            </a:r>
+          </a:p>
+          <a:p>
+            <a:pPr lvl="1"/>
+            <a:r>
+              <a:rPr lang="en-US" sz="2400" dirty="0" smtClean="0"/>
+              <a:t>Can be many other types of markup (XAML,XML,RSS,ATOM, etc.)</a:t>
+            </a:r>
+          </a:p>
+          <a:p>
+            <a:pPr lvl="1"/>
+            <a:r>
+              <a:rPr lang="en-US" sz="2400" dirty="0" smtClean="0"/>
+              <a:t>Can be </a:t>
+            </a:r>
+            <a:r>
+              <a:rPr lang="en-US" sz="2400" dirty="0" err="1" smtClean="0"/>
+              <a:t>javascript</a:t>
+            </a:r>
+            <a:r>
+              <a:rPr lang="en-US" sz="2400" dirty="0" smtClean="0"/>
+              <a:t>/</a:t>
+            </a:r>
+            <a:r>
+              <a:rPr lang="en-US" sz="2400" dirty="0" err="1" smtClean="0"/>
+              <a:t>ecmascript</a:t>
+            </a:r>
+            <a:r>
+              <a:rPr lang="en-US" sz="2400" dirty="0" smtClean="0"/>
+              <a:t> (JSON)</a:t>
+            </a:r>
+          </a:p>
+          <a:p>
+            <a:pPr lvl="1"/>
+            <a:r>
+              <a:rPr lang="en-US" sz="2400" dirty="0" smtClean="0"/>
+              <a:t>Can be binary data</a:t>
+            </a:r>
+          </a:p>
+        </p:txBody>
+      </p:sp>
+    </p:spTree>
+  </p:cSld>
+  <p:clrMapOvr>
+    <a:masterClrMapping/>
+  </p:clrMapOvr>
+  <p:transition/>
+  <p:timing>
+    <p:tnLst>
+      <p:par>
+        <p:cTn id="1" dur="indefinite" restart="never" nodeType="tmRoot"/>
+      </p:par>
+    </p:tnLst>
+  </p:timing>
+</p:sld>
+</file>
+
+<file path=ppt/slides/slide18.xml><?xml version="1.0" encoding="utf-8"?>
+<p:sld xmlns:a="http://schemas.openxmlformats.org/drawingml/2006/main" xmlns:r="http://schemas.openxmlformats.org/officeDocument/2006/relationships" xmlns:p="http://schemas.openxmlformats.org/presentationml/2006/main">
+  <p:cSld>
+    <p:spTree>
+      <p:nvGrpSpPr>
+        <p:cNvPr id="1" name=""/>
+        <p:cNvGrpSpPr/>
+        <p:nvPr/>
+      </p:nvGrpSpPr>
+      <p:grpSpPr>
+        <a:xfrm>
+          <a:off x="0" y="0"/>
+          <a:ext cx="0" cy="0"/>
+          <a:chOff x="0" y="0"/>
+          <a:chExt cx="0" cy="0"/>
+        </a:xfrm>
+      </p:grpSpPr>
+      <p:sp>
+        <p:nvSpPr>
+          <p:cNvPr id="203778" name="Rectangle 2"/>
+          <p:cNvSpPr>
+            <a:spLocks noGrp="1" noChangeArrowheads="1"/>
+          </p:cNvSpPr>
+          <p:nvPr>
+            <p:ph type="title"/>
+          </p:nvPr>
+        </p:nvSpPr>
+        <p:spPr bwMode="auto">
+          <a:ln>
+            <a:noFill/>
+            <a:miter lim="800000"/>
+            <a:headEnd/>
+            <a:tailEnd/>
+          </a:ln>
+        </p:spPr>
+        <p:txBody>
+          <a:bodyPr vert="horz" wrap="square" lIns="91440" tIns="45720" rIns="91440" bIns="45720" numCol="1" anchor="t" anchorCtr="0" compatLnSpc="1">
+            <a:prstTxWarp prst="textNoShape">
+              <a:avLst/>
+            </a:prstTxWarp>
+          </a:bodyPr>
+          <a:lstStyle/>
+          <a:p>
+            <a:pPr algn="r">
+              <a:defRPr/>
+            </a:pPr>
+            <a:r>
+              <a:rPr lang="en-US" dirty="0" smtClean="0"/>
+              <a:t>What is this “MVC” thing?</a:t>
+            </a:r>
+          </a:p>
+        </p:txBody>
+      </p:sp>
+      <p:sp>
+        <p:nvSpPr>
+          <p:cNvPr id="15364" name="Text Placeholder 2"/>
+          <p:cNvSpPr>
+            <a:spLocks noGrp="1"/>
+          </p:cNvSpPr>
+          <p:nvPr>
+            <p:ph type="body" sz="half" idx="1"/>
+          </p:nvPr>
+        </p:nvSpPr>
+        <p:spPr bwMode="auto">
+          <a:xfrm>
+            <a:off x="457200" y="1600200"/>
+            <a:ext cx="8039100" cy="4525963"/>
+          </a:xfrm>
+          <a:noFill/>
+          <a:ln>
+            <a:miter lim="800000"/>
+            <a:headEnd/>
+            <a:tailEnd/>
+          </a:ln>
+        </p:spPr>
+        <p:txBody>
+          <a:bodyPr vert="horz" wrap="square" lIns="91440" tIns="45720" rIns="91440" bIns="45720" numCol="1" anchor="t" anchorCtr="0" compatLnSpc="1">
+            <a:prstTxWarp prst="textNoShape">
+              <a:avLst/>
+            </a:prstTxWarp>
+            <a:normAutofit/>
+          </a:bodyPr>
+          <a:lstStyle/>
+          <a:p>
+            <a:r>
+              <a:rPr lang="en-US" sz="2400" dirty="0" smtClean="0"/>
+              <a:t>Model</a:t>
+            </a:r>
+          </a:p>
+          <a:p>
+            <a:pPr lvl="1"/>
+            <a:r>
+              <a:rPr lang="en-US" sz="2400" dirty="0" smtClean="0"/>
+              <a:t>Core of your application (or part of it)</a:t>
+            </a:r>
+          </a:p>
+          <a:p>
+            <a:pPr lvl="1"/>
+            <a:r>
+              <a:rPr lang="en-US" sz="2400" dirty="0" smtClean="0"/>
+              <a:t>Can encapsulate “data”, “logic” for the application</a:t>
+            </a:r>
+          </a:p>
+          <a:p>
+            <a:pPr lvl="1"/>
+            <a:r>
+              <a:rPr lang="en-US" sz="2400" dirty="0" smtClean="0"/>
+              <a:t>Is unaware of application context</a:t>
+            </a:r>
+          </a:p>
+          <a:p>
+            <a:r>
+              <a:rPr lang="en-US" sz="2400" dirty="0" smtClean="0"/>
+              <a:t>Example</a:t>
+            </a:r>
+          </a:p>
+          <a:p>
+            <a:pPr lvl="1"/>
+            <a:r>
+              <a:rPr lang="en-US" sz="2400" dirty="0" smtClean="0"/>
+              <a:t>Person p = new Person();</a:t>
+            </a:r>
+          </a:p>
+        </p:txBody>
+      </p:sp>
+    </p:spTree>
+  </p:cSld>
+  <p:clrMapOvr>
+    <a:masterClrMapping/>
+  </p:clrMapOvr>
+  <p:transition/>
+  <p:timing>
+    <p:tnLst>
+      <p:par>
+        <p:cTn id="1" dur="indefinite" restart="never" nodeType="tmRoot"/>
+      </p:par>
+    </p:tnLst>
+  </p:timing>
+</p:sld>
+</file>
+
+<file path=ppt/slides/slide19.xml><?xml version="1.0" encoding="utf-8"?>
 <p:sld xmlns:a="http://schemas.openxmlformats.org/drawingml/2006/main" xmlns:r="http://schemas.openxmlformats.org/officeDocument/2006/relationships" xmlns:p="http://schemas.openxmlformats.org/presentationml/2006/main">
   <p:cSld>
     <p:spTree>
@@ -9690,7 +10596,901 @@
 </p:sld>
 </file>
 
-<file path=ppt/slides/slide17.xml><?xml version="1.0" encoding="utf-8"?>
+<file path=ppt/slides/slide2.xml><?xml version="1.0" encoding="utf-8"?>
+<p:sld xmlns:a="http://schemas.openxmlformats.org/drawingml/2006/main" xmlns:r="http://schemas.openxmlformats.org/officeDocument/2006/relationships" xmlns:p="http://schemas.openxmlformats.org/presentationml/2006/main">
+  <p:cSld>
+    <p:spTree>
+      <p:nvGrpSpPr>
+        <p:cNvPr id="1" name=""/>
+        <p:cNvGrpSpPr/>
+        <p:nvPr/>
+      </p:nvGrpSpPr>
+      <p:grpSpPr>
+        <a:xfrm>
+          <a:off x="0" y="0"/>
+          <a:ext cx="0" cy="0"/>
+          <a:chOff x="0" y="0"/>
+          <a:chExt cx="0" cy="0"/>
+        </a:xfrm>
+      </p:grpSpPr>
+      <p:sp>
+        <p:nvSpPr>
+          <p:cNvPr id="19" name="Rectangle 18"/>
+          <p:cNvSpPr/>
+          <p:nvPr/>
+        </p:nvSpPr>
+        <p:spPr>
+          <a:xfrm>
+            <a:off x="460428" y="76200"/>
+            <a:ext cx="8226371" cy="2286000"/>
+          </a:xfrm>
+          <a:prstGeom prst="rect">
+            <a:avLst/>
+          </a:prstGeom>
+          <a:noFill/>
+          <a:ln>
+            <a:solidFill>
+              <a:schemeClr val="bg2">
+                <a:lumMod val="25000"/>
+                <a:lumOff val="75000"/>
+              </a:schemeClr>
+            </a:solidFill>
+          </a:ln>
+        </p:spPr>
+        <p:style>
+          <a:lnRef idx="2">
+            <a:schemeClr val="accent1">
+              <a:shade val="50000"/>
+            </a:schemeClr>
+          </a:lnRef>
+          <a:fillRef idx="1">
+            <a:schemeClr val="accent1"/>
+          </a:fillRef>
+          <a:effectRef idx="0">
+            <a:schemeClr val="accent1"/>
+          </a:effectRef>
+          <a:fontRef idx="minor">
+            <a:schemeClr val="lt1"/>
+          </a:fontRef>
+        </p:style>
+        <p:txBody>
+          <a:bodyPr rtlCol="0" anchor="ctr"/>
+          <a:lstStyle/>
+          <a:p>
+            <a:pPr algn="ctr"/>
+            <a:endParaRPr lang="en-US"/>
+          </a:p>
+        </p:txBody>
+      </p:sp>
+      <p:sp>
+        <p:nvSpPr>
+          <p:cNvPr id="20" name="Rectangle 19"/>
+          <p:cNvSpPr/>
+          <p:nvPr/>
+        </p:nvSpPr>
+        <p:spPr>
+          <a:xfrm>
+            <a:off x="5181600" y="4289502"/>
+            <a:ext cx="3505200" cy="1443335"/>
+          </a:xfrm>
+          <a:prstGeom prst="rect">
+            <a:avLst/>
+          </a:prstGeom>
+          <a:noFill/>
+          <a:ln>
+            <a:solidFill>
+              <a:schemeClr val="accent2">
+                <a:lumMod val="50000"/>
+              </a:schemeClr>
+            </a:solidFill>
+          </a:ln>
+        </p:spPr>
+        <p:style>
+          <a:lnRef idx="2">
+            <a:schemeClr val="accent1">
+              <a:shade val="50000"/>
+            </a:schemeClr>
+          </a:lnRef>
+          <a:fillRef idx="1">
+            <a:schemeClr val="accent1"/>
+          </a:fillRef>
+          <a:effectRef idx="0">
+            <a:schemeClr val="accent1"/>
+          </a:effectRef>
+          <a:fontRef idx="minor">
+            <a:schemeClr val="lt1"/>
+          </a:fontRef>
+        </p:style>
+        <p:txBody>
+          <a:bodyPr rtlCol="0" anchor="ctr"/>
+          <a:lstStyle/>
+          <a:p>
+            <a:pPr algn="ctr"/>
+            <a:endParaRPr lang="en-US"/>
+          </a:p>
+        </p:txBody>
+      </p:sp>
+      <p:sp>
+        <p:nvSpPr>
+          <p:cNvPr id="21" name="Rectangle 20"/>
+          <p:cNvSpPr/>
+          <p:nvPr/>
+        </p:nvSpPr>
+        <p:spPr>
+          <a:xfrm>
+            <a:off x="460429" y="4289502"/>
+            <a:ext cx="4644971" cy="1443335"/>
+          </a:xfrm>
+          <a:prstGeom prst="rect">
+            <a:avLst/>
+          </a:prstGeom>
+          <a:noFill/>
+          <a:ln>
+            <a:solidFill>
+              <a:schemeClr val="tx1">
+                <a:lumMod val="65000"/>
+              </a:schemeClr>
+            </a:solidFill>
+          </a:ln>
+        </p:spPr>
+        <p:style>
+          <a:lnRef idx="2">
+            <a:schemeClr val="accent1">
+              <a:shade val="50000"/>
+            </a:schemeClr>
+          </a:lnRef>
+          <a:fillRef idx="1">
+            <a:schemeClr val="accent1"/>
+          </a:fillRef>
+          <a:effectRef idx="0">
+            <a:schemeClr val="accent1"/>
+          </a:effectRef>
+          <a:fontRef idx="minor">
+            <a:schemeClr val="lt1"/>
+          </a:fontRef>
+        </p:style>
+        <p:txBody>
+          <a:bodyPr rtlCol="0" anchor="ctr"/>
+          <a:lstStyle/>
+          <a:p>
+            <a:pPr algn="ctr"/>
+            <a:endParaRPr lang="en-US"/>
+          </a:p>
+        </p:txBody>
+      </p:sp>
+      <p:sp>
+        <p:nvSpPr>
+          <p:cNvPr id="22" name="Rectangle 21"/>
+          <p:cNvSpPr/>
+          <p:nvPr/>
+        </p:nvSpPr>
+        <p:spPr>
+          <a:xfrm>
+            <a:off x="460428" y="2438400"/>
+            <a:ext cx="8226371" cy="1795033"/>
+          </a:xfrm>
+          <a:prstGeom prst="rect">
+            <a:avLst/>
+          </a:prstGeom>
+          <a:noFill/>
+          <a:ln>
+            <a:solidFill>
+              <a:schemeClr val="tx2">
+                <a:lumMod val="40000"/>
+                <a:lumOff val="60000"/>
+              </a:schemeClr>
+            </a:solidFill>
+          </a:ln>
+        </p:spPr>
+        <p:style>
+          <a:lnRef idx="2">
+            <a:schemeClr val="accent1">
+              <a:shade val="50000"/>
+            </a:schemeClr>
+          </a:lnRef>
+          <a:fillRef idx="1">
+            <a:schemeClr val="accent1"/>
+          </a:fillRef>
+          <a:effectRef idx="0">
+            <a:schemeClr val="accent1"/>
+          </a:effectRef>
+          <a:fontRef idx="minor">
+            <a:schemeClr val="lt1"/>
+          </a:fontRef>
+        </p:style>
+        <p:txBody>
+          <a:bodyPr rtlCol="0" anchor="ctr"/>
+          <a:lstStyle/>
+          <a:p>
+            <a:pPr algn="ctr"/>
+            <a:endParaRPr lang="en-US"/>
+          </a:p>
+        </p:txBody>
+      </p:sp>
+      <p:sp>
+        <p:nvSpPr>
+          <p:cNvPr id="23" name="Rectangle 22"/>
+          <p:cNvSpPr/>
+          <p:nvPr/>
+        </p:nvSpPr>
+        <p:spPr>
+          <a:xfrm>
+            <a:off x="4720" y="5934670"/>
+            <a:ext cx="9168024" cy="830997"/>
+          </a:xfrm>
+          <a:prstGeom prst="rect">
+            <a:avLst/>
+          </a:prstGeom>
+          <a:noFill/>
+        </p:spPr>
+        <p:txBody>
+          <a:bodyPr wrap="none" lIns="91440" tIns="45720" rIns="91440" bIns="45720">
+            <a:spAutoFit/>
+          </a:bodyPr>
+          <a:lstStyle/>
+          <a:p>
+            <a:pPr algn="ctr"/>
+            <a:r>
+              <a:rPr lang="en-US" sz="4800" b="1" cap="all" dirty="0" smtClean="0">
+                <a:ln/>
+                <a:solidFill>
+                  <a:schemeClr val="tx2">
+                    <a:lumMod val="60000"/>
+                    <a:lumOff val="40000"/>
+                  </a:schemeClr>
+                </a:solidFill>
+                <a:effectLst>
+                  <a:outerShdw blurRad="19685" dist="12700" dir="5400000" algn="tl" rotWithShape="0">
+                    <a:schemeClr val="accent1">
+                      <a:satMod val="130000"/>
+                      <a:alpha val="60000"/>
+                    </a:schemeClr>
+                  </a:outerShdw>
+                  <a:reflection blurRad="10000" stA="55000" endPos="48000" dist="500" dir="5400000" sy="-100000" algn="bl" rotWithShape="0"/>
+                </a:effectLst>
+              </a:rPr>
+              <a:t>Thanks to our sponsors!</a:t>
+            </a:r>
+            <a:endParaRPr lang="en-US" sz="4800" b="1" cap="all" dirty="0">
+              <a:ln/>
+              <a:solidFill>
+                <a:schemeClr val="tx2">
+                  <a:lumMod val="60000"/>
+                  <a:lumOff val="40000"/>
+                </a:schemeClr>
+              </a:solidFill>
+              <a:effectLst>
+                <a:outerShdw blurRad="19685" dist="12700" dir="5400000" algn="tl" rotWithShape="0">
+                  <a:schemeClr val="accent1">
+                    <a:satMod val="130000"/>
+                    <a:alpha val="60000"/>
+                  </a:schemeClr>
+                </a:outerShdw>
+                <a:reflection blurRad="10000" stA="55000" endPos="48000" dist="500" dir="5400000" sy="-100000" algn="bl" rotWithShape="0"/>
+              </a:effectLst>
+            </a:endParaRPr>
+          </a:p>
+        </p:txBody>
+      </p:sp>
+      <p:pic>
+        <p:nvPicPr>
+          <p:cNvPr id="24" name="Picture 2" descr="E:\Pictures\KCDC\Sponsors\TypeMock\Typemock_logo_web.jpg"/>
+          <p:cNvPicPr>
+            <a:picLocks noChangeAspect="1" noChangeArrowheads="1"/>
+          </p:cNvPicPr>
+          <p:nvPr/>
+        </p:nvPicPr>
+        <p:blipFill>
+          <a:blip r:embed="rId2" cstate="print">
+            <a:extLst>
+              <a:ext uri="{28A0092B-C50C-407E-A947-70E740481C1C}">
+                <a14:useLocalDpi xmlns="" xmlns:a14="http://schemas.microsoft.com/office/drawing/2010/main" val="0"/>
+              </a:ext>
+            </a:extLst>
+          </a:blip>
+          <a:srcRect/>
+          <a:stretch>
+            <a:fillRect/>
+          </a:stretch>
+        </p:blipFill>
+        <p:spPr bwMode="auto">
+          <a:xfrm>
+            <a:off x="5410201" y="4700983"/>
+            <a:ext cx="1600199" cy="960119"/>
+          </a:xfrm>
+          <a:prstGeom prst="rect">
+            <a:avLst/>
+          </a:prstGeom>
+          <a:noFill/>
+          <a:extLst>
+            <a:ext uri="{909E8E84-426E-40DD-AFC4-6F175D3DCCD1}">
+              <a14:hiddenFill xmlns="" xmlns:a14="http://schemas.microsoft.com/office/drawing/2010/main">
+                <a:solidFill>
+                  <a:srgbClr val="FFFFFF"/>
+                </a:solidFill>
+              </a14:hiddenFill>
+            </a:ext>
+          </a:extLst>
+        </p:spPr>
+      </p:pic>
+      <p:pic>
+        <p:nvPicPr>
+          <p:cNvPr id="25" name="Picture 24"/>
+          <p:cNvPicPr>
+            <a:picLocks noChangeAspect="1"/>
+          </p:cNvPicPr>
+          <p:nvPr/>
+        </p:nvPicPr>
+        <p:blipFill>
+          <a:blip r:embed="rId3" cstate="print">
+            <a:extLst>
+              <a:ext uri="{28A0092B-C50C-407E-A947-70E740481C1C}">
+                <a14:useLocalDpi xmlns="" xmlns:a14="http://schemas.microsoft.com/office/drawing/2010/main" val="0"/>
+              </a:ext>
+            </a:extLst>
+          </a:blip>
+          <a:stretch>
+            <a:fillRect/>
+          </a:stretch>
+        </p:blipFill>
+        <p:spPr>
+          <a:xfrm>
+            <a:off x="1752600" y="3381617"/>
+            <a:ext cx="2081227" cy="831685"/>
+          </a:xfrm>
+          <a:prstGeom prst="rect">
+            <a:avLst/>
+          </a:prstGeom>
+        </p:spPr>
+      </p:pic>
+      <p:pic>
+        <p:nvPicPr>
+          <p:cNvPr id="26" name="Picture 25"/>
+          <p:cNvPicPr>
+            <a:picLocks noChangeAspect="1"/>
+          </p:cNvPicPr>
+          <p:nvPr/>
+        </p:nvPicPr>
+        <p:blipFill>
+          <a:blip r:embed="rId4" cstate="print">
+            <a:extLst>
+              <a:ext uri="{28A0092B-C50C-407E-A947-70E740481C1C}">
+                <a14:useLocalDpi xmlns="" xmlns:a14="http://schemas.microsoft.com/office/drawing/2010/main" val="0"/>
+              </a:ext>
+            </a:extLst>
+          </a:blip>
+          <a:stretch>
+            <a:fillRect/>
+          </a:stretch>
+        </p:blipFill>
+        <p:spPr>
+          <a:xfrm>
+            <a:off x="4800600" y="3406556"/>
+            <a:ext cx="1968500" cy="793738"/>
+          </a:xfrm>
+          <a:prstGeom prst="rect">
+            <a:avLst/>
+          </a:prstGeom>
+        </p:spPr>
+      </p:pic>
+      <p:sp>
+        <p:nvSpPr>
+          <p:cNvPr id="27" name="Rectangle 26"/>
+          <p:cNvSpPr/>
+          <p:nvPr/>
+        </p:nvSpPr>
+        <p:spPr>
+          <a:xfrm>
+            <a:off x="640769" y="2438400"/>
+            <a:ext cx="1641795" cy="830997"/>
+          </a:xfrm>
+          <a:prstGeom prst="rect">
+            <a:avLst/>
+          </a:prstGeom>
+          <a:noFill/>
+        </p:spPr>
+        <p:txBody>
+          <a:bodyPr wrap="none" lIns="91440" tIns="45720" rIns="91440" bIns="45720">
+            <a:spAutoFit/>
+            <a:scene3d>
+              <a:camera prst="orthographicFront"/>
+              <a:lightRig rig="brightRoom" dir="t"/>
+            </a:scene3d>
+            <a:sp3d contourW="6350" prstMaterial="plastic">
+              <a:bevelT w="20320" h="20320" prst="angle"/>
+              <a:contourClr>
+                <a:schemeClr val="accent1">
+                  <a:tint val="100000"/>
+                  <a:shade val="100000"/>
+                  <a:hueMod val="100000"/>
+                  <a:satMod val="100000"/>
+                </a:schemeClr>
+              </a:contourClr>
+            </a:sp3d>
+          </a:bodyPr>
+          <a:lstStyle/>
+          <a:p>
+            <a:pPr algn="ctr"/>
+            <a:r>
+              <a:rPr lang="en-US" sz="4800" b="1" cap="all" dirty="0" smtClean="0">
+                <a:ln/>
+                <a:solidFill>
+                  <a:schemeClr val="tx2">
+                    <a:lumMod val="60000"/>
+                    <a:lumOff val="40000"/>
+                  </a:schemeClr>
+                </a:solidFill>
+                <a:effectLst>
+                  <a:outerShdw blurRad="19685" dist="12700" dir="5400000" algn="tl" rotWithShape="0">
+                    <a:schemeClr val="accent1">
+                      <a:satMod val="130000"/>
+                      <a:alpha val="60000"/>
+                    </a:schemeClr>
+                  </a:outerShdw>
+                  <a:reflection blurRad="10000" stA="55000" endPos="48000" dist="500" dir="5400000" sy="-100000" algn="bl" rotWithShape="0"/>
+                </a:effectLst>
+              </a:rPr>
+              <a:t>GOLD</a:t>
+            </a:r>
+            <a:endParaRPr lang="en-US" sz="4800" b="1" cap="all" dirty="0">
+              <a:ln/>
+              <a:solidFill>
+                <a:schemeClr val="tx2">
+                  <a:lumMod val="60000"/>
+                  <a:lumOff val="40000"/>
+                </a:schemeClr>
+              </a:solidFill>
+              <a:effectLst>
+                <a:outerShdw blurRad="19685" dist="12700" dir="5400000" algn="tl" rotWithShape="0">
+                  <a:schemeClr val="accent1">
+                    <a:satMod val="130000"/>
+                    <a:alpha val="60000"/>
+                  </a:schemeClr>
+                </a:outerShdw>
+                <a:reflection blurRad="10000" stA="55000" endPos="48000" dist="500" dir="5400000" sy="-100000" algn="bl" rotWithShape="0"/>
+              </a:effectLst>
+            </a:endParaRPr>
+          </a:p>
+        </p:txBody>
+      </p:sp>
+      <p:sp>
+        <p:nvSpPr>
+          <p:cNvPr id="28" name="Rectangle 27"/>
+          <p:cNvSpPr/>
+          <p:nvPr/>
+        </p:nvSpPr>
+        <p:spPr>
+          <a:xfrm>
+            <a:off x="610631" y="4763951"/>
+            <a:ext cx="1671933" cy="707886"/>
+          </a:xfrm>
+          <a:prstGeom prst="rect">
+            <a:avLst/>
+          </a:prstGeom>
+          <a:noFill/>
+        </p:spPr>
+        <p:txBody>
+          <a:bodyPr wrap="none" lIns="91440" tIns="45720" rIns="91440" bIns="45720">
+            <a:spAutoFit/>
+            <a:scene3d>
+              <a:camera prst="orthographicFront"/>
+              <a:lightRig rig="brightRoom" dir="t"/>
+            </a:scene3d>
+            <a:sp3d contourW="6350" prstMaterial="plastic">
+              <a:bevelT w="20320" h="20320" prst="angle"/>
+              <a:contourClr>
+                <a:schemeClr val="accent1">
+                  <a:tint val="100000"/>
+                  <a:shade val="100000"/>
+                  <a:hueMod val="100000"/>
+                  <a:satMod val="100000"/>
+                </a:schemeClr>
+              </a:contourClr>
+            </a:sp3d>
+          </a:bodyPr>
+          <a:lstStyle/>
+          <a:p>
+            <a:pPr algn="ctr"/>
+            <a:r>
+              <a:rPr lang="en-US" sz="4000" b="1" cap="all" dirty="0" smtClean="0">
+                <a:ln/>
+                <a:solidFill>
+                  <a:schemeClr val="bg2">
+                    <a:lumMod val="50000"/>
+                    <a:lumOff val="50000"/>
+                  </a:schemeClr>
+                </a:solidFill>
+                <a:effectLst>
+                  <a:outerShdw blurRad="19685" dist="12700" dir="5400000" algn="tl" rotWithShape="0">
+                    <a:schemeClr val="accent1">
+                      <a:satMod val="130000"/>
+                      <a:alpha val="60000"/>
+                    </a:schemeClr>
+                  </a:outerShdw>
+                  <a:reflection blurRad="10000" stA="55000" endPos="48000" dist="500" dir="5400000" sy="-100000" algn="bl" rotWithShape="0"/>
+                </a:effectLst>
+              </a:rPr>
+              <a:t>silver</a:t>
+            </a:r>
+            <a:endParaRPr lang="en-US" sz="4000" b="1" cap="all" dirty="0">
+              <a:ln/>
+              <a:solidFill>
+                <a:schemeClr val="bg2">
+                  <a:lumMod val="50000"/>
+                  <a:lumOff val="50000"/>
+                </a:schemeClr>
+              </a:solidFill>
+              <a:effectLst>
+                <a:outerShdw blurRad="19685" dist="12700" dir="5400000" algn="tl" rotWithShape="0">
+                  <a:schemeClr val="accent1">
+                    <a:satMod val="130000"/>
+                    <a:alpha val="60000"/>
+                  </a:schemeClr>
+                </a:outerShdw>
+                <a:reflection blurRad="10000" stA="55000" endPos="48000" dist="500" dir="5400000" sy="-100000" algn="bl" rotWithShape="0"/>
+              </a:effectLst>
+            </a:endParaRPr>
+          </a:p>
+        </p:txBody>
+      </p:sp>
+      <p:pic>
+        <p:nvPicPr>
+          <p:cNvPr id="29" name="Picture 4" descr="E:\Pictures\KCDC\Sponsors\advantegetech.jpg"/>
+          <p:cNvPicPr>
+            <a:picLocks noChangeAspect="1" noChangeArrowheads="1"/>
+          </p:cNvPicPr>
+          <p:nvPr/>
+        </p:nvPicPr>
+        <p:blipFill>
+          <a:blip r:embed="rId5" cstate="print">
+            <a:extLst>
+              <a:ext uri="{28A0092B-C50C-407E-A947-70E740481C1C}">
+                <a14:useLocalDpi xmlns="" xmlns:a14="http://schemas.microsoft.com/office/drawing/2010/main" val="0"/>
+              </a:ext>
+            </a:extLst>
+          </a:blip>
+          <a:srcRect/>
+          <a:stretch>
+            <a:fillRect/>
+          </a:stretch>
+        </p:blipFill>
+        <p:spPr bwMode="auto">
+          <a:xfrm>
+            <a:off x="2667000" y="4756600"/>
+            <a:ext cx="1968377" cy="676628"/>
+          </a:xfrm>
+          <a:prstGeom prst="rect">
+            <a:avLst/>
+          </a:prstGeom>
+          <a:noFill/>
+          <a:extLst>
+            <a:ext uri="{909E8E84-426E-40DD-AFC4-6F175D3DCCD1}">
+              <a14:hiddenFill xmlns="" xmlns:a14="http://schemas.microsoft.com/office/drawing/2010/main">
+                <a:solidFill>
+                  <a:srgbClr val="FFFFFF"/>
+                </a:solidFill>
+              </a14:hiddenFill>
+            </a:ext>
+          </a:extLst>
+        </p:spPr>
+      </p:pic>
+      <p:sp>
+        <p:nvSpPr>
+          <p:cNvPr id="30" name="Rectangle 29"/>
+          <p:cNvSpPr/>
+          <p:nvPr/>
+        </p:nvSpPr>
+        <p:spPr>
+          <a:xfrm>
+            <a:off x="5181600" y="4191000"/>
+            <a:ext cx="3175000" cy="461665"/>
+          </a:xfrm>
+          <a:prstGeom prst="rect">
+            <a:avLst/>
+          </a:prstGeom>
+        </p:spPr>
+        <p:txBody>
+          <a:bodyPr wrap="square">
+            <a:spAutoFit/>
+          </a:bodyPr>
+          <a:lstStyle/>
+          <a:p>
+            <a:pPr lvl="0"/>
+            <a:r>
+              <a:rPr lang="en-US" sz="2400" b="1" cap="all" dirty="0">
+                <a:ln/>
+                <a:solidFill>
+                  <a:srgbClr val="80716A">
+                    <a:lumMod val="60000"/>
+                    <a:lumOff val="40000"/>
+                  </a:srgbClr>
+                </a:solidFill>
+                <a:effectLst>
+                  <a:outerShdw blurRad="19685" dist="12700" dir="5400000" algn="tl" rotWithShape="0">
+                    <a:srgbClr val="838D9B">
+                      <a:satMod val="130000"/>
+                      <a:alpha val="60000"/>
+                    </a:srgbClr>
+                  </a:outerShdw>
+                  <a:reflection blurRad="10000" stA="55000" endPos="48000" dist="500" dir="5400000" sy="-100000" algn="bl" rotWithShape="0"/>
+                </a:effectLst>
+              </a:rPr>
+              <a:t>PRIZE SPONSORS</a:t>
+            </a:r>
+          </a:p>
+        </p:txBody>
+      </p:sp>
+      <p:pic>
+        <p:nvPicPr>
+          <p:cNvPr id="31" name="Picture 5" descr="E:\Pictures\KCDC\Sponsors\who_is_informit.png"/>
+          <p:cNvPicPr>
+            <a:picLocks noChangeAspect="1" noChangeArrowheads="1"/>
+          </p:cNvPicPr>
+          <p:nvPr/>
+        </p:nvPicPr>
+        <p:blipFill>
+          <a:blip r:embed="rId6" cstate="print">
+            <a:extLst>
+              <a:ext uri="{28A0092B-C50C-407E-A947-70E740481C1C}">
+                <a14:useLocalDpi xmlns="" xmlns:a14="http://schemas.microsoft.com/office/drawing/2010/main" val="0"/>
+              </a:ext>
+            </a:extLst>
+          </a:blip>
+          <a:srcRect/>
+          <a:stretch>
+            <a:fillRect/>
+          </a:stretch>
+        </p:blipFill>
+        <p:spPr bwMode="auto">
+          <a:xfrm>
+            <a:off x="7329366" y="4622595"/>
+            <a:ext cx="1247219" cy="1042996"/>
+          </a:xfrm>
+          <a:prstGeom prst="rect">
+            <a:avLst/>
+          </a:prstGeom>
+          <a:noFill/>
+          <a:extLst>
+            <a:ext uri="{909E8E84-426E-40DD-AFC4-6F175D3DCCD1}">
+              <a14:hiddenFill xmlns="" xmlns:a14="http://schemas.microsoft.com/office/drawing/2010/main">
+                <a:solidFill>
+                  <a:srgbClr val="FFFFFF"/>
+                </a:solidFill>
+              </a14:hiddenFill>
+            </a:ext>
+          </a:extLst>
+        </p:spPr>
+      </p:pic>
+      <p:sp>
+        <p:nvSpPr>
+          <p:cNvPr id="32" name="Rectangle 31"/>
+          <p:cNvSpPr/>
+          <p:nvPr/>
+        </p:nvSpPr>
+        <p:spPr>
+          <a:xfrm>
+            <a:off x="460429" y="76200"/>
+            <a:ext cx="3076548" cy="923330"/>
+          </a:xfrm>
+          <a:prstGeom prst="rect">
+            <a:avLst/>
+          </a:prstGeom>
+          <a:noFill/>
+        </p:spPr>
+        <p:txBody>
+          <a:bodyPr wrap="none" lIns="91440" tIns="45720" rIns="91440" bIns="45720">
+            <a:spAutoFit/>
+            <a:scene3d>
+              <a:camera prst="orthographicFront"/>
+              <a:lightRig rig="brightRoom" dir="t"/>
+            </a:scene3d>
+            <a:sp3d contourW="6350" prstMaterial="plastic">
+              <a:bevelT w="20320" h="20320" prst="angle"/>
+              <a:contourClr>
+                <a:schemeClr val="accent1">
+                  <a:tint val="100000"/>
+                  <a:shade val="100000"/>
+                  <a:hueMod val="100000"/>
+                  <a:satMod val="100000"/>
+                </a:schemeClr>
+              </a:contourClr>
+            </a:sp3d>
+          </a:bodyPr>
+          <a:lstStyle/>
+          <a:p>
+            <a:pPr algn="ctr"/>
+            <a:r>
+              <a:rPr lang="en-US" sz="5400" b="1" cap="all" spc="0" dirty="0" smtClean="0">
+                <a:ln/>
+                <a:solidFill>
+                  <a:schemeClr val="accent6">
+                    <a:lumMod val="20000"/>
+                    <a:lumOff val="80000"/>
+                  </a:schemeClr>
+                </a:solidFill>
+                <a:effectLst>
+                  <a:outerShdw blurRad="19685" dist="12700" dir="5400000" algn="tl" rotWithShape="0">
+                    <a:schemeClr val="accent1">
+                      <a:satMod val="130000"/>
+                      <a:alpha val="60000"/>
+                    </a:schemeClr>
+                  </a:outerShdw>
+                  <a:reflection blurRad="10000" stA="55000" endPos="48000" dist="500" dir="5400000" sy="-100000" algn="bl" rotWithShape="0"/>
+                </a:effectLst>
+              </a:rPr>
+              <a:t>platinum</a:t>
+            </a:r>
+            <a:endParaRPr lang="en-US" sz="5400" b="1" cap="all" spc="0" dirty="0">
+              <a:ln/>
+              <a:solidFill>
+                <a:schemeClr val="accent6">
+                  <a:lumMod val="20000"/>
+                  <a:lumOff val="80000"/>
+                </a:schemeClr>
+              </a:solidFill>
+              <a:effectLst>
+                <a:outerShdw blurRad="19685" dist="12700" dir="5400000" algn="tl" rotWithShape="0">
+                  <a:schemeClr val="accent1">
+                    <a:satMod val="130000"/>
+                    <a:alpha val="60000"/>
+                  </a:schemeClr>
+                </a:outerShdw>
+                <a:reflection blurRad="10000" stA="55000" endPos="48000" dist="500" dir="5400000" sy="-100000" algn="bl" rotWithShape="0"/>
+              </a:effectLst>
+            </a:endParaRPr>
+          </a:p>
+        </p:txBody>
+      </p:sp>
+      <p:pic>
+        <p:nvPicPr>
+          <p:cNvPr id="33" name="Picture 32"/>
+          <p:cNvPicPr>
+            <a:picLocks noChangeAspect="1"/>
+          </p:cNvPicPr>
+          <p:nvPr/>
+        </p:nvPicPr>
+        <p:blipFill>
+          <a:blip r:embed="rId7" cstate="print">
+            <a:extLst>
+              <a:ext uri="{28A0092B-C50C-407E-A947-70E740481C1C}">
+                <a14:useLocalDpi xmlns="" xmlns:a14="http://schemas.microsoft.com/office/drawing/2010/main" val="0"/>
+              </a:ext>
+            </a:extLst>
+          </a:blip>
+          <a:stretch>
+            <a:fillRect/>
+          </a:stretch>
+        </p:blipFill>
+        <p:spPr>
+          <a:xfrm>
+            <a:off x="3624430" y="252277"/>
+            <a:ext cx="2067214" cy="1933845"/>
+          </a:xfrm>
+          <a:prstGeom prst="rect">
+            <a:avLst/>
+          </a:prstGeom>
+        </p:spPr>
+      </p:pic>
+      <p:pic>
+        <p:nvPicPr>
+          <p:cNvPr id="34" name="Picture 33"/>
+          <p:cNvPicPr>
+            <a:picLocks noChangeAspect="1"/>
+          </p:cNvPicPr>
+          <p:nvPr/>
+        </p:nvPicPr>
+        <p:blipFill>
+          <a:blip r:embed="rId8" cstate="print">
+            <a:extLst>
+              <a:ext uri="{28A0092B-C50C-407E-A947-70E740481C1C}">
+                <a14:useLocalDpi xmlns="" xmlns:a14="http://schemas.microsoft.com/office/drawing/2010/main" val="0"/>
+              </a:ext>
+            </a:extLst>
+          </a:blip>
+          <a:stretch>
+            <a:fillRect/>
+          </a:stretch>
+        </p:blipFill>
+        <p:spPr>
+          <a:xfrm>
+            <a:off x="5887075" y="707206"/>
+            <a:ext cx="2653710" cy="1023985"/>
+          </a:xfrm>
+          <a:prstGeom prst="rect">
+            <a:avLst/>
+          </a:prstGeom>
+        </p:spPr>
+      </p:pic>
+      <p:pic>
+        <p:nvPicPr>
+          <p:cNvPr id="35" name="Picture 34"/>
+          <p:cNvPicPr/>
+          <p:nvPr/>
+        </p:nvPicPr>
+        <p:blipFill>
+          <a:blip r:embed="rId9" cstate="print">
+            <a:extLst>
+              <a:ext uri="{28A0092B-C50C-407E-A947-70E740481C1C}">
+                <a14:useLocalDpi xmlns="" xmlns:a14="http://schemas.microsoft.com/office/drawing/2010/main" val="0"/>
+              </a:ext>
+            </a:extLst>
+          </a:blip>
+          <a:stretch>
+            <a:fillRect/>
+          </a:stretch>
+        </p:blipFill>
+        <p:spPr>
+          <a:xfrm>
+            <a:off x="2857500" y="2497176"/>
+            <a:ext cx="2476500" cy="790575"/>
+          </a:xfrm>
+          <a:prstGeom prst="rect">
+            <a:avLst/>
+          </a:prstGeom>
+        </p:spPr>
+      </p:pic>
+      <p:pic>
+        <p:nvPicPr>
+          <p:cNvPr id="36" name="Picture 3" descr="E:\Pictures\KCDC\Sponsors\telerikLogo-web-225x90px.jpg"/>
+          <p:cNvPicPr>
+            <a:picLocks noChangeAspect="1" noChangeArrowheads="1"/>
+          </p:cNvPicPr>
+          <p:nvPr/>
+        </p:nvPicPr>
+        <p:blipFill>
+          <a:blip r:embed="rId10" cstate="print">
+            <a:extLst>
+              <a:ext uri="{28A0092B-C50C-407E-A947-70E740481C1C}">
+                <a14:useLocalDpi xmlns="" xmlns:a14="http://schemas.microsoft.com/office/drawing/2010/main" val="0"/>
+              </a:ext>
+            </a:extLst>
+          </a:blip>
+          <a:srcRect/>
+          <a:stretch>
+            <a:fillRect/>
+          </a:stretch>
+        </p:blipFill>
+        <p:spPr bwMode="auto">
+          <a:xfrm>
+            <a:off x="6210300" y="2494156"/>
+            <a:ext cx="2330485" cy="860108"/>
+          </a:xfrm>
+          <a:prstGeom prst="rect">
+            <a:avLst/>
+          </a:prstGeom>
+          <a:noFill/>
+          <a:extLst>
+            <a:ext uri="{909E8E84-426E-40DD-AFC4-6F175D3DCCD1}">
+              <a14:hiddenFill xmlns="" xmlns:a14="http://schemas.microsoft.com/office/drawing/2010/main">
+                <a:solidFill>
+                  <a:srgbClr val="FFFFFF"/>
+                </a:solidFill>
+              </a14:hiddenFill>
+            </a:ext>
+          </a:extLst>
+        </p:spPr>
+      </p:pic>
+    </p:spTree>
+    <p:extLst>
+      <p:ext uri="{BB962C8B-B14F-4D97-AF65-F5344CB8AC3E}">
+        <p14:creationId xmlns="" xmlns:p14="http://schemas.microsoft.com/office/powerpoint/2010/main" val="4248424993"/>
+      </p:ext>
+    </p:extLst>
+  </p:cSld>
+  <p:clrMapOvr>
+    <a:masterClrMapping/>
+  </p:clrMapOvr>
+  <p:timing>
+    <p:tnLst>
+      <p:par>
+        <p:cTn id="1" dur="indefinite" restart="never" nodeType="tmRoot"/>
+      </p:par>
+    </p:tnLst>
+  </p:timing>
+</p:sld>
+</file>
+
+<file path=ppt/slides/slide20.xml><?xml version="1.0" encoding="utf-8"?>
 <p:sld xmlns:a="http://schemas.openxmlformats.org/drawingml/2006/main" xmlns:r="http://schemas.openxmlformats.org/officeDocument/2006/relationships" xmlns:p="http://schemas.openxmlformats.org/presentationml/2006/main">
   <p:cSld>
     <p:spTree>
@@ -9853,1324 +11653,6 @@
 </p:sld>
 </file>
 
-<file path=ppt/slides/slide18.xml><?xml version="1.0" encoding="utf-8"?>
-<p:sld xmlns:a="http://schemas.openxmlformats.org/drawingml/2006/main" xmlns:r="http://schemas.openxmlformats.org/officeDocument/2006/relationships" xmlns:p="http://schemas.openxmlformats.org/presentationml/2006/main">
-  <p:cSld>
-    <p:spTree>
-      <p:nvGrpSpPr>
-        <p:cNvPr id="1" name=""/>
-        <p:cNvGrpSpPr/>
-        <p:nvPr/>
-      </p:nvGrpSpPr>
-      <p:grpSpPr>
-        <a:xfrm>
-          <a:off x="0" y="0"/>
-          <a:ext cx="0" cy="0"/>
-          <a:chOff x="0" y="0"/>
-          <a:chExt cx="0" cy="0"/>
-        </a:xfrm>
-      </p:grpSpPr>
-      <p:sp>
-        <p:nvSpPr>
-          <p:cNvPr id="203778" name="Rectangle 2"/>
-          <p:cNvSpPr>
-            <a:spLocks noGrp="1" noChangeArrowheads="1"/>
-          </p:cNvSpPr>
-          <p:nvPr>
-            <p:ph type="title"/>
-          </p:nvPr>
-        </p:nvSpPr>
-        <p:spPr bwMode="auto">
-          <a:ln>
-            <a:noFill/>
-            <a:miter lim="800000"/>
-            <a:headEnd/>
-            <a:tailEnd/>
-          </a:ln>
-        </p:spPr>
-        <p:txBody>
-          <a:bodyPr vert="horz" wrap="square" lIns="91440" tIns="45720" rIns="91440" bIns="45720" numCol="1" anchor="t" anchorCtr="0" compatLnSpc="1">
-            <a:prstTxWarp prst="textNoShape">
-              <a:avLst/>
-            </a:prstTxWarp>
-          </a:bodyPr>
-          <a:lstStyle/>
-          <a:p>
-            <a:pPr algn="r">
-              <a:defRPr/>
-            </a:pPr>
-            <a:r>
-              <a:rPr lang="en-US" dirty="0" smtClean="0"/>
-              <a:t>What is this “MVC” thing?</a:t>
-            </a:r>
-          </a:p>
-        </p:txBody>
-      </p:sp>
-      <p:sp>
-        <p:nvSpPr>
-          <p:cNvPr id="18436" name="Text Placeholder 2"/>
-          <p:cNvSpPr>
-            <a:spLocks noGrp="1"/>
-          </p:cNvSpPr>
-          <p:nvPr>
-            <p:ph type="body" sz="half" idx="1"/>
-          </p:nvPr>
-        </p:nvSpPr>
-        <p:spPr bwMode="auto">
-          <a:xfrm>
-            <a:off x="457200" y="1600200"/>
-            <a:ext cx="8039100" cy="4525963"/>
-          </a:xfrm>
-          <a:noFill/>
-          <a:ln>
-            <a:miter lim="800000"/>
-            <a:headEnd/>
-            <a:tailEnd/>
-          </a:ln>
-        </p:spPr>
-        <p:txBody>
-          <a:bodyPr vert="horz" wrap="square" lIns="91440" tIns="45720" rIns="91440" bIns="45720" numCol="1" anchor="t" anchorCtr="0" compatLnSpc="1">
-            <a:prstTxWarp prst="textNoShape">
-              <a:avLst/>
-            </a:prstTxWarp>
-            <a:normAutofit/>
-          </a:bodyPr>
-          <a:lstStyle/>
-          <a:p>
-            <a:r>
-              <a:rPr lang="en-US" sz="2400" dirty="0" smtClean="0"/>
-              <a:t>Separation of Concerns</a:t>
-            </a:r>
-          </a:p>
-          <a:p>
-            <a:pPr lvl="1"/>
-            <a:r>
-              <a:rPr lang="en-US" sz="2400" dirty="0" smtClean="0"/>
-              <a:t>Loose coupling and little overlap</a:t>
-            </a:r>
-          </a:p>
-          <a:p>
-            <a:pPr lvl="1"/>
-            <a:r>
-              <a:rPr lang="en-US" sz="2400" dirty="0" smtClean="0"/>
-              <a:t>A concern is any piece of interest or focus in a program</a:t>
-            </a:r>
-          </a:p>
-          <a:p>
-            <a:r>
-              <a:rPr lang="en-US" sz="2400" dirty="0" smtClean="0"/>
-              <a:t>Single Responsibility</a:t>
-            </a:r>
-          </a:p>
-          <a:p>
-            <a:pPr lvl="1"/>
-            <a:r>
-              <a:rPr lang="en-US" sz="2400" dirty="0" smtClean="0"/>
-              <a:t>One piece of the pattern focuses on delivering just ONE thing</a:t>
-            </a:r>
-          </a:p>
-          <a:p>
-            <a:endParaRPr lang="en-US" sz="2400" dirty="0" smtClean="0"/>
-          </a:p>
-        </p:txBody>
-      </p:sp>
-    </p:spTree>
-  </p:cSld>
-  <p:clrMapOvr>
-    <a:masterClrMapping/>
-  </p:clrMapOvr>
-  <p:transition/>
-  <p:timing>
-    <p:tnLst>
-      <p:par>
-        <p:cTn id="1" dur="indefinite" restart="never" nodeType="tmRoot"/>
-      </p:par>
-    </p:tnLst>
-  </p:timing>
-</p:sld>
-</file>
-
-<file path=ppt/slides/slide19.xml><?xml version="1.0" encoding="utf-8"?>
-<p:sld xmlns:a="http://schemas.openxmlformats.org/drawingml/2006/main" xmlns:r="http://schemas.openxmlformats.org/officeDocument/2006/relationships" xmlns:p="http://schemas.openxmlformats.org/presentationml/2006/main">
-  <p:cSld>
-    <p:spTree>
-      <p:nvGrpSpPr>
-        <p:cNvPr id="1" name=""/>
-        <p:cNvGrpSpPr/>
-        <p:nvPr/>
-      </p:nvGrpSpPr>
-      <p:grpSpPr>
-        <a:xfrm>
-          <a:off x="0" y="0"/>
-          <a:ext cx="0" cy="0"/>
-          <a:chOff x="0" y="0"/>
-          <a:chExt cx="0" cy="0"/>
-        </a:xfrm>
-      </p:grpSpPr>
-      <p:sp>
-        <p:nvSpPr>
-          <p:cNvPr id="203778" name="Rectangle 2"/>
-          <p:cNvSpPr>
-            <a:spLocks noGrp="1" noChangeArrowheads="1"/>
-          </p:cNvSpPr>
-          <p:nvPr>
-            <p:ph type="title"/>
-          </p:nvPr>
-        </p:nvSpPr>
-        <p:spPr bwMode="auto">
-          <a:ln>
-            <a:noFill/>
-            <a:miter lim="800000"/>
-            <a:headEnd/>
-            <a:tailEnd/>
-          </a:ln>
-        </p:spPr>
-        <p:txBody>
-          <a:bodyPr vert="horz" wrap="square" lIns="91440" tIns="45720" rIns="91440" bIns="45720" numCol="1" anchor="t" anchorCtr="0" compatLnSpc="1">
-            <a:prstTxWarp prst="textNoShape">
-              <a:avLst/>
-            </a:prstTxWarp>
-          </a:bodyPr>
-          <a:lstStyle/>
-          <a:p>
-            <a:pPr algn="r">
-              <a:defRPr/>
-            </a:pPr>
-            <a:r>
-              <a:rPr lang="en-US" dirty="0" smtClean="0"/>
-              <a:t>What is this “MVC” thing?</a:t>
-            </a:r>
-          </a:p>
-        </p:txBody>
-      </p:sp>
-      <p:sp>
-        <p:nvSpPr>
-          <p:cNvPr id="19460" name="Text Placeholder 2"/>
-          <p:cNvSpPr>
-            <a:spLocks noGrp="1"/>
-          </p:cNvSpPr>
-          <p:nvPr>
-            <p:ph type="body" sz="half" idx="1"/>
-          </p:nvPr>
-        </p:nvSpPr>
-        <p:spPr bwMode="auto">
-          <a:xfrm>
-            <a:off x="457200" y="1600200"/>
-            <a:ext cx="8039100" cy="4525963"/>
-          </a:xfrm>
-          <a:noFill/>
-          <a:ln>
-            <a:miter lim="800000"/>
-            <a:headEnd/>
-            <a:tailEnd/>
-          </a:ln>
-        </p:spPr>
-        <p:txBody>
-          <a:bodyPr vert="horz" wrap="square" lIns="91440" tIns="45720" rIns="91440" bIns="45720" numCol="1" anchor="t" anchorCtr="0" compatLnSpc="1">
-            <a:prstTxWarp prst="textNoShape">
-              <a:avLst/>
-            </a:prstTxWarp>
-            <a:normAutofit/>
-          </a:bodyPr>
-          <a:lstStyle/>
-          <a:p>
-            <a:r>
-              <a:rPr lang="en-US" sz="2400" dirty="0" smtClean="0"/>
-              <a:t>Transparency</a:t>
-            </a:r>
-          </a:p>
-          <a:p>
-            <a:pPr lvl="1"/>
-            <a:r>
-              <a:rPr lang="en-US" sz="2400" dirty="0" smtClean="0"/>
-              <a:t>It’s easy to see the “what’s” and the “how’s” of your application</a:t>
-            </a:r>
-          </a:p>
-          <a:p>
-            <a:r>
-              <a:rPr lang="en-US" sz="2400" dirty="0" smtClean="0"/>
-              <a:t>Light Objects</a:t>
-            </a:r>
-          </a:p>
-          <a:p>
-            <a:pPr lvl="1"/>
-            <a:r>
-              <a:rPr lang="en-US" sz="2400" dirty="0" smtClean="0"/>
-              <a:t>Less likely for your application to suffer from “code bloat”</a:t>
-            </a:r>
-          </a:p>
-          <a:p>
-            <a:endParaRPr lang="en-US" sz="2400" dirty="0" smtClean="0"/>
-          </a:p>
-          <a:p>
-            <a:endParaRPr lang="en-US" sz="2400" dirty="0" smtClean="0"/>
-          </a:p>
-        </p:txBody>
-      </p:sp>
-    </p:spTree>
-  </p:cSld>
-  <p:clrMapOvr>
-    <a:masterClrMapping/>
-  </p:clrMapOvr>
-  <p:transition/>
-  <p:timing>
-    <p:tnLst>
-      <p:par>
-        <p:cTn id="1" dur="indefinite" restart="never" nodeType="tmRoot"/>
-      </p:par>
-    </p:tnLst>
-  </p:timing>
-</p:sld>
-</file>
-
-<file path=ppt/slides/slide2.xml><?xml version="1.0" encoding="utf-8"?>
-<p:sld xmlns:a="http://schemas.openxmlformats.org/drawingml/2006/main" xmlns:r="http://schemas.openxmlformats.org/officeDocument/2006/relationships" xmlns:p="http://schemas.openxmlformats.org/presentationml/2006/main">
-  <p:cSld>
-    <p:spTree>
-      <p:nvGrpSpPr>
-        <p:cNvPr id="1" name=""/>
-        <p:cNvGrpSpPr/>
-        <p:nvPr/>
-      </p:nvGrpSpPr>
-      <p:grpSpPr>
-        <a:xfrm>
-          <a:off x="0" y="0"/>
-          <a:ext cx="0" cy="0"/>
-          <a:chOff x="0" y="0"/>
-          <a:chExt cx="0" cy="0"/>
-        </a:xfrm>
-      </p:grpSpPr>
-      <p:sp>
-        <p:nvSpPr>
-          <p:cNvPr id="19" name="Rectangle 18"/>
-          <p:cNvSpPr/>
-          <p:nvPr/>
-        </p:nvSpPr>
-        <p:spPr>
-          <a:xfrm>
-            <a:off x="460428" y="76200"/>
-            <a:ext cx="8226371" cy="2286000"/>
-          </a:xfrm>
-          <a:prstGeom prst="rect">
-            <a:avLst/>
-          </a:prstGeom>
-          <a:noFill/>
-          <a:ln>
-            <a:solidFill>
-              <a:schemeClr val="bg2">
-                <a:lumMod val="25000"/>
-                <a:lumOff val="75000"/>
-              </a:schemeClr>
-            </a:solidFill>
-          </a:ln>
-        </p:spPr>
-        <p:style>
-          <a:lnRef idx="2">
-            <a:schemeClr val="accent1">
-              <a:shade val="50000"/>
-            </a:schemeClr>
-          </a:lnRef>
-          <a:fillRef idx="1">
-            <a:schemeClr val="accent1"/>
-          </a:fillRef>
-          <a:effectRef idx="0">
-            <a:schemeClr val="accent1"/>
-          </a:effectRef>
-          <a:fontRef idx="minor">
-            <a:schemeClr val="lt1"/>
-          </a:fontRef>
-        </p:style>
-        <p:txBody>
-          <a:bodyPr rtlCol="0" anchor="ctr"/>
-          <a:lstStyle/>
-          <a:p>
-            <a:pPr algn="ctr"/>
-            <a:endParaRPr lang="en-US"/>
-          </a:p>
-        </p:txBody>
-      </p:sp>
-      <p:sp>
-        <p:nvSpPr>
-          <p:cNvPr id="20" name="Rectangle 19"/>
-          <p:cNvSpPr/>
-          <p:nvPr/>
-        </p:nvSpPr>
-        <p:spPr>
-          <a:xfrm>
-            <a:off x="5181600" y="4289502"/>
-            <a:ext cx="3505200" cy="1443335"/>
-          </a:xfrm>
-          <a:prstGeom prst="rect">
-            <a:avLst/>
-          </a:prstGeom>
-          <a:noFill/>
-          <a:ln>
-            <a:solidFill>
-              <a:schemeClr val="accent2">
-                <a:lumMod val="50000"/>
-              </a:schemeClr>
-            </a:solidFill>
-          </a:ln>
-        </p:spPr>
-        <p:style>
-          <a:lnRef idx="2">
-            <a:schemeClr val="accent1">
-              <a:shade val="50000"/>
-            </a:schemeClr>
-          </a:lnRef>
-          <a:fillRef idx="1">
-            <a:schemeClr val="accent1"/>
-          </a:fillRef>
-          <a:effectRef idx="0">
-            <a:schemeClr val="accent1"/>
-          </a:effectRef>
-          <a:fontRef idx="minor">
-            <a:schemeClr val="lt1"/>
-          </a:fontRef>
-        </p:style>
-        <p:txBody>
-          <a:bodyPr rtlCol="0" anchor="ctr"/>
-          <a:lstStyle/>
-          <a:p>
-            <a:pPr algn="ctr"/>
-            <a:endParaRPr lang="en-US"/>
-          </a:p>
-        </p:txBody>
-      </p:sp>
-      <p:sp>
-        <p:nvSpPr>
-          <p:cNvPr id="21" name="Rectangle 20"/>
-          <p:cNvSpPr/>
-          <p:nvPr/>
-        </p:nvSpPr>
-        <p:spPr>
-          <a:xfrm>
-            <a:off x="460429" y="4289502"/>
-            <a:ext cx="4644971" cy="1443335"/>
-          </a:xfrm>
-          <a:prstGeom prst="rect">
-            <a:avLst/>
-          </a:prstGeom>
-          <a:noFill/>
-          <a:ln>
-            <a:solidFill>
-              <a:schemeClr val="tx1">
-                <a:lumMod val="65000"/>
-              </a:schemeClr>
-            </a:solidFill>
-          </a:ln>
-        </p:spPr>
-        <p:style>
-          <a:lnRef idx="2">
-            <a:schemeClr val="accent1">
-              <a:shade val="50000"/>
-            </a:schemeClr>
-          </a:lnRef>
-          <a:fillRef idx="1">
-            <a:schemeClr val="accent1"/>
-          </a:fillRef>
-          <a:effectRef idx="0">
-            <a:schemeClr val="accent1"/>
-          </a:effectRef>
-          <a:fontRef idx="minor">
-            <a:schemeClr val="lt1"/>
-          </a:fontRef>
-        </p:style>
-        <p:txBody>
-          <a:bodyPr rtlCol="0" anchor="ctr"/>
-          <a:lstStyle/>
-          <a:p>
-            <a:pPr algn="ctr"/>
-            <a:endParaRPr lang="en-US"/>
-          </a:p>
-        </p:txBody>
-      </p:sp>
-      <p:sp>
-        <p:nvSpPr>
-          <p:cNvPr id="22" name="Rectangle 21"/>
-          <p:cNvSpPr/>
-          <p:nvPr/>
-        </p:nvSpPr>
-        <p:spPr>
-          <a:xfrm>
-            <a:off x="460428" y="2438400"/>
-            <a:ext cx="8226371" cy="1795033"/>
-          </a:xfrm>
-          <a:prstGeom prst="rect">
-            <a:avLst/>
-          </a:prstGeom>
-          <a:noFill/>
-          <a:ln>
-            <a:solidFill>
-              <a:schemeClr val="tx2">
-                <a:lumMod val="40000"/>
-                <a:lumOff val="60000"/>
-              </a:schemeClr>
-            </a:solidFill>
-          </a:ln>
-        </p:spPr>
-        <p:style>
-          <a:lnRef idx="2">
-            <a:schemeClr val="accent1">
-              <a:shade val="50000"/>
-            </a:schemeClr>
-          </a:lnRef>
-          <a:fillRef idx="1">
-            <a:schemeClr val="accent1"/>
-          </a:fillRef>
-          <a:effectRef idx="0">
-            <a:schemeClr val="accent1"/>
-          </a:effectRef>
-          <a:fontRef idx="minor">
-            <a:schemeClr val="lt1"/>
-          </a:fontRef>
-        </p:style>
-        <p:txBody>
-          <a:bodyPr rtlCol="0" anchor="ctr"/>
-          <a:lstStyle/>
-          <a:p>
-            <a:pPr algn="ctr"/>
-            <a:endParaRPr lang="en-US"/>
-          </a:p>
-        </p:txBody>
-      </p:sp>
-      <p:sp>
-        <p:nvSpPr>
-          <p:cNvPr id="23" name="Rectangle 22"/>
-          <p:cNvSpPr/>
-          <p:nvPr/>
-        </p:nvSpPr>
-        <p:spPr>
-          <a:xfrm>
-            <a:off x="4720" y="5934670"/>
-            <a:ext cx="9168024" cy="830997"/>
-          </a:xfrm>
-          <a:prstGeom prst="rect">
-            <a:avLst/>
-          </a:prstGeom>
-          <a:noFill/>
-        </p:spPr>
-        <p:txBody>
-          <a:bodyPr wrap="none" lIns="91440" tIns="45720" rIns="91440" bIns="45720">
-            <a:spAutoFit/>
-          </a:bodyPr>
-          <a:lstStyle/>
-          <a:p>
-            <a:pPr algn="ctr"/>
-            <a:r>
-              <a:rPr lang="en-US" sz="4800" b="1" cap="all" dirty="0" smtClean="0">
-                <a:ln/>
-                <a:solidFill>
-                  <a:schemeClr val="tx2">
-                    <a:lumMod val="60000"/>
-                    <a:lumOff val="40000"/>
-                  </a:schemeClr>
-                </a:solidFill>
-                <a:effectLst>
-                  <a:outerShdw blurRad="19685" dist="12700" dir="5400000" algn="tl" rotWithShape="0">
-                    <a:schemeClr val="accent1">
-                      <a:satMod val="130000"/>
-                      <a:alpha val="60000"/>
-                    </a:schemeClr>
-                  </a:outerShdw>
-                  <a:reflection blurRad="10000" stA="55000" endPos="48000" dist="500" dir="5400000" sy="-100000" algn="bl" rotWithShape="0"/>
-                </a:effectLst>
-              </a:rPr>
-              <a:t>Thanks to our sponsors!</a:t>
-            </a:r>
-            <a:endParaRPr lang="en-US" sz="4800" b="1" cap="all" dirty="0">
-              <a:ln/>
-              <a:solidFill>
-                <a:schemeClr val="tx2">
-                  <a:lumMod val="60000"/>
-                  <a:lumOff val="40000"/>
-                </a:schemeClr>
-              </a:solidFill>
-              <a:effectLst>
-                <a:outerShdw blurRad="19685" dist="12700" dir="5400000" algn="tl" rotWithShape="0">
-                  <a:schemeClr val="accent1">
-                    <a:satMod val="130000"/>
-                    <a:alpha val="60000"/>
-                  </a:schemeClr>
-                </a:outerShdw>
-                <a:reflection blurRad="10000" stA="55000" endPos="48000" dist="500" dir="5400000" sy="-100000" algn="bl" rotWithShape="0"/>
-              </a:effectLst>
-            </a:endParaRPr>
-          </a:p>
-        </p:txBody>
-      </p:sp>
-      <p:pic>
-        <p:nvPicPr>
-          <p:cNvPr id="24" name="Picture 2" descr="E:\Pictures\KCDC\Sponsors\TypeMock\Typemock_logo_web.jpg"/>
-          <p:cNvPicPr>
-            <a:picLocks noChangeAspect="1" noChangeArrowheads="1"/>
-          </p:cNvPicPr>
-          <p:nvPr/>
-        </p:nvPicPr>
-        <p:blipFill>
-          <a:blip r:embed="rId2" cstate="print">
-            <a:extLst>
-              <a:ext uri="{28A0092B-C50C-407E-A947-70E740481C1C}">
-                <a14:useLocalDpi xmlns:a14="http://schemas.microsoft.com/office/drawing/2010/main" xmlns="" val="0"/>
-              </a:ext>
-            </a:extLst>
-          </a:blip>
-          <a:srcRect/>
-          <a:stretch>
-            <a:fillRect/>
-          </a:stretch>
-        </p:blipFill>
-        <p:spPr bwMode="auto">
-          <a:xfrm>
-            <a:off x="5410201" y="4700983"/>
-            <a:ext cx="1600199" cy="960119"/>
-          </a:xfrm>
-          <a:prstGeom prst="rect">
-            <a:avLst/>
-          </a:prstGeom>
-          <a:noFill/>
-          <a:extLst>
-            <a:ext uri="{909E8E84-426E-40DD-AFC4-6F175D3DCCD1}">
-              <a14:hiddenFill xmlns:a14="http://schemas.microsoft.com/office/drawing/2010/main" xmlns="">
-                <a:solidFill>
-                  <a:srgbClr val="FFFFFF"/>
-                </a:solidFill>
-              </a14:hiddenFill>
-            </a:ext>
-          </a:extLst>
-        </p:spPr>
-      </p:pic>
-      <p:pic>
-        <p:nvPicPr>
-          <p:cNvPr id="25" name="Picture 24"/>
-          <p:cNvPicPr>
-            <a:picLocks noChangeAspect="1"/>
-          </p:cNvPicPr>
-          <p:nvPr/>
-        </p:nvPicPr>
-        <p:blipFill>
-          <a:blip r:embed="rId3" cstate="print">
-            <a:extLst>
-              <a:ext uri="{28A0092B-C50C-407E-A947-70E740481C1C}">
-                <a14:useLocalDpi xmlns:a14="http://schemas.microsoft.com/office/drawing/2010/main" xmlns="" val="0"/>
-              </a:ext>
-            </a:extLst>
-          </a:blip>
-          <a:stretch>
-            <a:fillRect/>
-          </a:stretch>
-        </p:blipFill>
-        <p:spPr>
-          <a:xfrm>
-            <a:off x="1752600" y="3381617"/>
-            <a:ext cx="2081227" cy="831685"/>
-          </a:xfrm>
-          <a:prstGeom prst="rect">
-            <a:avLst/>
-          </a:prstGeom>
-        </p:spPr>
-      </p:pic>
-      <p:pic>
-        <p:nvPicPr>
-          <p:cNvPr id="26" name="Picture 25"/>
-          <p:cNvPicPr>
-            <a:picLocks noChangeAspect="1"/>
-          </p:cNvPicPr>
-          <p:nvPr/>
-        </p:nvPicPr>
-        <p:blipFill>
-          <a:blip r:embed="rId4" cstate="print">
-            <a:extLst>
-              <a:ext uri="{28A0092B-C50C-407E-A947-70E740481C1C}">
-                <a14:useLocalDpi xmlns:a14="http://schemas.microsoft.com/office/drawing/2010/main" xmlns="" val="0"/>
-              </a:ext>
-            </a:extLst>
-          </a:blip>
-          <a:stretch>
-            <a:fillRect/>
-          </a:stretch>
-        </p:blipFill>
-        <p:spPr>
-          <a:xfrm>
-            <a:off x="4800600" y="3406556"/>
-            <a:ext cx="1968500" cy="793738"/>
-          </a:xfrm>
-          <a:prstGeom prst="rect">
-            <a:avLst/>
-          </a:prstGeom>
-        </p:spPr>
-      </p:pic>
-      <p:sp>
-        <p:nvSpPr>
-          <p:cNvPr id="27" name="Rectangle 26"/>
-          <p:cNvSpPr/>
-          <p:nvPr/>
-        </p:nvSpPr>
-        <p:spPr>
-          <a:xfrm>
-            <a:off x="640769" y="2438400"/>
-            <a:ext cx="1641795" cy="830997"/>
-          </a:xfrm>
-          <a:prstGeom prst="rect">
-            <a:avLst/>
-          </a:prstGeom>
-          <a:noFill/>
-        </p:spPr>
-        <p:txBody>
-          <a:bodyPr wrap="none" lIns="91440" tIns="45720" rIns="91440" bIns="45720">
-            <a:spAutoFit/>
-            <a:scene3d>
-              <a:camera prst="orthographicFront"/>
-              <a:lightRig rig="brightRoom" dir="t"/>
-            </a:scene3d>
-            <a:sp3d contourW="6350" prstMaterial="plastic">
-              <a:bevelT w="20320" h="20320" prst="angle"/>
-              <a:contourClr>
-                <a:schemeClr val="accent1">
-                  <a:tint val="100000"/>
-                  <a:shade val="100000"/>
-                  <a:hueMod val="100000"/>
-                  <a:satMod val="100000"/>
-                </a:schemeClr>
-              </a:contourClr>
-            </a:sp3d>
-          </a:bodyPr>
-          <a:lstStyle/>
-          <a:p>
-            <a:pPr algn="ctr"/>
-            <a:r>
-              <a:rPr lang="en-US" sz="4800" b="1" cap="all" dirty="0" smtClean="0">
-                <a:ln/>
-                <a:solidFill>
-                  <a:schemeClr val="tx2">
-                    <a:lumMod val="60000"/>
-                    <a:lumOff val="40000"/>
-                  </a:schemeClr>
-                </a:solidFill>
-                <a:effectLst>
-                  <a:outerShdw blurRad="19685" dist="12700" dir="5400000" algn="tl" rotWithShape="0">
-                    <a:schemeClr val="accent1">
-                      <a:satMod val="130000"/>
-                      <a:alpha val="60000"/>
-                    </a:schemeClr>
-                  </a:outerShdw>
-                  <a:reflection blurRad="10000" stA="55000" endPos="48000" dist="500" dir="5400000" sy="-100000" algn="bl" rotWithShape="0"/>
-                </a:effectLst>
-              </a:rPr>
-              <a:t>GOLD</a:t>
-            </a:r>
-            <a:endParaRPr lang="en-US" sz="4800" b="1" cap="all" dirty="0">
-              <a:ln/>
-              <a:solidFill>
-                <a:schemeClr val="tx2">
-                  <a:lumMod val="60000"/>
-                  <a:lumOff val="40000"/>
-                </a:schemeClr>
-              </a:solidFill>
-              <a:effectLst>
-                <a:outerShdw blurRad="19685" dist="12700" dir="5400000" algn="tl" rotWithShape="0">
-                  <a:schemeClr val="accent1">
-                    <a:satMod val="130000"/>
-                    <a:alpha val="60000"/>
-                  </a:schemeClr>
-                </a:outerShdw>
-                <a:reflection blurRad="10000" stA="55000" endPos="48000" dist="500" dir="5400000" sy="-100000" algn="bl" rotWithShape="0"/>
-              </a:effectLst>
-            </a:endParaRPr>
-          </a:p>
-        </p:txBody>
-      </p:sp>
-      <p:sp>
-        <p:nvSpPr>
-          <p:cNvPr id="28" name="Rectangle 27"/>
-          <p:cNvSpPr/>
-          <p:nvPr/>
-        </p:nvSpPr>
-        <p:spPr>
-          <a:xfrm>
-            <a:off x="610631" y="4763951"/>
-            <a:ext cx="1671933" cy="707886"/>
-          </a:xfrm>
-          <a:prstGeom prst="rect">
-            <a:avLst/>
-          </a:prstGeom>
-          <a:noFill/>
-        </p:spPr>
-        <p:txBody>
-          <a:bodyPr wrap="none" lIns="91440" tIns="45720" rIns="91440" bIns="45720">
-            <a:spAutoFit/>
-            <a:scene3d>
-              <a:camera prst="orthographicFront"/>
-              <a:lightRig rig="brightRoom" dir="t"/>
-            </a:scene3d>
-            <a:sp3d contourW="6350" prstMaterial="plastic">
-              <a:bevelT w="20320" h="20320" prst="angle"/>
-              <a:contourClr>
-                <a:schemeClr val="accent1">
-                  <a:tint val="100000"/>
-                  <a:shade val="100000"/>
-                  <a:hueMod val="100000"/>
-                  <a:satMod val="100000"/>
-                </a:schemeClr>
-              </a:contourClr>
-            </a:sp3d>
-          </a:bodyPr>
-          <a:lstStyle/>
-          <a:p>
-            <a:pPr algn="ctr"/>
-            <a:r>
-              <a:rPr lang="en-US" sz="4000" b="1" cap="all" dirty="0" smtClean="0">
-                <a:ln/>
-                <a:solidFill>
-                  <a:schemeClr val="bg2">
-                    <a:lumMod val="50000"/>
-                    <a:lumOff val="50000"/>
-                  </a:schemeClr>
-                </a:solidFill>
-                <a:effectLst>
-                  <a:outerShdw blurRad="19685" dist="12700" dir="5400000" algn="tl" rotWithShape="0">
-                    <a:schemeClr val="accent1">
-                      <a:satMod val="130000"/>
-                      <a:alpha val="60000"/>
-                    </a:schemeClr>
-                  </a:outerShdw>
-                  <a:reflection blurRad="10000" stA="55000" endPos="48000" dist="500" dir="5400000" sy="-100000" algn="bl" rotWithShape="0"/>
-                </a:effectLst>
-              </a:rPr>
-              <a:t>silver</a:t>
-            </a:r>
-            <a:endParaRPr lang="en-US" sz="4000" b="1" cap="all" dirty="0">
-              <a:ln/>
-              <a:solidFill>
-                <a:schemeClr val="bg2">
-                  <a:lumMod val="50000"/>
-                  <a:lumOff val="50000"/>
-                </a:schemeClr>
-              </a:solidFill>
-              <a:effectLst>
-                <a:outerShdw blurRad="19685" dist="12700" dir="5400000" algn="tl" rotWithShape="0">
-                  <a:schemeClr val="accent1">
-                    <a:satMod val="130000"/>
-                    <a:alpha val="60000"/>
-                  </a:schemeClr>
-                </a:outerShdw>
-                <a:reflection blurRad="10000" stA="55000" endPos="48000" dist="500" dir="5400000" sy="-100000" algn="bl" rotWithShape="0"/>
-              </a:effectLst>
-            </a:endParaRPr>
-          </a:p>
-        </p:txBody>
-      </p:sp>
-      <p:pic>
-        <p:nvPicPr>
-          <p:cNvPr id="29" name="Picture 4" descr="E:\Pictures\KCDC\Sponsors\advantegetech.jpg"/>
-          <p:cNvPicPr>
-            <a:picLocks noChangeAspect="1" noChangeArrowheads="1"/>
-          </p:cNvPicPr>
-          <p:nvPr/>
-        </p:nvPicPr>
-        <p:blipFill>
-          <a:blip r:embed="rId5" cstate="print">
-            <a:extLst>
-              <a:ext uri="{28A0092B-C50C-407E-A947-70E740481C1C}">
-                <a14:useLocalDpi xmlns:a14="http://schemas.microsoft.com/office/drawing/2010/main" xmlns="" val="0"/>
-              </a:ext>
-            </a:extLst>
-          </a:blip>
-          <a:srcRect/>
-          <a:stretch>
-            <a:fillRect/>
-          </a:stretch>
-        </p:blipFill>
-        <p:spPr bwMode="auto">
-          <a:xfrm>
-            <a:off x="2667000" y="4756600"/>
-            <a:ext cx="1968377" cy="676628"/>
-          </a:xfrm>
-          <a:prstGeom prst="rect">
-            <a:avLst/>
-          </a:prstGeom>
-          <a:noFill/>
-          <a:extLst>
-            <a:ext uri="{909E8E84-426E-40DD-AFC4-6F175D3DCCD1}">
-              <a14:hiddenFill xmlns:a14="http://schemas.microsoft.com/office/drawing/2010/main" xmlns="">
-                <a:solidFill>
-                  <a:srgbClr val="FFFFFF"/>
-                </a:solidFill>
-              </a14:hiddenFill>
-            </a:ext>
-          </a:extLst>
-        </p:spPr>
-      </p:pic>
-      <p:sp>
-        <p:nvSpPr>
-          <p:cNvPr id="30" name="Rectangle 29"/>
-          <p:cNvSpPr/>
-          <p:nvPr/>
-        </p:nvSpPr>
-        <p:spPr>
-          <a:xfrm>
-            <a:off x="5181600" y="4191000"/>
-            <a:ext cx="3175000" cy="461665"/>
-          </a:xfrm>
-          <a:prstGeom prst="rect">
-            <a:avLst/>
-          </a:prstGeom>
-        </p:spPr>
-        <p:txBody>
-          <a:bodyPr wrap="square">
-            <a:spAutoFit/>
-          </a:bodyPr>
-          <a:lstStyle/>
-          <a:p>
-            <a:pPr lvl="0"/>
-            <a:r>
-              <a:rPr lang="en-US" sz="2400" b="1" cap="all" dirty="0">
-                <a:ln/>
-                <a:solidFill>
-                  <a:srgbClr val="80716A">
-                    <a:lumMod val="60000"/>
-                    <a:lumOff val="40000"/>
-                  </a:srgbClr>
-                </a:solidFill>
-                <a:effectLst>
-                  <a:outerShdw blurRad="19685" dist="12700" dir="5400000" algn="tl" rotWithShape="0">
-                    <a:srgbClr val="838D9B">
-                      <a:satMod val="130000"/>
-                      <a:alpha val="60000"/>
-                    </a:srgbClr>
-                  </a:outerShdw>
-                  <a:reflection blurRad="10000" stA="55000" endPos="48000" dist="500" dir="5400000" sy="-100000" algn="bl" rotWithShape="0"/>
-                </a:effectLst>
-              </a:rPr>
-              <a:t>PRIZE SPONSORS</a:t>
-            </a:r>
-          </a:p>
-        </p:txBody>
-      </p:sp>
-      <p:pic>
-        <p:nvPicPr>
-          <p:cNvPr id="31" name="Picture 5" descr="E:\Pictures\KCDC\Sponsors\who_is_informit.png"/>
-          <p:cNvPicPr>
-            <a:picLocks noChangeAspect="1" noChangeArrowheads="1"/>
-          </p:cNvPicPr>
-          <p:nvPr/>
-        </p:nvPicPr>
-        <p:blipFill>
-          <a:blip r:embed="rId6" cstate="print">
-            <a:extLst>
-              <a:ext uri="{28A0092B-C50C-407E-A947-70E740481C1C}">
-                <a14:useLocalDpi xmlns:a14="http://schemas.microsoft.com/office/drawing/2010/main" xmlns="" val="0"/>
-              </a:ext>
-            </a:extLst>
-          </a:blip>
-          <a:srcRect/>
-          <a:stretch>
-            <a:fillRect/>
-          </a:stretch>
-        </p:blipFill>
-        <p:spPr bwMode="auto">
-          <a:xfrm>
-            <a:off x="7329366" y="4622595"/>
-            <a:ext cx="1247219" cy="1042996"/>
-          </a:xfrm>
-          <a:prstGeom prst="rect">
-            <a:avLst/>
-          </a:prstGeom>
-          <a:noFill/>
-          <a:extLst>
-            <a:ext uri="{909E8E84-426E-40DD-AFC4-6F175D3DCCD1}">
-              <a14:hiddenFill xmlns:a14="http://schemas.microsoft.com/office/drawing/2010/main" xmlns="">
-                <a:solidFill>
-                  <a:srgbClr val="FFFFFF"/>
-                </a:solidFill>
-              </a14:hiddenFill>
-            </a:ext>
-          </a:extLst>
-        </p:spPr>
-      </p:pic>
-      <p:sp>
-        <p:nvSpPr>
-          <p:cNvPr id="32" name="Rectangle 31"/>
-          <p:cNvSpPr/>
-          <p:nvPr/>
-        </p:nvSpPr>
-        <p:spPr>
-          <a:xfrm>
-            <a:off x="460429" y="76200"/>
-            <a:ext cx="3076548" cy="923330"/>
-          </a:xfrm>
-          <a:prstGeom prst="rect">
-            <a:avLst/>
-          </a:prstGeom>
-          <a:noFill/>
-        </p:spPr>
-        <p:txBody>
-          <a:bodyPr wrap="none" lIns="91440" tIns="45720" rIns="91440" bIns="45720">
-            <a:spAutoFit/>
-            <a:scene3d>
-              <a:camera prst="orthographicFront"/>
-              <a:lightRig rig="brightRoom" dir="t"/>
-            </a:scene3d>
-            <a:sp3d contourW="6350" prstMaterial="plastic">
-              <a:bevelT w="20320" h="20320" prst="angle"/>
-              <a:contourClr>
-                <a:schemeClr val="accent1">
-                  <a:tint val="100000"/>
-                  <a:shade val="100000"/>
-                  <a:hueMod val="100000"/>
-                  <a:satMod val="100000"/>
-                </a:schemeClr>
-              </a:contourClr>
-            </a:sp3d>
-          </a:bodyPr>
-          <a:lstStyle/>
-          <a:p>
-            <a:pPr algn="ctr"/>
-            <a:r>
-              <a:rPr lang="en-US" sz="5400" b="1" cap="all" spc="0" dirty="0" smtClean="0">
-                <a:ln/>
-                <a:solidFill>
-                  <a:schemeClr val="accent6">
-                    <a:lumMod val="20000"/>
-                    <a:lumOff val="80000"/>
-                  </a:schemeClr>
-                </a:solidFill>
-                <a:effectLst>
-                  <a:outerShdw blurRad="19685" dist="12700" dir="5400000" algn="tl" rotWithShape="0">
-                    <a:schemeClr val="accent1">
-                      <a:satMod val="130000"/>
-                      <a:alpha val="60000"/>
-                    </a:schemeClr>
-                  </a:outerShdw>
-                  <a:reflection blurRad="10000" stA="55000" endPos="48000" dist="500" dir="5400000" sy="-100000" algn="bl" rotWithShape="0"/>
-                </a:effectLst>
-              </a:rPr>
-              <a:t>platinum</a:t>
-            </a:r>
-            <a:endParaRPr lang="en-US" sz="5400" b="1" cap="all" spc="0" dirty="0">
-              <a:ln/>
-              <a:solidFill>
-                <a:schemeClr val="accent6">
-                  <a:lumMod val="20000"/>
-                  <a:lumOff val="80000"/>
-                </a:schemeClr>
-              </a:solidFill>
-              <a:effectLst>
-                <a:outerShdw blurRad="19685" dist="12700" dir="5400000" algn="tl" rotWithShape="0">
-                  <a:schemeClr val="accent1">
-                    <a:satMod val="130000"/>
-                    <a:alpha val="60000"/>
-                  </a:schemeClr>
-                </a:outerShdw>
-                <a:reflection blurRad="10000" stA="55000" endPos="48000" dist="500" dir="5400000" sy="-100000" algn="bl" rotWithShape="0"/>
-              </a:effectLst>
-            </a:endParaRPr>
-          </a:p>
-        </p:txBody>
-      </p:sp>
-      <p:pic>
-        <p:nvPicPr>
-          <p:cNvPr id="33" name="Picture 32"/>
-          <p:cNvPicPr>
-            <a:picLocks noChangeAspect="1"/>
-          </p:cNvPicPr>
-          <p:nvPr/>
-        </p:nvPicPr>
-        <p:blipFill>
-          <a:blip r:embed="rId7" cstate="print">
-            <a:extLst>
-              <a:ext uri="{28A0092B-C50C-407E-A947-70E740481C1C}">
-                <a14:useLocalDpi xmlns:a14="http://schemas.microsoft.com/office/drawing/2010/main" xmlns="" val="0"/>
-              </a:ext>
-            </a:extLst>
-          </a:blip>
-          <a:stretch>
-            <a:fillRect/>
-          </a:stretch>
-        </p:blipFill>
-        <p:spPr>
-          <a:xfrm>
-            <a:off x="3624430" y="252277"/>
-            <a:ext cx="2067214" cy="1933845"/>
-          </a:xfrm>
-          <a:prstGeom prst="rect">
-            <a:avLst/>
-          </a:prstGeom>
-        </p:spPr>
-      </p:pic>
-      <p:pic>
-        <p:nvPicPr>
-          <p:cNvPr id="34" name="Picture 33"/>
-          <p:cNvPicPr>
-            <a:picLocks noChangeAspect="1"/>
-          </p:cNvPicPr>
-          <p:nvPr/>
-        </p:nvPicPr>
-        <p:blipFill>
-          <a:blip r:embed="rId8" cstate="print">
-            <a:extLst>
-              <a:ext uri="{28A0092B-C50C-407E-A947-70E740481C1C}">
-                <a14:useLocalDpi xmlns:a14="http://schemas.microsoft.com/office/drawing/2010/main" xmlns="" val="0"/>
-              </a:ext>
-            </a:extLst>
-          </a:blip>
-          <a:stretch>
-            <a:fillRect/>
-          </a:stretch>
-        </p:blipFill>
-        <p:spPr>
-          <a:xfrm>
-            <a:off x="5887075" y="707206"/>
-            <a:ext cx="2653710" cy="1023985"/>
-          </a:xfrm>
-          <a:prstGeom prst="rect">
-            <a:avLst/>
-          </a:prstGeom>
-        </p:spPr>
-      </p:pic>
-      <p:pic>
-        <p:nvPicPr>
-          <p:cNvPr id="35" name="Picture 34"/>
-          <p:cNvPicPr/>
-          <p:nvPr/>
-        </p:nvPicPr>
-        <p:blipFill>
-          <a:blip r:embed="rId9" cstate="print">
-            <a:extLst>
-              <a:ext uri="{28A0092B-C50C-407E-A947-70E740481C1C}">
-                <a14:useLocalDpi xmlns:a14="http://schemas.microsoft.com/office/drawing/2010/main" xmlns="" val="0"/>
-              </a:ext>
-            </a:extLst>
-          </a:blip>
-          <a:stretch>
-            <a:fillRect/>
-          </a:stretch>
-        </p:blipFill>
-        <p:spPr>
-          <a:xfrm>
-            <a:off x="2857500" y="2497176"/>
-            <a:ext cx="2476500" cy="790575"/>
-          </a:xfrm>
-          <a:prstGeom prst="rect">
-            <a:avLst/>
-          </a:prstGeom>
-        </p:spPr>
-      </p:pic>
-      <p:pic>
-        <p:nvPicPr>
-          <p:cNvPr id="36" name="Picture 3" descr="E:\Pictures\KCDC\Sponsors\telerikLogo-web-225x90px.jpg"/>
-          <p:cNvPicPr>
-            <a:picLocks noChangeAspect="1" noChangeArrowheads="1"/>
-          </p:cNvPicPr>
-          <p:nvPr/>
-        </p:nvPicPr>
-        <p:blipFill>
-          <a:blip r:embed="rId10" cstate="print">
-            <a:extLst>
-              <a:ext uri="{28A0092B-C50C-407E-A947-70E740481C1C}">
-                <a14:useLocalDpi xmlns:a14="http://schemas.microsoft.com/office/drawing/2010/main" xmlns="" val="0"/>
-              </a:ext>
-            </a:extLst>
-          </a:blip>
-          <a:srcRect/>
-          <a:stretch>
-            <a:fillRect/>
-          </a:stretch>
-        </p:blipFill>
-        <p:spPr bwMode="auto">
-          <a:xfrm>
-            <a:off x="6210300" y="2494156"/>
-            <a:ext cx="2330485" cy="860108"/>
-          </a:xfrm>
-          <a:prstGeom prst="rect">
-            <a:avLst/>
-          </a:prstGeom>
-          <a:noFill/>
-          <a:extLst>
-            <a:ext uri="{909E8E84-426E-40DD-AFC4-6F175D3DCCD1}">
-              <a14:hiddenFill xmlns:a14="http://schemas.microsoft.com/office/drawing/2010/main" xmlns="">
-                <a:solidFill>
-                  <a:srgbClr val="FFFFFF"/>
-                </a:solidFill>
-              </a14:hiddenFill>
-            </a:ext>
-          </a:extLst>
-        </p:spPr>
-      </p:pic>
-    </p:spTree>
-    <p:extLst>
-      <p:ext uri="{BB962C8B-B14F-4D97-AF65-F5344CB8AC3E}">
-        <p14:creationId xmlns:p14="http://schemas.microsoft.com/office/powerpoint/2010/main" xmlns="" val="4248424993"/>
-      </p:ext>
-    </p:extLst>
-  </p:cSld>
-  <p:clrMapOvr>
-    <a:masterClrMapping/>
-  </p:clrMapOvr>
-  <p:timing>
-    <p:tnLst>
-      <p:par>
-        <p:cTn id="1" dur="indefinite" restart="never" nodeType="tmRoot"/>
-      </p:par>
-    </p:tnLst>
-  </p:timing>
-</p:sld>
-</file>
-
-<file path=ppt/slides/slide20.xml><?xml version="1.0" encoding="utf-8"?>
-<p:sld xmlns:a="http://schemas.openxmlformats.org/drawingml/2006/main" xmlns:r="http://schemas.openxmlformats.org/officeDocument/2006/relationships" xmlns:p="http://schemas.openxmlformats.org/presentationml/2006/main">
-  <p:cSld>
-    <p:spTree>
-      <p:nvGrpSpPr>
-        <p:cNvPr id="1" name=""/>
-        <p:cNvGrpSpPr/>
-        <p:nvPr/>
-      </p:nvGrpSpPr>
-      <p:grpSpPr>
-        <a:xfrm>
-          <a:off x="0" y="0"/>
-          <a:ext cx="0" cy="0"/>
-          <a:chOff x="0" y="0"/>
-          <a:chExt cx="0" cy="0"/>
-        </a:xfrm>
-      </p:grpSpPr>
-      <p:sp>
-        <p:nvSpPr>
-          <p:cNvPr id="203778" name="Rectangle 2"/>
-          <p:cNvSpPr>
-            <a:spLocks noGrp="1" noChangeArrowheads="1"/>
-          </p:cNvSpPr>
-          <p:nvPr>
-            <p:ph type="title"/>
-          </p:nvPr>
-        </p:nvSpPr>
-        <p:spPr bwMode="auto">
-          <a:ln>
-            <a:noFill/>
-            <a:miter lim="800000"/>
-            <a:headEnd/>
-            <a:tailEnd/>
-          </a:ln>
-        </p:spPr>
-        <p:txBody>
-          <a:bodyPr vert="horz" wrap="square" lIns="91440" tIns="45720" rIns="91440" bIns="45720" numCol="1" anchor="t" anchorCtr="0" compatLnSpc="1">
-            <a:prstTxWarp prst="textNoShape">
-              <a:avLst/>
-            </a:prstTxWarp>
-          </a:bodyPr>
-          <a:lstStyle/>
-          <a:p>
-            <a:pPr algn="r">
-              <a:defRPr/>
-            </a:pPr>
-            <a:r>
-              <a:rPr lang="en-US" dirty="0" smtClean="0"/>
-              <a:t>What is this “MVC” thing?</a:t>
-            </a:r>
-          </a:p>
-        </p:txBody>
-      </p:sp>
-      <p:sp>
-        <p:nvSpPr>
-          <p:cNvPr id="20484" name="Text Placeholder 2"/>
-          <p:cNvSpPr>
-            <a:spLocks noGrp="1"/>
-          </p:cNvSpPr>
-          <p:nvPr>
-            <p:ph type="body" sz="half" idx="1"/>
-          </p:nvPr>
-        </p:nvSpPr>
-        <p:spPr bwMode="auto">
-          <a:xfrm>
-            <a:off x="457200" y="1600200"/>
-            <a:ext cx="8039100" cy="4525963"/>
-          </a:xfrm>
-          <a:noFill/>
-          <a:ln>
-            <a:miter lim="800000"/>
-            <a:headEnd/>
-            <a:tailEnd/>
-          </a:ln>
-        </p:spPr>
-        <p:txBody>
-          <a:bodyPr vert="horz" wrap="square" lIns="91440" tIns="45720" rIns="91440" bIns="45720" numCol="1" anchor="t" anchorCtr="0" compatLnSpc="1">
-            <a:prstTxWarp prst="textNoShape">
-              <a:avLst/>
-            </a:prstTxWarp>
-            <a:normAutofit/>
-          </a:bodyPr>
-          <a:lstStyle/>
-          <a:p>
-            <a:r>
-              <a:rPr lang="en-US" sz="2400" dirty="0" smtClean="0"/>
-              <a:t>Transparency</a:t>
-            </a:r>
-          </a:p>
-          <a:p>
-            <a:pPr lvl="1"/>
-            <a:r>
-              <a:rPr lang="en-US" sz="2400" dirty="0" smtClean="0"/>
-              <a:t>It’s easy to see the “what’s” and the “how’s” of your application</a:t>
-            </a:r>
-          </a:p>
-          <a:p>
-            <a:r>
-              <a:rPr lang="en-US" sz="2400" dirty="0" smtClean="0"/>
-              <a:t>Light Objects</a:t>
-            </a:r>
-          </a:p>
-          <a:p>
-            <a:pPr lvl="1"/>
-            <a:r>
-              <a:rPr lang="en-US" sz="2400" dirty="0" smtClean="0"/>
-              <a:t>Less likely for your application to suffer from “code bloat”</a:t>
-            </a:r>
-          </a:p>
-          <a:p>
-            <a:r>
-              <a:rPr lang="en-US" sz="2400" dirty="0" smtClean="0"/>
-              <a:t>All of these pieces yield a system that is</a:t>
-            </a:r>
-          </a:p>
-          <a:p>
-            <a:pPr lvl="1"/>
-            <a:r>
-              <a:rPr lang="en-US" sz="2400" dirty="0" smtClean="0"/>
-              <a:t>Componentized</a:t>
-            </a:r>
-          </a:p>
-          <a:p>
-            <a:pPr lvl="1"/>
-            <a:r>
-              <a:rPr lang="en-US" sz="2400" dirty="0" smtClean="0"/>
-              <a:t>Testable</a:t>
-            </a:r>
-          </a:p>
-          <a:p>
-            <a:pPr lvl="1"/>
-            <a:r>
-              <a:rPr lang="en-US" sz="2400" dirty="0" smtClean="0"/>
-              <a:t>Maintainable</a:t>
-            </a:r>
-          </a:p>
-        </p:txBody>
-      </p:sp>
-    </p:spTree>
-  </p:cSld>
-  <p:clrMapOvr>
-    <a:masterClrMapping/>
-  </p:clrMapOvr>
-  <p:transition/>
-  <p:timing>
-    <p:tnLst>
-      <p:par>
-        <p:cTn id="1" dur="indefinite" restart="never" nodeType="tmRoot"/>
-      </p:par>
-    </p:tnLst>
-  </p:timing>
-</p:sld>
-</file>
-
 <file path=ppt/slides/slide21.xml><?xml version="1.0" encoding="utf-8"?>
 <p:sld xmlns:a="http://schemas.openxmlformats.org/drawingml/2006/main" xmlns:r="http://schemas.openxmlformats.org/officeDocument/2006/relationships" xmlns:p="http://schemas.openxmlformats.org/presentationml/2006/main">
   <p:cSld>
@@ -11219,14 +11701,14 @@
             </a:pPr>
             <a:r>
               <a:rPr lang="en-US" dirty="0" smtClean="0"/>
-              <a:t>MVC On ASP.NET</a:t>
-            </a:r>
-          </a:p>
-        </p:txBody>
-      </p:sp>
-      <p:sp>
-        <p:nvSpPr>
-          <p:cNvPr id="21508" name="Text Placeholder 2"/>
+              <a:t>What is this “MVC” thing?</a:t>
+            </a:r>
+          </a:p>
+        </p:txBody>
+      </p:sp>
+      <p:sp>
+        <p:nvSpPr>
+          <p:cNvPr id="18436" name="Text Placeholder 2"/>
           <p:cNvSpPr>
             <a:spLocks noGrp="1"/>
           </p:cNvSpPr>
@@ -11251,88 +11733,47 @@
             <a:prstTxWarp prst="textNoShape">
               <a:avLst/>
             </a:prstTxWarp>
-            <a:noAutofit/>
+            <a:normAutofit/>
           </a:bodyPr>
           <a:lstStyle/>
           <a:p>
             <a:r>
-              <a:rPr lang="en-US" sz="2400" dirty="0" err="1" smtClean="0"/>
-              <a:t>MonoRail</a:t>
-            </a:r>
+              <a:rPr lang="en-US" sz="2400" dirty="0" smtClean="0"/>
+              <a:t>Separation of Concerns</a:t>
+            </a:r>
+          </a:p>
+          <a:p>
+            <a:pPr lvl="1"/>
+            <a:r>
+              <a:rPr lang="en-US" sz="2400" dirty="0" smtClean="0"/>
+              <a:t>Loose coupling and little overlap</a:t>
+            </a:r>
+          </a:p>
+          <a:p>
+            <a:pPr lvl="1"/>
+            <a:r>
+              <a:rPr lang="en-US" sz="2400" dirty="0" smtClean="0"/>
+              <a:t>A concern is any piece of interest or focus in a program</a:t>
+            </a:r>
+          </a:p>
+          <a:p>
+            <a:r>
+              <a:rPr lang="en-US" sz="2400" dirty="0" smtClean="0"/>
+              <a:t>Single Responsibility</a:t>
+            </a:r>
+          </a:p>
+          <a:p>
+            <a:pPr lvl="1"/>
+            <a:r>
+              <a:rPr lang="en-US" sz="2400" dirty="0" smtClean="0"/>
+              <a:t>One piece of the pattern focuses on delivering just ONE thing</a:t>
+            </a:r>
+          </a:p>
+          <a:p>
             <a:endParaRPr lang="en-US" sz="2400" dirty="0" smtClean="0"/>
           </a:p>
-          <a:p>
-            <a:pPr lvl="1"/>
-            <a:r>
-              <a:rPr lang="en-US" sz="2400" dirty="0" smtClean="0"/>
-              <a:t>Open Source project</a:t>
-            </a:r>
-          </a:p>
-          <a:p>
-            <a:pPr lvl="1"/>
-            <a:r>
-              <a:rPr lang="en-US" sz="2400" dirty="0" smtClean="0"/>
-              <a:t>Built on .NET 2.0</a:t>
-            </a:r>
-          </a:p>
-          <a:p>
-            <a:pPr lvl="1"/>
-            <a:r>
-              <a:rPr lang="en-US" sz="2400" dirty="0" smtClean="0"/>
-              <a:t>Parallels Rails or </a:t>
-            </a:r>
-            <a:r>
-              <a:rPr lang="en-US" sz="2400" dirty="0" err="1" smtClean="0"/>
-              <a:t>SpringMVC</a:t>
-            </a:r>
-            <a:endParaRPr lang="en-US" sz="2400" dirty="0" smtClean="0"/>
-          </a:p>
-          <a:p>
-            <a:pPr lvl="1"/>
-            <a:r>
-              <a:rPr lang="en-US" sz="2400" dirty="0" smtClean="0"/>
-              <a:t>Uses other open source </a:t>
-            </a:r>
-            <a:r>
-              <a:rPr lang="en-US" sz="2400" dirty="0" smtClean="0"/>
-              <a:t>projects</a:t>
-            </a:r>
-            <a:endParaRPr lang="en-US" sz="2400" dirty="0" smtClean="0"/>
-          </a:p>
-        </p:txBody>
-      </p:sp>
-      <p:pic>
-        <p:nvPicPr>
-          <p:cNvPr id="21509" name="Picture 2" descr="C:\Users\javier\Desktop\mr_rawlogo.gif"/>
-          <p:cNvPicPr>
-            <a:picLocks noChangeAspect="1" noChangeArrowheads="1"/>
-          </p:cNvPicPr>
-          <p:nvPr/>
-        </p:nvPicPr>
-        <p:blipFill>
-          <a:blip r:embed="rId3" cstate="print"/>
-          <a:srcRect/>
-          <a:stretch>
-            <a:fillRect/>
-          </a:stretch>
-        </p:blipFill>
-        <p:spPr bwMode="auto">
-          <a:xfrm>
-            <a:off x="6477000" y="1609725"/>
-            <a:ext cx="1819275" cy="1171575"/>
-          </a:xfrm>
-          <a:prstGeom prst="rect">
-            <a:avLst/>
-          </a:prstGeom>
-          <a:noFill/>
-          <a:ln w="9525">
-            <a:noFill/>
-            <a:miter lim="800000"/>
-            <a:headEnd/>
-            <a:tailEnd/>
-          </a:ln>
-        </p:spPr>
-      </p:pic>
+        </p:txBody>
+      </p:sp>
     </p:spTree>
   </p:cSld>
   <p:clrMapOvr>
@@ -11397,14 +11838,14 @@
             </a:pPr>
             <a:r>
               <a:rPr lang="en-US" dirty="0" smtClean="0"/>
-              <a:t>MVC On ASP.NET</a:t>
-            </a:r>
-          </a:p>
-        </p:txBody>
-      </p:sp>
-      <p:sp>
-        <p:nvSpPr>
-          <p:cNvPr id="21508" name="Text Placeholder 2"/>
+              <a:t>What is this “MVC” thing?</a:t>
+            </a:r>
+          </a:p>
+        </p:txBody>
+      </p:sp>
+      <p:sp>
+        <p:nvSpPr>
+          <p:cNvPr id="19460" name="Text Placeholder 2"/>
           <p:cNvSpPr>
             <a:spLocks noGrp="1"/>
           </p:cNvSpPr>
@@ -11429,72 +11870,43 @@
             <a:prstTxWarp prst="textNoShape">
               <a:avLst/>
             </a:prstTxWarp>
-            <a:noAutofit/>
+            <a:normAutofit/>
           </a:bodyPr>
           <a:lstStyle/>
           <a:p>
             <a:r>
               <a:rPr lang="en-US" sz="2400" dirty="0" smtClean="0"/>
-              <a:t>ASP.NET MVC (MSMVC)</a:t>
-            </a:r>
+              <a:t>Transparency</a:t>
+            </a:r>
+          </a:p>
+          <a:p>
+            <a:pPr lvl="1"/>
+            <a:r>
+              <a:rPr lang="en-US" sz="2400" dirty="0" smtClean="0"/>
+              <a:t>It’s easy to see the “what’s” and the “how’s” of your application</a:t>
+            </a:r>
+          </a:p>
+          <a:p>
+            <a:r>
+              <a:rPr lang="en-US" sz="2400" dirty="0" smtClean="0"/>
+              <a:t>Light Objects</a:t>
+            </a:r>
+          </a:p>
+          <a:p>
+            <a:pPr lvl="1"/>
+            <a:r>
+              <a:rPr lang="en-US" sz="2400" dirty="0" smtClean="0"/>
+              <a:t>Less likely for your application to suffer from “code bloat”</a:t>
+            </a:r>
+          </a:p>
+          <a:p>
             <a:endParaRPr lang="en-US" sz="2400" dirty="0" smtClean="0"/>
           </a:p>
           <a:p>
-            <a:pPr lvl="1"/>
-            <a:r>
-              <a:rPr lang="en-US" sz="2400" dirty="0" smtClean="0"/>
-              <a:t>Developed by Microsoft</a:t>
-            </a:r>
-          </a:p>
-          <a:p>
-            <a:pPr lvl="1"/>
-            <a:r>
-              <a:rPr lang="en-US" sz="2400" dirty="0" smtClean="0"/>
-              <a:t>Built on .NET 3.5</a:t>
-            </a:r>
-          </a:p>
-          <a:p>
-            <a:pPr lvl="1"/>
-            <a:r>
-              <a:rPr lang="en-US" sz="2400" dirty="0" smtClean="0"/>
-              <a:t>Currently in v2</a:t>
-            </a:r>
             <a:endParaRPr lang="en-US" sz="2400" dirty="0" smtClean="0"/>
           </a:p>
         </p:txBody>
       </p:sp>
-      <p:pic>
-        <p:nvPicPr>
-          <p:cNvPr id="21510" name="Picture 2" descr="C:\Users\javier\Desktop\asp_net_logo.gif"/>
-          <p:cNvPicPr>
-            <a:picLocks noChangeAspect="1" noChangeArrowheads="1"/>
-          </p:cNvPicPr>
-          <p:nvPr/>
-        </p:nvPicPr>
-        <p:blipFill>
-          <a:blip r:embed="rId3" cstate="print"/>
-          <a:srcRect/>
-          <a:stretch>
-            <a:fillRect/>
-          </a:stretch>
-        </p:blipFill>
-        <p:spPr bwMode="auto">
-          <a:xfrm>
-            <a:off x="6324600" y="1676400"/>
-            <a:ext cx="1885950" cy="735013"/>
-          </a:xfrm>
-          <a:prstGeom prst="rect">
-            <a:avLst/>
-          </a:prstGeom>
-          <a:noFill/>
-          <a:ln w="9525">
-            <a:noFill/>
-            <a:miter lim="800000"/>
-            <a:headEnd/>
-            <a:tailEnd/>
-          </a:ln>
-        </p:spPr>
-      </p:pic>
     </p:spTree>
   </p:cSld>
   <p:clrMapOvr>
@@ -11559,14 +11971,14 @@
             </a:pPr>
             <a:r>
               <a:rPr lang="en-US" dirty="0" smtClean="0"/>
-              <a:t>MVC On ASP.NET</a:t>
-            </a:r>
-          </a:p>
-        </p:txBody>
-      </p:sp>
-      <p:sp>
-        <p:nvSpPr>
-          <p:cNvPr id="21508" name="Text Placeholder 2"/>
+              <a:t>What is this “MVC” thing?</a:t>
+            </a:r>
+          </a:p>
+        </p:txBody>
+      </p:sp>
+      <p:sp>
+        <p:nvSpPr>
+          <p:cNvPr id="20484" name="Text Placeholder 2"/>
           <p:cNvSpPr>
             <a:spLocks noGrp="1"/>
           </p:cNvSpPr>
@@ -11596,37 +12008,56 @@
           <a:lstStyle/>
           <a:p>
             <a:r>
-              <a:rPr lang="en-US" sz="2400" dirty="0" err="1" smtClean="0"/>
-              <a:t>FubuMVC</a:t>
-            </a:r>
-            <a:endParaRPr lang="en-US" sz="2400" dirty="0" smtClean="0"/>
+              <a:rPr lang="en-US" sz="2400" dirty="0" smtClean="0"/>
+              <a:t>Transparency</a:t>
+            </a:r>
           </a:p>
           <a:p>
             <a:pPr lvl="1"/>
             <a:r>
               <a:rPr lang="en-US" sz="2400" dirty="0" smtClean="0"/>
-              <a:t>Open Source project</a:t>
+              <a:t>It’s easy to see the “what’s” and the “how’s” of your application</a:t>
+            </a:r>
+          </a:p>
+          <a:p>
+            <a:r>
+              <a:rPr lang="en-US" sz="2400" dirty="0" smtClean="0"/>
+              <a:t>Light Objects</a:t>
             </a:r>
           </a:p>
           <a:p>
             <a:pPr lvl="1"/>
             <a:r>
               <a:rPr lang="en-US" sz="2400" dirty="0" smtClean="0"/>
-              <a:t>Built on .NET </a:t>
-            </a:r>
+              <a:t>Less likely for your application to suffer from “code bloat”</a:t>
+            </a:r>
+          </a:p>
+          <a:p>
             <a:r>
               <a:rPr lang="en-US" sz="2400" dirty="0" smtClean="0"/>
-              <a:t>3.6</a:t>
-            </a:r>
-            <a:endParaRPr lang="en-US" sz="2400" dirty="0" smtClean="0"/>
+              <a:t>All of these pieces yield a system that is</a:t>
+            </a:r>
           </a:p>
           <a:p>
             <a:pPr lvl="1"/>
             <a:r>
               <a:rPr lang="en-US" sz="2400" dirty="0" smtClean="0"/>
-              <a:t>ALT.NET based</a:t>
-            </a:r>
-            <a:endParaRPr lang="en-US" sz="2400" dirty="0" smtClean="0"/>
+              <a:t>Componentized</a:t>
+            </a:r>
+          </a:p>
+          <a:p>
+            <a:pPr lvl="1"/>
+            <a:r>
+              <a:rPr lang="en-US" sz="2400" dirty="0" smtClean="0"/>
+              <a:t>Testable</a:t>
+            </a:r>
+          </a:p>
+          <a:p>
+            <a:pPr lvl="1"/>
+            <a:r>
+              <a:rPr lang="en-US" sz="2400" dirty="0" smtClean="0"/>
+              <a:t>Maintainable</a:t>
+            </a:r>
           </a:p>
         </p:txBody>
       </p:sp>
@@ -11694,14 +12125,86 @@
             </a:pPr>
             <a:r>
               <a:rPr lang="en-US" dirty="0" smtClean="0"/>
-              <a:t>Demo</a:t>
+              <a:t>MVC On ASP.NET</a:t>
+            </a:r>
+          </a:p>
+        </p:txBody>
+      </p:sp>
+      <p:sp>
+        <p:nvSpPr>
+          <p:cNvPr id="21508" name="Text Placeholder 2"/>
+          <p:cNvSpPr>
+            <a:spLocks noGrp="1"/>
+          </p:cNvSpPr>
+          <p:nvPr>
+            <p:ph type="body" sz="half" idx="1"/>
+          </p:nvPr>
+        </p:nvSpPr>
+        <p:spPr bwMode="auto">
+          <a:xfrm>
+            <a:off x="457200" y="1600200"/>
+            <a:ext cx="8039100" cy="4525963"/>
+          </a:xfrm>
+          <a:noFill/>
+          <a:ln>
+            <a:miter lim="800000"/>
+            <a:headEnd/>
+            <a:tailEnd/>
+          </a:ln>
+        </p:spPr>
+        <p:txBody>
+          <a:bodyPr vert="horz" wrap="square" lIns="91440" tIns="45720" rIns="91440" bIns="45720" numCol="1" anchor="t" anchorCtr="0" compatLnSpc="1">
+            <a:prstTxWarp prst="textNoShape">
+              <a:avLst/>
+            </a:prstTxWarp>
+            <a:noAutofit/>
+          </a:bodyPr>
+          <a:lstStyle/>
+          <a:p>
+            <a:r>
+              <a:rPr lang="en-US" sz="2400" dirty="0" err="1" smtClean="0"/>
+              <a:t>MonoRail</a:t>
+            </a:r>
+            <a:endParaRPr lang="en-US" sz="2400" dirty="0" smtClean="0"/>
+          </a:p>
+          <a:p>
+            <a:pPr lvl="1"/>
+            <a:r>
+              <a:rPr lang="en-US" sz="2400" dirty="0" smtClean="0"/>
+              <a:t>Open Source project</a:t>
+            </a:r>
+          </a:p>
+          <a:p>
+            <a:pPr lvl="1"/>
+            <a:r>
+              <a:rPr lang="en-US" sz="2400" dirty="0" smtClean="0"/>
+              <a:t>Built on .NET 2.0</a:t>
+            </a:r>
+          </a:p>
+          <a:p>
+            <a:pPr lvl="1"/>
+            <a:r>
+              <a:rPr lang="en-US" sz="2400" dirty="0" smtClean="0"/>
+              <a:t>Parallels Rails or </a:t>
+            </a:r>
+            <a:r>
+              <a:rPr lang="en-US" sz="2400" dirty="0" err="1" smtClean="0"/>
+              <a:t>SpringMVC</a:t>
+            </a:r>
+            <a:endParaRPr lang="en-US" sz="2400" dirty="0" smtClean="0"/>
+          </a:p>
+          <a:p>
+            <a:pPr lvl="1"/>
+            <a:r>
+              <a:rPr lang="en-US" sz="2400" dirty="0" smtClean="0"/>
+              <a:t>Uses other open source projects</a:t>
             </a:r>
           </a:p>
         </p:txBody>
       </p:sp>
       <p:pic>
         <p:nvPicPr>
-          <p:cNvPr id="25605" name="Picture 2" descr="C:\Users\javier\Desktop\asp_net_logo.gif"/>
+          <p:cNvPr id="21509" name="Picture 2" descr="C:\Users\javier\Desktop\mr_rawlogo.gif"/>
           <p:cNvPicPr>
             <a:picLocks noChangeAspect="1" noChangeArrowheads="1"/>
           </p:cNvPicPr>
@@ -11716,8 +12219,8 @@
         </p:blipFill>
         <p:spPr bwMode="auto">
           <a:xfrm>
-            <a:off x="3657600" y="3124200"/>
-            <a:ext cx="1885950" cy="733425"/>
+            <a:off x="6477000" y="1609725"/>
+            <a:ext cx="1819275" cy="1171575"/>
           </a:xfrm>
           <a:prstGeom prst="rect">
             <a:avLst/>
@@ -11795,14 +12298,14 @@
             </a:pPr>
             <a:r>
               <a:rPr lang="en-US" dirty="0" smtClean="0"/>
-              <a:t>Recap</a:t>
-            </a:r>
-          </a:p>
-        </p:txBody>
-      </p:sp>
-      <p:sp>
-        <p:nvSpPr>
-          <p:cNvPr id="26628" name="Text Placeholder 2"/>
+              <a:t>MVC On ASP.NET</a:t>
+            </a:r>
+          </a:p>
+        </p:txBody>
+      </p:sp>
+      <p:sp>
+        <p:nvSpPr>
+          <p:cNvPr id="21508" name="Text Placeholder 2"/>
           <p:cNvSpPr>
             <a:spLocks noGrp="1"/>
           </p:cNvSpPr>
@@ -11827,29 +12330,70 @@
             <a:prstTxWarp prst="textNoShape">
               <a:avLst/>
             </a:prstTxWarp>
-            <a:normAutofit/>
+            <a:noAutofit/>
           </a:bodyPr>
           <a:lstStyle/>
           <a:p>
             <a:r>
               <a:rPr lang="en-US" sz="2400" dirty="0" smtClean="0"/>
-              <a:t>MVC is a pattern, not a technology</a:t>
-            </a:r>
-          </a:p>
-          <a:p>
+              <a:t>ASP.NET MVC (MSMVC)</a:t>
+            </a:r>
+          </a:p>
+          <a:p>
+            <a:pPr lvl="1"/>
             <a:r>
               <a:rPr lang="en-US" sz="2400" dirty="0" smtClean="0"/>
-              <a:t>It’s YOUR choice to use</a:t>
-            </a:r>
-          </a:p>
-          <a:p>
+              <a:t>Developed by Microsoft</a:t>
+            </a:r>
+          </a:p>
+          <a:p>
+            <a:pPr lvl="1"/>
             <a:r>
               <a:rPr lang="en-US" sz="2400" dirty="0" smtClean="0"/>
-              <a:t>Gives you more control and less coupling</a:t>
-            </a:r>
-          </a:p>
-        </p:txBody>
-      </p:sp>
+              <a:t>Built on .NET 3.5</a:t>
+            </a:r>
+          </a:p>
+          <a:p>
+            <a:pPr lvl="1"/>
+            <a:r>
+              <a:rPr lang="en-US" sz="2400" dirty="0" smtClean="0"/>
+              <a:t>Currently in v2</a:t>
+            </a:r>
+          </a:p>
+        </p:txBody>
+      </p:sp>
+      <p:pic>
+        <p:nvPicPr>
+          <p:cNvPr id="21510" name="Picture 2" descr="C:\Users\javier\Desktop\asp_net_logo.gif"/>
+          <p:cNvPicPr>
+            <a:picLocks noChangeAspect="1" noChangeArrowheads="1"/>
+          </p:cNvPicPr>
+          <p:nvPr/>
+        </p:nvPicPr>
+        <p:blipFill>
+          <a:blip r:embed="rId3" cstate="print"/>
+          <a:srcRect/>
+          <a:stretch>
+            <a:fillRect/>
+          </a:stretch>
+        </p:blipFill>
+        <p:spPr bwMode="auto">
+          <a:xfrm>
+            <a:off x="6324600" y="1676400"/>
+            <a:ext cx="1885950" cy="735013"/>
+          </a:xfrm>
+          <a:prstGeom prst="rect">
+            <a:avLst/>
+          </a:prstGeom>
+          <a:noFill/>
+          <a:ln w="9525">
+            <a:noFill/>
+            <a:miter lim="800000"/>
+            <a:headEnd/>
+            <a:tailEnd/>
+          </a:ln>
+        </p:spPr>
+      </p:pic>
     </p:spTree>
   </p:cSld>
   <p:clrMapOvr>
@@ -11914,14 +12458,14 @@
             </a:pPr>
             <a:r>
               <a:rPr lang="en-US" dirty="0" smtClean="0"/>
-              <a:t>Recap</a:t>
-            </a:r>
-          </a:p>
-        </p:txBody>
-      </p:sp>
-      <p:sp>
-        <p:nvSpPr>
-          <p:cNvPr id="27652" name="Text Placeholder 2"/>
+              <a:t>MVC On ASP.NET</a:t>
+            </a:r>
+          </a:p>
+        </p:txBody>
+      </p:sp>
+      <p:sp>
+        <p:nvSpPr>
+          <p:cNvPr id="21508" name="Text Placeholder 2"/>
           <p:cNvSpPr>
             <a:spLocks noGrp="1"/>
           </p:cNvSpPr>
@@ -11951,42 +12495,30 @@
           <a:lstStyle/>
           <a:p>
             <a:r>
+              <a:rPr lang="en-US" sz="2400" dirty="0" err="1" smtClean="0"/>
+              <a:t>FubuMVC</a:t>
+            </a:r>
+            <a:endParaRPr lang="en-US" sz="2400" dirty="0" smtClean="0"/>
+          </a:p>
+          <a:p>
+            <a:pPr lvl="1"/>
+            <a:r>
               <a:rPr lang="en-US" sz="2400" dirty="0" smtClean="0"/>
-              <a:t>Closer to the HTTP “metal”</a:t>
-            </a:r>
-          </a:p>
-          <a:p>
+              <a:t>Open Source project</a:t>
+            </a:r>
+          </a:p>
+          <a:p>
+            <a:pPr lvl="1"/>
             <a:r>
               <a:rPr lang="en-US" sz="2400" dirty="0" smtClean="0"/>
-              <a:t>Out of the box:</a:t>
+              <a:t>Built on .NET 3.6</a:t>
             </a:r>
           </a:p>
           <a:p>
             <a:pPr lvl="1"/>
             <a:r>
               <a:rPr lang="en-US" sz="2400" dirty="0" smtClean="0"/>
-              <a:t>Separation of Concerns</a:t>
-            </a:r>
-          </a:p>
-          <a:p>
-            <a:pPr lvl="1"/>
-            <a:r>
-              <a:rPr lang="en-US" sz="2400" dirty="0" smtClean="0"/>
-              <a:t>Single Responsibility</a:t>
-            </a:r>
-          </a:p>
-          <a:p>
-            <a:pPr lvl="1"/>
-            <a:r>
-              <a:rPr lang="en-US" sz="2400" dirty="0" smtClean="0"/>
-              <a:t>Transparency</a:t>
-            </a:r>
-          </a:p>
-          <a:p>
-            <a:pPr lvl="1"/>
-            <a:r>
-              <a:rPr lang="en-US" sz="2400" dirty="0" smtClean="0"/>
-              <a:t>Light Objects</a:t>
+              <a:t>ALT.NET based</a:t>
             </a:r>
           </a:p>
         </p:txBody>
@@ -12055,53 +12587,43 @@
             </a:pPr>
             <a:r>
               <a:rPr lang="en-US" dirty="0" smtClean="0"/>
-              <a:t>Questions?</a:t>
-            </a:r>
-          </a:p>
-        </p:txBody>
-      </p:sp>
-      <p:sp>
-        <p:nvSpPr>
-          <p:cNvPr id="28676" name="Text Placeholder 2"/>
-          <p:cNvSpPr>
-            <a:spLocks noGrp="1"/>
-          </p:cNvSpPr>
-          <p:nvPr>
-            <p:ph type="body" sz="half" idx="1"/>
-          </p:nvPr>
-        </p:nvSpPr>
+              <a:t>Demo</a:t>
+            </a:r>
+          </a:p>
+        </p:txBody>
+      </p:sp>
+      <p:pic>
+        <p:nvPicPr>
+          <p:cNvPr id="25605" name="Picture 2" descr="C:\Users\javier\Desktop\asp_net_logo.gif"/>
+          <p:cNvPicPr>
+            <a:picLocks noChangeAspect="1" noChangeArrowheads="1"/>
+          </p:cNvPicPr>
+          <p:nvPr/>
+        </p:nvPicPr>
+        <p:blipFill>
+          <a:blip r:embed="rId3" cstate="print"/>
+          <a:srcRect/>
+          <a:stretch>
+            <a:fillRect/>
+          </a:stretch>
+        </p:blipFill>
         <p:spPr bwMode="auto">
           <a:xfrm>
-            <a:off x="1628775" y="3140075"/>
-            <a:ext cx="6230938" cy="577850"/>
+            <a:off x="3657600" y="3124200"/>
+            <a:ext cx="1885950" cy="733425"/>
           </a:xfrm>
-          <a:noFill/>
-          <a:ln>
+          <a:prstGeom prst="rect">
+            <a:avLst/>
+          </a:prstGeom>
+          <a:noFill/>
+          <a:ln w="9525">
+            <a:noFill/>
             <a:miter lim="800000"/>
             <a:headEnd/>
             <a:tailEnd/>
           </a:ln>
         </p:spPr>
-        <p:txBody>
-          <a:bodyPr vert="horz" wrap="square" lIns="91440" tIns="45720" rIns="91440" bIns="45720" numCol="1" anchor="ctr" anchorCtr="0" compatLnSpc="1">
-            <a:prstTxWarp prst="textNoShape">
-              <a:avLst/>
-            </a:prstTxWarp>
-            <a:normAutofit lnSpcReduction="10000"/>
-          </a:bodyPr>
-          <a:lstStyle/>
-          <a:p>
-            <a:pPr algn="ctr">
-              <a:buFont typeface="Wingdings" pitchFamily="-64" charset="2"/>
-              <a:buNone/>
-            </a:pPr>
-            <a:r>
-              <a:rPr lang="en-US" sz="3200" dirty="0" smtClean="0"/>
-              <a:t>Clear as mud?</a:t>
-            </a:r>
-          </a:p>
-        </p:txBody>
-      </p:sp>
+      </p:pic>
     </p:spTree>
   </p:cSld>
   <p:clrMapOvr>
@@ -12166,15 +12688,14 @@
             </a:pPr>
             <a:r>
               <a:rPr lang="en-US" dirty="0" smtClean="0"/>
-              <a:t>THANKS!</a:t>
-            </a:r>
-            <a:endParaRPr lang="en-US" dirty="0" smtClean="0"/>
-          </a:p>
-        </p:txBody>
-      </p:sp>
-      <p:sp>
-        <p:nvSpPr>
-          <p:cNvPr id="29700" name="Text Placeholder 5"/>
+              <a:t>Recap</a:t>
+            </a:r>
+          </a:p>
+        </p:txBody>
+      </p:sp>
+      <p:sp>
+        <p:nvSpPr>
+          <p:cNvPr id="26628" name="Text Placeholder 2"/>
           <p:cNvSpPr>
             <a:spLocks noGrp="1"/>
           </p:cNvSpPr>
@@ -12185,7 +12706,7 @@
         <p:spPr bwMode="auto">
           <a:xfrm>
             <a:off x="457200" y="1600200"/>
-            <a:ext cx="7896225" cy="4525963"/>
+            <a:ext cx="8039100" cy="4525963"/>
           </a:xfrm>
           <a:noFill/>
           <a:ln>
@@ -12205,59 +12726,161 @@
           <a:p>
             <a:r>
               <a:rPr lang="en-US" sz="2400" dirty="0" smtClean="0"/>
-              <a:t>Email</a:t>
+              <a:t>MVC is a pattern, not a technology</a:t>
+            </a:r>
+          </a:p>
+          <a:p>
+            <a:r>
+              <a:rPr lang="en-US" sz="2400" dirty="0" smtClean="0"/>
+              <a:t>It’s YOUR choice to use</a:t>
+            </a:r>
+          </a:p>
+          <a:p>
+            <a:r>
+              <a:rPr lang="en-US" sz="2400" dirty="0" smtClean="0"/>
+              <a:t>Gives you more control and less coupling</a:t>
+            </a:r>
+          </a:p>
+        </p:txBody>
+      </p:sp>
+    </p:spTree>
+  </p:cSld>
+  <p:clrMapOvr>
+    <a:masterClrMapping/>
+  </p:clrMapOvr>
+  <p:transition/>
+  <p:timing>
+    <p:tnLst>
+      <p:par>
+        <p:cTn id="1" dur="indefinite" restart="never" nodeType="tmRoot"/>
+      </p:par>
+    </p:tnLst>
+  </p:timing>
+</p:sld>
+</file>
+
+<file path=ppt/slides/slide29.xml><?xml version="1.0" encoding="utf-8"?>
+<p:sld xmlns:a="http://schemas.openxmlformats.org/drawingml/2006/main" xmlns:r="http://schemas.openxmlformats.org/officeDocument/2006/relationships" xmlns:p="http://schemas.openxmlformats.org/presentationml/2006/main">
+  <p:cSld>
+    <p:spTree>
+      <p:nvGrpSpPr>
+        <p:cNvPr id="1" name=""/>
+        <p:cNvGrpSpPr/>
+        <p:nvPr/>
+      </p:nvGrpSpPr>
+      <p:grpSpPr>
+        <a:xfrm>
+          <a:off x="0" y="0"/>
+          <a:ext cx="0" cy="0"/>
+          <a:chOff x="0" y="0"/>
+          <a:chExt cx="0" cy="0"/>
+        </a:xfrm>
+      </p:grpSpPr>
+      <p:sp>
+        <p:nvSpPr>
+          <p:cNvPr id="203778" name="Rectangle 2"/>
+          <p:cNvSpPr>
+            <a:spLocks noGrp="1" noChangeArrowheads="1"/>
+          </p:cNvSpPr>
+          <p:nvPr>
+            <p:ph type="title"/>
+          </p:nvPr>
+        </p:nvSpPr>
+        <p:spPr bwMode="auto">
+          <a:ln>
+            <a:noFill/>
+            <a:miter lim="800000"/>
+            <a:headEnd/>
+            <a:tailEnd/>
+          </a:ln>
+        </p:spPr>
+        <p:txBody>
+          <a:bodyPr vert="horz" wrap="square" lIns="91440" tIns="45720" rIns="91440" bIns="45720" numCol="1" anchor="t" anchorCtr="0" compatLnSpc="1">
+            <a:prstTxWarp prst="textNoShape">
+              <a:avLst/>
+            </a:prstTxWarp>
+          </a:bodyPr>
+          <a:lstStyle/>
+          <a:p>
+            <a:pPr algn="r">
+              <a:defRPr/>
+            </a:pPr>
+            <a:r>
+              <a:rPr lang="en-US" dirty="0" smtClean="0"/>
+              <a:t>Recap</a:t>
+            </a:r>
+          </a:p>
+        </p:txBody>
+      </p:sp>
+      <p:sp>
+        <p:nvSpPr>
+          <p:cNvPr id="27652" name="Text Placeholder 2"/>
+          <p:cNvSpPr>
+            <a:spLocks noGrp="1"/>
+          </p:cNvSpPr>
+          <p:nvPr>
+            <p:ph type="body" sz="half" idx="1"/>
+          </p:nvPr>
+        </p:nvSpPr>
+        <p:spPr bwMode="auto">
+          <a:xfrm>
+            <a:off x="457200" y="1600200"/>
+            <a:ext cx="8039100" cy="4525963"/>
+          </a:xfrm>
+          <a:noFill/>
+          <a:ln>
+            <a:miter lim="800000"/>
+            <a:headEnd/>
+            <a:tailEnd/>
+          </a:ln>
+        </p:spPr>
+        <p:txBody>
+          <a:bodyPr vert="horz" wrap="square" lIns="91440" tIns="45720" rIns="91440" bIns="45720" numCol="1" anchor="t" anchorCtr="0" compatLnSpc="1">
+            <a:prstTxWarp prst="textNoShape">
+              <a:avLst/>
+            </a:prstTxWarp>
+            <a:normAutofit/>
+          </a:bodyPr>
+          <a:lstStyle/>
+          <a:p>
+            <a:r>
+              <a:rPr lang="en-US" sz="2400" dirty="0" smtClean="0"/>
+              <a:t>Closer to the HTTP “metal”</a:t>
+            </a:r>
+          </a:p>
+          <a:p>
+            <a:r>
+              <a:rPr lang="en-US" sz="2400" dirty="0" smtClean="0"/>
+              <a:t>Out of the box:</a:t>
             </a:r>
           </a:p>
           <a:p>
             <a:pPr lvl="1"/>
             <a:r>
               <a:rPr lang="en-US" sz="2400" dirty="0" smtClean="0"/>
-              <a:t>javier@lozanotek.com</a:t>
-            </a:r>
-          </a:p>
-          <a:p>
+              <a:t>Separation of Concerns</a:t>
+            </a:r>
+          </a:p>
+          <a:p>
+            <a:pPr lvl="1"/>
             <a:r>
               <a:rPr lang="en-US" sz="2400" dirty="0" smtClean="0"/>
-              <a:t>Blog</a:t>
+              <a:t>Single Responsibility</a:t>
             </a:r>
           </a:p>
           <a:p>
             <a:pPr lvl="1"/>
             <a:r>
               <a:rPr lang="en-US" sz="2400" dirty="0" smtClean="0"/>
-              <a:t>http://blog.lozanotek.com</a:t>
-            </a:r>
-          </a:p>
-          <a:p>
+              <a:t>Transparency</a:t>
+            </a:r>
+          </a:p>
+          <a:p>
+            <a:pPr lvl="1"/>
             <a:r>
               <a:rPr lang="en-US" sz="2400" dirty="0" smtClean="0"/>
-              <a:t>Twitter</a:t>
-            </a:r>
-          </a:p>
-          <a:p>
-            <a:pPr lvl="1"/>
-            <a:r>
-              <a:rPr lang="en-US" sz="2400" dirty="0" smtClean="0"/>
-              <a:t>http://twitter.com/jglozano</a:t>
-            </a:r>
-          </a:p>
-          <a:p>
-            <a:r>
-              <a:rPr lang="en-US" sz="2400" dirty="0" smtClean="0"/>
-              <a:t>Code</a:t>
-            </a:r>
-          </a:p>
-          <a:p>
-            <a:pPr lvl="1"/>
-            <a:r>
-              <a:rPr lang="en-US" sz="2400" dirty="0" smtClean="0"/>
-              <a:t>http</a:t>
-            </a:r>
-            <a:r>
-              <a:rPr lang="en-US" sz="2400" dirty="0" smtClean="0"/>
-              <a:t>://github.com/jglozano/zenofmvc</a:t>
-            </a:r>
-            <a:endParaRPr lang="en-US" sz="2400" dirty="0" smtClean="0"/>
+              <a:t>Light Objects</a:t>
+            </a:r>
           </a:p>
         </p:txBody>
       </p:sp>
@@ -12389,11 +13012,7 @@
             </a:pPr>
             <a:r>
               <a:rPr lang="en-US" sz="2400" dirty="0" smtClean="0"/>
-              <a:t>MVC on </a:t>
-            </a:r>
-            <a:r>
-              <a:rPr lang="en-US" sz="2400" dirty="0" smtClean="0"/>
-              <a:t>ASP.NET</a:t>
+              <a:t>MVC on ASP.NET</a:t>
             </a:r>
           </a:p>
           <a:p>
@@ -12406,7 +13025,6 @@
               <a:rPr lang="en-US" sz="2400" dirty="0" smtClean="0"/>
               <a:t>DEMOS</a:t>
             </a:r>
-            <a:endParaRPr lang="en-US" sz="2400" dirty="0" smtClean="0"/>
           </a:p>
           <a:p>
             <a:pPr>
@@ -12418,7 +13036,6 @@
               <a:rPr lang="en-US" sz="2400" dirty="0" smtClean="0"/>
               <a:t>Recap</a:t>
             </a:r>
-            <a:endParaRPr lang="en-US" sz="2400" dirty="0" smtClean="0"/>
           </a:p>
           <a:p>
             <a:pPr>
@@ -12438,6 +13055,270 @@
           </a:p>
           <a:p>
             <a:endParaRPr lang="en-US" dirty="0" smtClean="0"/>
+          </a:p>
+        </p:txBody>
+      </p:sp>
+    </p:spTree>
+  </p:cSld>
+  <p:clrMapOvr>
+    <a:masterClrMapping/>
+  </p:clrMapOvr>
+  <p:transition/>
+  <p:timing>
+    <p:tnLst>
+      <p:par>
+        <p:cTn id="1" dur="indefinite" restart="never" nodeType="tmRoot"/>
+      </p:par>
+    </p:tnLst>
+  </p:timing>
+</p:sld>
+</file>
+
+<file path=ppt/slides/slide30.xml><?xml version="1.0" encoding="utf-8"?>
+<p:sld xmlns:a="http://schemas.openxmlformats.org/drawingml/2006/main" xmlns:r="http://schemas.openxmlformats.org/officeDocument/2006/relationships" xmlns:p="http://schemas.openxmlformats.org/presentationml/2006/main">
+  <p:cSld>
+    <p:spTree>
+      <p:nvGrpSpPr>
+        <p:cNvPr id="1" name=""/>
+        <p:cNvGrpSpPr/>
+        <p:nvPr/>
+      </p:nvGrpSpPr>
+      <p:grpSpPr>
+        <a:xfrm>
+          <a:off x="0" y="0"/>
+          <a:ext cx="0" cy="0"/>
+          <a:chOff x="0" y="0"/>
+          <a:chExt cx="0" cy="0"/>
+        </a:xfrm>
+      </p:grpSpPr>
+      <p:sp>
+        <p:nvSpPr>
+          <p:cNvPr id="203778" name="Rectangle 2"/>
+          <p:cNvSpPr>
+            <a:spLocks noGrp="1" noChangeArrowheads="1"/>
+          </p:cNvSpPr>
+          <p:nvPr>
+            <p:ph type="title"/>
+          </p:nvPr>
+        </p:nvSpPr>
+        <p:spPr bwMode="auto">
+          <a:ln>
+            <a:noFill/>
+            <a:miter lim="800000"/>
+            <a:headEnd/>
+            <a:tailEnd/>
+          </a:ln>
+        </p:spPr>
+        <p:txBody>
+          <a:bodyPr vert="horz" wrap="square" lIns="91440" tIns="45720" rIns="91440" bIns="45720" numCol="1" anchor="t" anchorCtr="0" compatLnSpc="1">
+            <a:prstTxWarp prst="textNoShape">
+              <a:avLst/>
+            </a:prstTxWarp>
+          </a:bodyPr>
+          <a:lstStyle/>
+          <a:p>
+            <a:pPr algn="r">
+              <a:defRPr/>
+            </a:pPr>
+            <a:r>
+              <a:rPr lang="en-US" dirty="0" smtClean="0"/>
+              <a:t>Questions?</a:t>
+            </a:r>
+          </a:p>
+        </p:txBody>
+      </p:sp>
+      <p:sp>
+        <p:nvSpPr>
+          <p:cNvPr id="28676" name="Text Placeholder 2"/>
+          <p:cNvSpPr>
+            <a:spLocks noGrp="1"/>
+          </p:cNvSpPr>
+          <p:nvPr>
+            <p:ph type="body" sz="half" idx="1"/>
+          </p:nvPr>
+        </p:nvSpPr>
+        <p:spPr bwMode="auto">
+          <a:xfrm>
+            <a:off x="1628775" y="3140075"/>
+            <a:ext cx="6230938" cy="577850"/>
+          </a:xfrm>
+          <a:noFill/>
+          <a:ln>
+            <a:miter lim="800000"/>
+            <a:headEnd/>
+            <a:tailEnd/>
+          </a:ln>
+        </p:spPr>
+        <p:txBody>
+          <a:bodyPr vert="horz" wrap="square" lIns="91440" tIns="45720" rIns="91440" bIns="45720" numCol="1" anchor="ctr" anchorCtr="0" compatLnSpc="1">
+            <a:prstTxWarp prst="textNoShape">
+              <a:avLst/>
+            </a:prstTxWarp>
+            <a:normAutofit lnSpcReduction="10000"/>
+          </a:bodyPr>
+          <a:lstStyle/>
+          <a:p>
+            <a:pPr algn="ctr">
+              <a:buFont typeface="Wingdings" pitchFamily="-64" charset="2"/>
+              <a:buNone/>
+            </a:pPr>
+            <a:r>
+              <a:rPr lang="en-US" sz="3200" dirty="0" smtClean="0"/>
+              <a:t>Clear as mud?</a:t>
+            </a:r>
+          </a:p>
+        </p:txBody>
+      </p:sp>
+    </p:spTree>
+  </p:cSld>
+  <p:clrMapOvr>
+    <a:masterClrMapping/>
+  </p:clrMapOvr>
+  <p:transition/>
+  <p:timing>
+    <p:tnLst>
+      <p:par>
+        <p:cTn id="1" dur="indefinite" restart="never" nodeType="tmRoot"/>
+      </p:par>
+    </p:tnLst>
+  </p:timing>
+</p:sld>
+</file>
+
+<file path=ppt/slides/slide31.xml><?xml version="1.0" encoding="utf-8"?>
+<p:sld xmlns:a="http://schemas.openxmlformats.org/drawingml/2006/main" xmlns:r="http://schemas.openxmlformats.org/officeDocument/2006/relationships" xmlns:p="http://schemas.openxmlformats.org/presentationml/2006/main">
+  <p:cSld>
+    <p:spTree>
+      <p:nvGrpSpPr>
+        <p:cNvPr id="1" name=""/>
+        <p:cNvGrpSpPr/>
+        <p:nvPr/>
+      </p:nvGrpSpPr>
+      <p:grpSpPr>
+        <a:xfrm>
+          <a:off x="0" y="0"/>
+          <a:ext cx="0" cy="0"/>
+          <a:chOff x="0" y="0"/>
+          <a:chExt cx="0" cy="0"/>
+        </a:xfrm>
+      </p:grpSpPr>
+      <p:sp>
+        <p:nvSpPr>
+          <p:cNvPr id="203778" name="Rectangle 2"/>
+          <p:cNvSpPr>
+            <a:spLocks noGrp="1" noChangeArrowheads="1"/>
+          </p:cNvSpPr>
+          <p:nvPr>
+            <p:ph type="title"/>
+          </p:nvPr>
+        </p:nvSpPr>
+        <p:spPr bwMode="auto">
+          <a:ln>
+            <a:noFill/>
+            <a:miter lim="800000"/>
+            <a:headEnd/>
+            <a:tailEnd/>
+          </a:ln>
+        </p:spPr>
+        <p:txBody>
+          <a:bodyPr vert="horz" wrap="square" lIns="91440" tIns="45720" rIns="91440" bIns="45720" numCol="1" anchor="t" anchorCtr="0" compatLnSpc="1">
+            <a:prstTxWarp prst="textNoShape">
+              <a:avLst/>
+            </a:prstTxWarp>
+          </a:bodyPr>
+          <a:lstStyle/>
+          <a:p>
+            <a:pPr algn="r">
+              <a:defRPr/>
+            </a:pPr>
+            <a:r>
+              <a:rPr lang="en-US" dirty="0" smtClean="0"/>
+              <a:t>THANKS!</a:t>
+            </a:r>
+          </a:p>
+        </p:txBody>
+      </p:sp>
+      <p:sp>
+        <p:nvSpPr>
+          <p:cNvPr id="29700" name="Text Placeholder 5"/>
+          <p:cNvSpPr>
+            <a:spLocks noGrp="1"/>
+          </p:cNvSpPr>
+          <p:nvPr>
+            <p:ph type="body" sz="half" idx="1"/>
+          </p:nvPr>
+        </p:nvSpPr>
+        <p:spPr bwMode="auto">
+          <a:xfrm>
+            <a:off x="457200" y="1600200"/>
+            <a:ext cx="7896225" cy="4525963"/>
+          </a:xfrm>
+          <a:noFill/>
+          <a:ln>
+            <a:miter lim="800000"/>
+            <a:headEnd/>
+            <a:tailEnd/>
+          </a:ln>
+        </p:spPr>
+        <p:txBody>
+          <a:bodyPr vert="horz" wrap="square" lIns="91440" tIns="45720" rIns="91440" bIns="45720" numCol="1" anchor="t" anchorCtr="0" compatLnSpc="1">
+            <a:prstTxWarp prst="textNoShape">
+              <a:avLst/>
+            </a:prstTxWarp>
+            <a:normAutofit/>
+          </a:bodyPr>
+          <a:lstStyle/>
+          <a:p>
+            <a:r>
+              <a:rPr lang="en-US" sz="2400" dirty="0" smtClean="0"/>
+              <a:t>Email</a:t>
+            </a:r>
+          </a:p>
+          <a:p>
+            <a:pPr lvl="1"/>
+            <a:r>
+              <a:rPr lang="en-US" sz="2400" dirty="0" smtClean="0"/>
+              <a:t>javier@lozanotek.com</a:t>
+            </a:r>
+          </a:p>
+          <a:p>
+            <a:r>
+              <a:rPr lang="en-US" sz="2400" dirty="0" smtClean="0"/>
+              <a:t>Blog</a:t>
+            </a:r>
+          </a:p>
+          <a:p>
+            <a:pPr lvl="1"/>
+            <a:r>
+              <a:rPr lang="en-US" sz="2400" dirty="0" smtClean="0"/>
+              <a:t>http://blog.lozanotek.com</a:t>
+            </a:r>
+          </a:p>
+          <a:p>
+            <a:r>
+              <a:rPr lang="en-US" sz="2400" dirty="0" smtClean="0"/>
+              <a:t>Twitter</a:t>
+            </a:r>
+          </a:p>
+          <a:p>
+            <a:pPr lvl="1"/>
+            <a:r>
+              <a:rPr lang="en-US" sz="2400" dirty="0" smtClean="0"/>
+              <a:t>http://twitter.com/jglozano</a:t>
+            </a:r>
+          </a:p>
+          <a:p>
+            <a:r>
+              <a:rPr lang="en-US" sz="2400" dirty="0" smtClean="0"/>
+              <a:t>Code</a:t>
+            </a:r>
+          </a:p>
+          <a:p>
+            <a:pPr lvl="1"/>
+            <a:r>
+              <a:rPr lang="en-US" sz="2400" dirty="0" smtClean="0"/>
+              <a:t>http://github.com/jglozano/zenofmvc</a:t>
+            </a:r>
           </a:p>
         </p:txBody>
       </p:sp>
@@ -12703,10 +13584,6 @@
               </a:lnSpc>
             </a:pPr>
             <a:r>
-              <a:rPr lang="en-US" dirty="0" smtClean="0"/>
-              <a:t> </a:t>
-            </a:r>
-            <a:r>
               <a:rPr lang="en-US" sz="2400" dirty="0" smtClean="0"/>
               <a:t>ASP.NET MVP</a:t>
             </a:r>
@@ -12719,7 +13596,7 @@
             </a:pPr>
             <a:r>
               <a:rPr lang="en-US" sz="2400" dirty="0" smtClean="0"/>
-              <a:t> ASP Insider</a:t>
+              <a:t>ASP Insider</a:t>
             </a:r>
           </a:p>
           <a:p>
@@ -12730,7 +13607,7 @@
             </a:pPr>
             <a:r>
               <a:rPr lang="en-US" sz="2400" dirty="0" smtClean="0"/>
-              <a:t> MCSD.NET</a:t>
+              <a:t>MCSD.NET</a:t>
             </a:r>
           </a:p>
           <a:p>
@@ -12741,18 +13618,7 @@
             </a:pPr>
             <a:r>
               <a:rPr lang="en-US" sz="2400" dirty="0" smtClean="0"/>
-              <a:t> Developer</a:t>
-            </a:r>
-          </a:p>
-          <a:p>
-            <a:pPr>
-              <a:lnSpc>
-                <a:spcPct val="90000"/>
-              </a:lnSpc>
-            </a:pPr>
-            <a:r>
-              <a:rPr lang="en-US" sz="2400" dirty="0" smtClean="0"/>
-              <a:t> User Group Leader</a:t>
+              <a:t>User Group Leader</a:t>
             </a:r>
           </a:p>
         </p:txBody>
@@ -12774,7 +13640,7 @@
         </p:blipFill>
         <p:spPr bwMode="auto">
           <a:xfrm>
-            <a:off x="6248400" y="3810000"/>
+            <a:off x="6257925" y="3810000"/>
             <a:ext cx="1895475" cy="695325"/>
           </a:xfrm>
           <a:prstGeom prst="rect">
@@ -12806,7 +13672,7 @@
         </p:blipFill>
         <p:spPr bwMode="auto">
           <a:xfrm>
-            <a:off x="6019800" y="2667000"/>
+            <a:off x="6019800" y="2540000"/>
             <a:ext cx="2133600" cy="863600"/>
           </a:xfrm>
           <a:prstGeom prst="rect">
@@ -12955,59 +13821,26 @@
           <a:p>
             <a:r>
               <a:rPr lang="en-US" sz="2400" dirty="0" smtClean="0"/>
-              <a:t>Email</a:t>
-            </a:r>
-          </a:p>
-          <a:p>
-            <a:pPr lvl="1"/>
+              <a:t>Email:    javier@lozanotek.com</a:t>
+            </a:r>
+          </a:p>
+          <a:p>
             <a:r>
               <a:rPr lang="en-US" sz="2400" dirty="0" smtClean="0"/>
-              <a:t>javier@lozanotek.com</a:t>
+              <a:t>Blog:     http://blog.lozanotek.com</a:t>
             </a:r>
           </a:p>
           <a:p>
             <a:r>
               <a:rPr lang="en-US" sz="2400" dirty="0" smtClean="0"/>
-              <a:t>Blog</a:t>
-            </a:r>
-          </a:p>
-          <a:p>
-            <a:pPr lvl="1"/>
+              <a:t>Twitter:  http://twitter.com/jglozano</a:t>
+            </a:r>
+          </a:p>
+          <a:p>
             <a:r>
               <a:rPr lang="en-US" sz="2400" dirty="0" smtClean="0"/>
-              <a:t>http://blog.lozanotek.com</a:t>
-            </a:r>
-          </a:p>
-          <a:p>
-            <a:r>
-              <a:rPr lang="en-US" sz="2400" dirty="0" smtClean="0"/>
-              <a:t>Twitter</a:t>
-            </a:r>
-          </a:p>
-          <a:p>
-            <a:pPr lvl="1"/>
-            <a:r>
-              <a:rPr lang="en-US" sz="2400" dirty="0" smtClean="0"/>
-              <a:t>http://twitter.com/jglozano</a:t>
-            </a:r>
-          </a:p>
-          <a:p>
-            <a:r>
-              <a:rPr lang="en-US" sz="2400" dirty="0" smtClean="0"/>
-              <a:t>Code</a:t>
-            </a:r>
-          </a:p>
-          <a:p>
-            <a:pPr lvl="1"/>
-            <a:r>
-              <a:rPr lang="en-US" sz="2400" dirty="0" smtClean="0"/>
-              <a:t>http</a:t>
-            </a:r>
-            <a:r>
-              <a:rPr lang="en-US" sz="2400" dirty="0" smtClean="0"/>
-              <a:t>://github.com/jglozano/zenofmvc</a:t>
-            </a:r>
-            <a:endParaRPr lang="en-US" sz="2400" dirty="0" smtClean="0"/>
+              <a:t>Code:    http://github.com/jglozano/zenofmvc</a:t>
+            </a:r>
           </a:p>
         </p:txBody>
       </p:sp>
@@ -13075,7 +13908,7 @@
             </a:pPr>
             <a:r>
               <a:rPr lang="en-US" dirty="0" smtClean="0"/>
-              <a:t>define Zen</a:t>
+              <a:t>JOKE TIME</a:t>
             </a:r>
           </a:p>
         </p:txBody>
@@ -13090,8 +13923,8 @@
         </p:nvSpPr>
         <p:spPr bwMode="auto">
           <a:xfrm>
-            <a:off x="1482725" y="1771650"/>
-            <a:ext cx="6791325" cy="1833563"/>
+            <a:off x="739765" y="1771650"/>
+            <a:ext cx="7664470" cy="452432"/>
           </a:xfrm>
           <a:prstGeom prst="rect">
             <a:avLst/>
@@ -13123,77 +13956,14 @@
               <a:buSzPct val="75000"/>
             </a:pPr>
             <a:r>
-              <a:rPr lang="en-US" sz="2600" b="0">
+              <a:rPr lang="en-US" sz="2600" dirty="0" smtClean="0">
                 <a:latin typeface="Tahoma" pitchFamily="-64" charset="0"/>
               </a:rPr>
-              <a:t>“</a:t>
-            </a:r>
-            <a:r>
-              <a:rPr lang="en-US" sz="2600" b="0" i="1">
-                <a:latin typeface="Tahoma" pitchFamily="-64" charset="0"/>
-              </a:rPr>
-              <a:t>…emphasis on mindful acceptance of the </a:t>
-            </a:r>
-          </a:p>
-          <a:p>
-            <a:pPr>
-              <a:lnSpc>
-                <a:spcPct val="90000"/>
-              </a:lnSpc>
-              <a:spcBef>
-                <a:spcPct val="10000"/>
-              </a:spcBef>
-              <a:spcAft>
-                <a:spcPct val="15000"/>
-              </a:spcAft>
-              <a:buSzPct val="75000"/>
-            </a:pPr>
-            <a:r>
-              <a:rPr lang="en-US" sz="2600" b="0" i="1">
-                <a:latin typeface="Tahoma" pitchFamily="-64" charset="0"/>
-              </a:rPr>
-              <a:t>	present moment, spontaneous action, </a:t>
-            </a:r>
-          </a:p>
-          <a:p>
-            <a:pPr>
-              <a:lnSpc>
-                <a:spcPct val="90000"/>
-              </a:lnSpc>
-              <a:spcBef>
-                <a:spcPct val="10000"/>
-              </a:spcBef>
-              <a:spcAft>
-                <a:spcPct val="15000"/>
-              </a:spcAft>
-              <a:buSzPct val="75000"/>
-            </a:pPr>
-            <a:r>
-              <a:rPr lang="en-US" sz="2600" b="0" i="1">
-                <a:latin typeface="Tahoma" pitchFamily="-64" charset="0"/>
-              </a:rPr>
-              <a:t>	and letting go of self-conscious, </a:t>
-            </a:r>
-          </a:p>
-          <a:p>
-            <a:pPr>
-              <a:lnSpc>
-                <a:spcPct val="90000"/>
-              </a:lnSpc>
-              <a:spcBef>
-                <a:spcPct val="10000"/>
-              </a:spcBef>
-              <a:spcAft>
-                <a:spcPct val="15000"/>
-              </a:spcAft>
-              <a:buSzPct val="75000"/>
-            </a:pPr>
-            <a:r>
-              <a:rPr lang="en-US" sz="2600" b="0" i="1">
-                <a:latin typeface="Tahoma" pitchFamily="-64" charset="0"/>
-              </a:rPr>
-              <a:t>	judgmental thinking.”</a:t>
-            </a:r>
+              <a:t>Why did the multithreaded chicken cross the road?</a:t>
+            </a:r>
+            <a:endParaRPr lang="en-US" sz="2600" b="0" i="1" dirty="0">
+              <a:latin typeface="Tahoma" pitchFamily="-64" charset="0"/>
+            </a:endParaRPr>
           </a:p>
         </p:txBody>
       </p:sp>
@@ -13208,7 +13978,7 @@
         <p:spPr bwMode="auto">
           <a:xfrm>
             <a:off x="4083050" y="4168775"/>
-            <a:ext cx="3587750" cy="400050"/>
+            <a:ext cx="3998467" cy="400110"/>
           </a:xfrm>
           <a:prstGeom prst="rect">
             <a:avLst/>
@@ -13228,11 +13998,38 @@
           <a:lstStyle/>
           <a:p>
             <a:r>
-              <a:rPr lang="en-US" sz="2000" i="1">
+              <a:rPr lang="en-US" sz="2000" i="1" dirty="0" smtClean="0">
                 <a:latin typeface="Candara" pitchFamily="34" charset="0"/>
               </a:rPr>
-              <a:t>http://en.wikipedia.org/wiki/zen</a:t>
-            </a:r>
+              <a:t>-Mike </a:t>
+            </a:r>
+            <a:r>
+              <a:rPr lang="en-US" sz="2000" i="1" dirty="0" err="1" smtClean="0">
+                <a:latin typeface="Candara" pitchFamily="34" charset="0"/>
+              </a:rPr>
+              <a:t>Woodring</a:t>
+            </a:r>
+            <a:r>
+              <a:rPr lang="en-US" sz="2000" i="1" dirty="0" smtClean="0">
+                <a:latin typeface="Candara" pitchFamily="34" charset="0"/>
+              </a:rPr>
+              <a:t>, </a:t>
+            </a:r>
+            <a:r>
+              <a:rPr lang="en-US" sz="2000" i="1" dirty="0" err="1" smtClean="0">
+                <a:latin typeface="Candara" pitchFamily="34" charset="0"/>
+              </a:rPr>
+              <a:t>Pluralsight</a:t>
+            </a:r>
+            <a:r>
+              <a:rPr lang="en-US" sz="2000" i="1" dirty="0" smtClean="0">
+                <a:latin typeface="Candara" pitchFamily="34" charset="0"/>
+              </a:rPr>
+              <a:t> Training</a:t>
+            </a:r>
+            <a:endParaRPr lang="en-US" sz="2000" i="1" dirty="0">
+              <a:latin typeface="Candara" pitchFamily="34" charset="0"/>
+            </a:endParaRPr>
           </a:p>
         </p:txBody>
       </p:sp>
@@ -13300,38 +14097,38 @@
             </a:pPr>
             <a:r>
               <a:rPr lang="en-US" dirty="0" smtClean="0"/>
-              <a:t>What is the Zen of ASP.NET?</a:t>
-            </a:r>
-          </a:p>
-        </p:txBody>
-      </p:sp>
-      <p:sp>
-        <p:nvSpPr>
-          <p:cNvPr id="6148" name="Text Placeholder 2"/>
-          <p:cNvSpPr>
-            <a:spLocks noGrp="1"/>
-          </p:cNvSpPr>
-          <p:nvPr>
-            <p:ph type="body" sz="half" idx="1"/>
-          </p:nvPr>
+              <a:t>JOKE TIME</a:t>
+            </a:r>
+          </a:p>
+        </p:txBody>
+      </p:sp>
+      <p:sp>
+        <p:nvSpPr>
+          <p:cNvPr id="5124" name="Rectangle 8"/>
+          <p:cNvSpPr>
+            <a:spLocks noChangeArrowheads="1"/>
+          </p:cNvSpPr>
+          <p:nvPr/>
         </p:nvSpPr>
         <p:spPr bwMode="auto">
           <a:xfrm>
-            <a:off x="457200" y="1600200"/>
-            <a:ext cx="7423150" cy="4525963"/>
+            <a:off x="739765" y="1771650"/>
+            <a:ext cx="7664470" cy="1372683"/>
           </a:xfrm>
-          <a:noFill/>
-          <a:ln>
+          <a:prstGeom prst="rect">
+            <a:avLst/>
+          </a:prstGeom>
+          <a:noFill/>
+          <a:ln w="9525">
+            <a:noFill/>
             <a:miter lim="800000"/>
             <a:headEnd/>
             <a:tailEnd/>
           </a:ln>
         </p:spPr>
         <p:txBody>
-          <a:bodyPr vert="horz" wrap="square" lIns="91440" tIns="45720" rIns="91440" bIns="45720" numCol="1" anchor="t" anchorCtr="0" compatLnSpc="1">
-            <a:prstTxWarp prst="textNoShape">
-              <a:avLst/>
-            </a:prstTxWarp>
+          <a:bodyPr wrap="none">
+            <a:spAutoFit/>
           </a:bodyPr>
           <a:lstStyle/>
           <a:p>
@@ -13339,91 +14136,138 @@
               <a:lnSpc>
                 <a:spcPct val="90000"/>
               </a:lnSpc>
+              <a:spcBef>
+                <a:spcPct val="10000"/>
+              </a:spcBef>
+              <a:spcAft>
+                <a:spcPct val="15000"/>
+              </a:spcAft>
+              <a:buSzPct val="75000"/>
             </a:pPr>
             <a:r>
-              <a:rPr lang="en-US" sz="2400" dirty="0" smtClean="0"/>
-              <a:t>ASP.NET is a platform, not a framework</a:t>
-            </a:r>
-          </a:p>
-          <a:p>
-            <a:pPr lvl="1">
+              <a:rPr lang="en-US" sz="2600" dirty="0" smtClean="0">
+                <a:latin typeface="Tahoma" pitchFamily="-64" charset="0"/>
+              </a:rPr>
+              <a:t>Why did the multithreaded chicken cross the road?</a:t>
+            </a:r>
+          </a:p>
+          <a:p>
+            <a:pPr>
               <a:lnSpc>
                 <a:spcPct val="90000"/>
               </a:lnSpc>
+              <a:spcBef>
+                <a:spcPct val="10000"/>
+              </a:spcBef>
+              <a:spcAft>
+                <a:spcPct val="15000"/>
+              </a:spcAft>
+              <a:buSzPct val="75000"/>
             </a:pPr>
-            <a:r>
-              <a:rPr lang="en-US" sz="2400" dirty="0" smtClean="0"/>
-              <a:t>Provider Model</a:t>
-            </a:r>
-          </a:p>
-          <a:p>
-            <a:pPr lvl="1">
+            <a:endParaRPr lang="en-US" sz="2600" b="0" i="1" dirty="0" smtClean="0">
+              <a:latin typeface="Tahoma" pitchFamily="-64" charset="0"/>
+            </a:endParaRPr>
+          </a:p>
+          <a:p>
+            <a:pPr>
               <a:lnSpc>
                 <a:spcPct val="90000"/>
               </a:lnSpc>
+              <a:spcBef>
+                <a:spcPct val="10000"/>
+              </a:spcBef>
+              <a:spcAft>
+                <a:spcPct val="15000"/>
+              </a:spcAft>
+              <a:buSzPct val="75000"/>
             </a:pPr>
             <a:r>
-              <a:rPr lang="en-US" sz="2400" dirty="0" smtClean="0"/>
-              <a:t>Caching</a:t>
-            </a:r>
-          </a:p>
-          <a:p>
-            <a:pPr lvl="1">
-              <a:lnSpc>
-                <a:spcPct val="90000"/>
-              </a:lnSpc>
-            </a:pPr>
-            <a:r>
-              <a:rPr lang="en-US" sz="2400" dirty="0" smtClean="0"/>
-              <a:t>Master Pages</a:t>
-            </a:r>
-          </a:p>
-          <a:p>
-            <a:pPr lvl="1">
-              <a:lnSpc>
-                <a:spcPct val="90000"/>
-              </a:lnSpc>
-            </a:pPr>
-            <a:r>
-              <a:rPr lang="en-US" sz="2400" dirty="0" smtClean="0"/>
-              <a:t>Session State</a:t>
-            </a:r>
-          </a:p>
-          <a:p>
-            <a:pPr lvl="1">
-              <a:lnSpc>
-                <a:spcPct val="90000"/>
-              </a:lnSpc>
-            </a:pPr>
-            <a:r>
-              <a:rPr lang="en-US" sz="2400" dirty="0" smtClean="0"/>
-              <a:t>Page/Control Lifecycle</a:t>
-            </a:r>
-          </a:p>
-          <a:p>
-            <a:pPr lvl="1">
-              <a:lnSpc>
-                <a:spcPct val="90000"/>
-              </a:lnSpc>
-            </a:pPr>
-            <a:r>
-              <a:rPr lang="en-US" sz="2400" dirty="0" smtClean="0"/>
-              <a:t>AJAX</a:t>
-            </a:r>
-          </a:p>
-          <a:p>
-            <a:pPr lvl="1">
-              <a:lnSpc>
-                <a:spcPct val="90000"/>
-              </a:lnSpc>
-            </a:pPr>
-            <a:r>
-              <a:rPr lang="en-US" sz="2400" dirty="0" smtClean="0"/>
-              <a:t>etc.</a:t>
-            </a:r>
-          </a:p>
-          <a:p>
-            <a:endParaRPr lang="en-US" dirty="0" smtClean="0"/>
+              <a:rPr lang="en-US" sz="2600" i="1" dirty="0" smtClean="0">
+                <a:latin typeface="Tahoma" pitchFamily="-64" charset="0"/>
+              </a:rPr>
+              <a:t>		to </a:t>
+            </a:r>
+            <a:r>
+              <a:rPr lang="en-US" sz="2600" i="1" dirty="0" err="1" smtClean="0">
+                <a:latin typeface="Tahoma" pitchFamily="-64" charset="0"/>
+              </a:rPr>
+              <a:t>To</a:t>
+            </a:r>
+            <a:r>
+              <a:rPr lang="en-US" sz="2600" i="1" dirty="0" smtClean="0">
+                <a:latin typeface="Tahoma" pitchFamily="-64" charset="0"/>
+              </a:rPr>
+              <a:t> other side. get the</a:t>
+            </a:r>
+            <a:endParaRPr lang="en-US" sz="2600" b="0" i="1" dirty="0">
+              <a:latin typeface="Tahoma" pitchFamily="-64" charset="0"/>
+            </a:endParaRPr>
+          </a:p>
+        </p:txBody>
+      </p:sp>
+      <p:sp>
+        <p:nvSpPr>
+          <p:cNvPr id="5" name="TextBox 4"/>
+          <p:cNvSpPr txBox="1">
+            <a:spLocks noChangeArrowheads="1"/>
+          </p:cNvSpPr>
+          <p:nvPr/>
+        </p:nvSpPr>
+        <p:spPr bwMode="auto">
+          <a:xfrm>
+            <a:off x="4083050" y="4168775"/>
+            <a:ext cx="3998467" cy="400110"/>
+          </a:xfrm>
+          <a:prstGeom prst="rect">
+            <a:avLst/>
+          </a:prstGeom>
+          <a:noFill/>
+          <a:ln w="9525">
+            <a:noFill/>
+            <a:miter lim="800000"/>
+            <a:headEnd/>
+            <a:tailEnd/>
+          </a:ln>
+        </p:spPr>
+        <p:txBody>
+          <a:bodyPr wrap="none">
+            <a:spAutoFit/>
+          </a:bodyPr>
+          <a:lstStyle/>
+          <a:p>
+            <a:r>
+              <a:rPr lang="en-US" sz="2000" i="1" dirty="0" smtClean="0">
+                <a:latin typeface="Candara" pitchFamily="34" charset="0"/>
+              </a:rPr>
+              <a:t>-Mike </a:t>
+            </a:r>
+            <a:r>
+              <a:rPr lang="en-US" sz="2000" i="1" dirty="0" err="1" smtClean="0">
+                <a:latin typeface="Candara" pitchFamily="34" charset="0"/>
+              </a:rPr>
+              <a:t>Woodring</a:t>
+            </a:r>
+            <a:r>
+              <a:rPr lang="en-US" sz="2000" i="1" dirty="0" smtClean="0">
+                <a:latin typeface="Candara" pitchFamily="34" charset="0"/>
+              </a:rPr>
+              <a:t>, </a:t>
+            </a:r>
+            <a:r>
+              <a:rPr lang="en-US" sz="2000" i="1" dirty="0" err="1" smtClean="0">
+                <a:latin typeface="Candara" pitchFamily="34" charset="0"/>
+              </a:rPr>
+              <a:t>Pluralsight</a:t>
+            </a:r>
+            <a:r>
+              <a:rPr lang="en-US" sz="2000" i="1" dirty="0" smtClean="0">
+                <a:latin typeface="Candara" pitchFamily="34" charset="0"/>
+              </a:rPr>
+              <a:t> Training</a:t>
+            </a:r>
+            <a:endParaRPr lang="en-US" sz="2000" i="1" dirty="0">
+              <a:latin typeface="Candara" pitchFamily="34" charset="0"/>
+            </a:endParaRPr>
           </a:p>
         </p:txBody>
       </p:sp>
@@ -13491,39 +14335,38 @@
             </a:pPr>
             <a:r>
               <a:rPr lang="en-US" dirty="0" smtClean="0"/>
-              <a:t>What is the Zen of ASP.NET?</a:t>
-            </a:r>
-          </a:p>
-        </p:txBody>
-      </p:sp>
-      <p:sp>
-        <p:nvSpPr>
-          <p:cNvPr id="7172" name="Text Placeholder 2"/>
-          <p:cNvSpPr>
-            <a:spLocks noGrp="1"/>
-          </p:cNvSpPr>
-          <p:nvPr>
-            <p:ph type="body" sz="half" idx="1"/>
-          </p:nvPr>
+              <a:t>define Zen</a:t>
+            </a:r>
+          </a:p>
+        </p:txBody>
+      </p:sp>
+      <p:sp>
+        <p:nvSpPr>
+          <p:cNvPr id="5124" name="Rectangle 8"/>
+          <p:cNvSpPr>
+            <a:spLocks noChangeArrowheads="1"/>
+          </p:cNvSpPr>
+          <p:nvPr/>
         </p:nvSpPr>
         <p:spPr bwMode="auto">
           <a:xfrm>
-            <a:off x="457200" y="1600200"/>
-            <a:ext cx="7237413" cy="4525963"/>
+            <a:off x="1482725" y="1771650"/>
+            <a:ext cx="6791325" cy="1833563"/>
           </a:xfrm>
-          <a:noFill/>
-          <a:ln>
+          <a:prstGeom prst="rect">
+            <a:avLst/>
+          </a:prstGeom>
+          <a:noFill/>
+          <a:ln w="9525">
+            <a:noFill/>
             <a:miter lim="800000"/>
             <a:headEnd/>
             <a:tailEnd/>
           </a:ln>
         </p:spPr>
         <p:txBody>
-          <a:bodyPr vert="horz" wrap="square" lIns="91440" tIns="45720" rIns="91440" bIns="45720" numCol="1" anchor="t" anchorCtr="0" compatLnSpc="1">
-            <a:prstTxWarp prst="textNoShape">
-              <a:avLst/>
-            </a:prstTxWarp>
-            <a:normAutofit/>
+          <a:bodyPr wrap="none">
+            <a:spAutoFit/>
           </a:bodyPr>
           <a:lstStyle/>
           <a:p>
@@ -13531,86 +14374,125 @@
               <a:lnSpc>
                 <a:spcPct val="90000"/>
               </a:lnSpc>
+              <a:spcBef>
+                <a:spcPct val="10000"/>
+              </a:spcBef>
+              <a:spcAft>
+                <a:spcPct val="15000"/>
+              </a:spcAft>
+              <a:buSzPct val="75000"/>
             </a:pPr>
             <a:r>
-              <a:rPr lang="en-US" sz="2400" dirty="0" smtClean="0"/>
-              <a:t>At the end of the day, it’s all about:</a:t>
-            </a:r>
-          </a:p>
-          <a:p>
-            <a:pPr lvl="1">
+              <a:rPr lang="en-US" sz="2600" b="0">
+                <a:latin typeface="Tahoma" pitchFamily="-64" charset="0"/>
+              </a:rPr>
+              <a:t>“</a:t>
+            </a:r>
+            <a:r>
+              <a:rPr lang="en-US" sz="2600" b="0" i="1">
+                <a:latin typeface="Tahoma" pitchFamily="-64" charset="0"/>
+              </a:rPr>
+              <a:t>…emphasis on mindful acceptance of the </a:t>
+            </a:r>
+          </a:p>
+          <a:p>
+            <a:pPr>
               <a:lnSpc>
                 <a:spcPct val="90000"/>
               </a:lnSpc>
+              <a:spcBef>
+                <a:spcPct val="10000"/>
+              </a:spcBef>
+              <a:spcAft>
+                <a:spcPct val="15000"/>
+              </a:spcAft>
+              <a:buSzPct val="75000"/>
             </a:pPr>
             <a:r>
-              <a:rPr lang="en-US" sz="2400" dirty="0" err="1" smtClean="0"/>
-              <a:t>IHttpHandler</a:t>
-            </a:r>
-            <a:endParaRPr lang="en-US" sz="2400" dirty="0" smtClean="0"/>
-          </a:p>
-          <a:p>
-            <a:pPr lvl="1">
+              <a:rPr lang="en-US" sz="2600" b="0" i="1">
+                <a:latin typeface="Tahoma" pitchFamily="-64" charset="0"/>
+              </a:rPr>
+              <a:t>	present moment, spontaneous action, </a:t>
+            </a:r>
+          </a:p>
+          <a:p>
+            <a:pPr>
               <a:lnSpc>
                 <a:spcPct val="90000"/>
               </a:lnSpc>
+              <a:spcBef>
+                <a:spcPct val="10000"/>
+              </a:spcBef>
+              <a:spcAft>
+                <a:spcPct val="15000"/>
+              </a:spcAft>
+              <a:buSzPct val="75000"/>
             </a:pPr>
             <a:r>
-              <a:rPr lang="en-US" sz="2400" dirty="0" err="1" smtClean="0"/>
-              <a:t>IHttpHandlerFactory</a:t>
-            </a:r>
-            <a:endParaRPr lang="en-US" sz="2400" dirty="0" smtClean="0"/>
-          </a:p>
-          <a:p>
-            <a:pPr lvl="1">
+              <a:rPr lang="en-US" sz="2600" b="0" i="1">
+                <a:latin typeface="Tahoma" pitchFamily="-64" charset="0"/>
+              </a:rPr>
+              <a:t>	and letting go of self-conscious, </a:t>
+            </a:r>
+          </a:p>
+          <a:p>
+            <a:pPr>
               <a:lnSpc>
                 <a:spcPct val="90000"/>
               </a:lnSpc>
+              <a:spcBef>
+                <a:spcPct val="10000"/>
+              </a:spcBef>
+              <a:spcAft>
+                <a:spcPct val="15000"/>
+              </a:spcAft>
+              <a:buSzPct val="75000"/>
             </a:pPr>
             <a:r>
-              <a:rPr lang="en-US" sz="2400" dirty="0" err="1" smtClean="0"/>
-              <a:t>IHttpModule</a:t>
-            </a:r>
-            <a:endParaRPr lang="en-US" sz="2400" dirty="0" smtClean="0"/>
-          </a:p>
-          <a:p>
-            <a:pPr lvl="1">
-              <a:lnSpc>
-                <a:spcPct val="90000"/>
-              </a:lnSpc>
-            </a:pPr>
-            <a:r>
-              <a:rPr lang="en-US" sz="2400" dirty="0" err="1" smtClean="0"/>
-              <a:t>HttpApplication</a:t>
-            </a:r>
-            <a:endParaRPr lang="en-US" sz="2400" dirty="0" smtClean="0"/>
-          </a:p>
-          <a:p>
-            <a:pPr lvl="1">
-              <a:lnSpc>
-                <a:spcPct val="90000"/>
-              </a:lnSpc>
-            </a:pPr>
-            <a:r>
-              <a:rPr lang="en-US" sz="2400" dirty="0" err="1" smtClean="0"/>
-              <a:t>HttpRuntime</a:t>
-            </a:r>
-            <a:endParaRPr lang="en-US" sz="2400" dirty="0" smtClean="0"/>
-          </a:p>
-          <a:p>
-            <a:pPr lvl="1">
-              <a:lnSpc>
-                <a:spcPct val="90000"/>
-              </a:lnSpc>
-            </a:pPr>
-            <a:r>
-              <a:rPr lang="en-US" sz="2400" dirty="0" err="1" smtClean="0"/>
-              <a:t>HttpContext</a:t>
-            </a:r>
-            <a:endParaRPr lang="en-US" sz="2400" dirty="0" smtClean="0"/>
-          </a:p>
-          <a:p>
-            <a:endParaRPr lang="en-US" sz="2400" dirty="0" smtClean="0"/>
+              <a:rPr lang="en-US" sz="2600" b="0" i="1">
+                <a:latin typeface="Tahoma" pitchFamily="-64" charset="0"/>
+              </a:rPr>
+              <a:t>	judgmental thinking.”</a:t>
+            </a:r>
+          </a:p>
+        </p:txBody>
+      </p:sp>
+      <p:sp>
+        <p:nvSpPr>
+          <p:cNvPr id="5125" name="TextBox 4"/>
+          <p:cNvSpPr txBox="1">
+            <a:spLocks noChangeArrowheads="1"/>
+          </p:cNvSpPr>
+          <p:nvPr/>
+        </p:nvSpPr>
+        <p:spPr bwMode="auto">
+          <a:xfrm>
+            <a:off x="4083050" y="4168775"/>
+            <a:ext cx="3587750" cy="400050"/>
+          </a:xfrm>
+          <a:prstGeom prst="rect">
+            <a:avLst/>
+          </a:prstGeom>
+          <a:noFill/>
+          <a:ln w="9525">
+            <a:noFill/>
+            <a:miter lim="800000"/>
+            <a:headEnd/>
+            <a:tailEnd/>
+          </a:ln>
+        </p:spPr>
+        <p:txBody>
+          <a:bodyPr wrap="none">
+            <a:spAutoFit/>
+          </a:bodyPr>
+          <a:lstStyle/>
+          <a:p>
+            <a:r>
+              <a:rPr lang="en-US" sz="2000" i="1">
+                <a:latin typeface="Candara" pitchFamily="34" charset="0"/>
+              </a:rPr>
+              <a:t>http://en.wikipedia.org/wiki/zen</a:t>
+            </a:r>
           </a:p>
         </p:txBody>
       </p:sp>
